--- a/html講義/ch08.pptx
+++ b/html講義/ch08.pptx
@@ -231,7 +231,7 @@
           <a:p>
             <a:fld id="{40FFE190-182B-4A52-8A98-A0159760F2BF}" type="datetimeFigureOut">
               <a:rPr lang="zh-TW" altLang="en-US" smtClean="0"/>
-              <a:t>2017/8/23</a:t>
+              <a:t>2025/3/18</a:t>
             </a:fld>
             <a:endParaRPr lang="zh-TW" altLang="en-US"/>
           </a:p>
@@ -295,38 +295,37 @@
           <a:p>
             <a:pPr lvl="0"/>
             <a:r>
-              <a:rPr lang="zh-TW" altLang="en-US" smtClean="0"/>
+              <a:rPr lang="zh-TW" altLang="en-US"/>
               <a:t>按一下以編輯母片文字樣式</a:t>
             </a:r>
           </a:p>
           <a:p>
             <a:pPr lvl="1"/>
             <a:r>
-              <a:rPr lang="zh-TW" altLang="en-US" smtClean="0"/>
+              <a:rPr lang="zh-TW" altLang="en-US"/>
               <a:t>第二層</a:t>
             </a:r>
           </a:p>
           <a:p>
             <a:pPr lvl="2"/>
             <a:r>
-              <a:rPr lang="zh-TW" altLang="en-US" smtClean="0"/>
+              <a:rPr lang="zh-TW" altLang="en-US"/>
               <a:t>第三層</a:t>
             </a:r>
           </a:p>
           <a:p>
             <a:pPr lvl="3"/>
             <a:r>
-              <a:rPr lang="zh-TW" altLang="en-US" smtClean="0"/>
+              <a:rPr lang="zh-TW" altLang="en-US"/>
               <a:t>第四層</a:t>
             </a:r>
           </a:p>
           <a:p>
             <a:pPr lvl="4"/>
             <a:r>
-              <a:rPr lang="zh-TW" altLang="en-US" smtClean="0"/>
+              <a:rPr lang="zh-TW" altLang="en-US"/>
               <a:t>第五層</a:t>
             </a:r>
-            <a:endParaRPr lang="zh-TW" altLang="en-US"/>
           </a:p>
         </p:txBody>
       </p:sp>
@@ -867,10 +866,9 @@
           </a:lstStyle>
           <a:p>
             <a:r>
-              <a:rPr lang="zh-TW" altLang="en-US" dirty="0" smtClean="0"/>
+              <a:rPr lang="zh-TW" altLang="en-US" dirty="0"/>
               <a:t>大標題樣式</a:t>
             </a:r>
-            <a:endParaRPr lang="zh-TW" altLang="en-US" dirty="0"/>
           </a:p>
         </p:txBody>
       </p:sp>
@@ -987,7 +985,7 @@
           </a:lstStyle>
           <a:p>
             <a:r>
-              <a:rPr lang="zh-TW" altLang="en-US" smtClean="0"/>
+              <a:rPr lang="zh-TW" altLang="en-US"/>
               <a:t>按一下以編輯母片副標題樣式</a:t>
             </a:r>
             <a:endParaRPr lang="zh-TW" altLang="en-US" dirty="0"/>
@@ -1073,10 +1071,9 @@
           </a:lstStyle>
           <a:p>
             <a:r>
-              <a:rPr lang="zh-TW" altLang="en-US" smtClean="0"/>
+              <a:rPr lang="zh-TW" altLang="en-US"/>
               <a:t>按一下以編輯母片標題樣式</a:t>
             </a:r>
-            <a:endParaRPr lang="zh-TW" altLang="en-US"/>
           </a:p>
         </p:txBody>
       </p:sp>
@@ -1133,38 +1130,37 @@
           <a:p>
             <a:pPr lvl="0"/>
             <a:r>
-              <a:rPr lang="zh-TW" altLang="en-US" dirty="0" smtClean="0"/>
+              <a:rPr lang="zh-TW" altLang="en-US" dirty="0"/>
               <a:t> 按一下以編輯母片文字樣式</a:t>
             </a:r>
           </a:p>
           <a:p>
             <a:pPr lvl="1"/>
             <a:r>
-              <a:rPr lang="zh-TW" altLang="en-US" dirty="0" smtClean="0"/>
+              <a:rPr lang="zh-TW" altLang="en-US" dirty="0"/>
               <a:t> 第二層</a:t>
             </a:r>
           </a:p>
           <a:p>
             <a:pPr lvl="2"/>
             <a:r>
-              <a:rPr lang="zh-TW" altLang="en-US" dirty="0" smtClean="0"/>
+              <a:rPr lang="zh-TW" altLang="en-US" dirty="0"/>
               <a:t> 第三層</a:t>
             </a:r>
           </a:p>
           <a:p>
             <a:pPr lvl="3"/>
             <a:r>
-              <a:rPr lang="zh-TW" altLang="en-US" dirty="0" smtClean="0"/>
+              <a:rPr lang="zh-TW" altLang="en-US" dirty="0"/>
               <a:t>第四層</a:t>
             </a:r>
           </a:p>
           <a:p>
             <a:pPr lvl="4"/>
             <a:r>
-              <a:rPr lang="zh-TW" altLang="en-US" dirty="0" smtClean="0"/>
+              <a:rPr lang="zh-TW" altLang="en-US" dirty="0"/>
               <a:t>第五層</a:t>
             </a:r>
-            <a:endParaRPr lang="zh-TW" altLang="en-US" dirty="0"/>
           </a:p>
         </p:txBody>
       </p:sp>
@@ -1195,7 +1191,7 @@
           <a:p>
             <a:fld id="{73C60B8F-6E0C-47F3-936F-4237E8F7C39E}" type="datetime1">
               <a:rPr lang="zh-TW" altLang="en-US" smtClean="0"/>
-              <a:t>2017/8/23</a:t>
+              <a:t>2025/3/18</a:t>
             </a:fld>
             <a:endParaRPr lang="zh-TW" altLang="en-US"/>
           </a:p>
@@ -1227,11 +1223,11 @@
           </a:lstStyle>
           <a:p>
             <a:r>
-              <a:rPr lang="zh-TW" altLang="en-US" smtClean="0"/>
+              <a:rPr lang="zh-TW" altLang="en-US"/>
               <a:t>多媒體程式設計</a:t>
             </a:r>
             <a:r>
-              <a:rPr lang="en-US" altLang="zh-TW" smtClean="0"/>
+              <a:rPr lang="en-US" altLang="zh-TW"/>
               <a:t>-CSS</a:t>
             </a:r>
             <a:endParaRPr lang="zh-TW" altLang="en-US"/>
@@ -1349,10 +1345,9 @@
           </a:lstStyle>
           <a:p>
             <a:r>
-              <a:rPr lang="zh-TW" altLang="en-US" smtClean="0"/>
+              <a:rPr lang="zh-TW" altLang="en-US"/>
               <a:t>按一下以編輯母片標題樣式</a:t>
             </a:r>
-            <a:endParaRPr lang="zh-TW" altLang="en-US"/>
           </a:p>
         </p:txBody>
       </p:sp>
@@ -1399,38 +1394,37 @@
           <a:p>
             <a:pPr lvl="0"/>
             <a:r>
-              <a:rPr lang="zh-TW" altLang="en-US" dirty="0" smtClean="0"/>
+              <a:rPr lang="zh-TW" altLang="en-US" dirty="0"/>
               <a:t> 按一下以編輯母片文字樣式</a:t>
             </a:r>
           </a:p>
           <a:p>
             <a:pPr lvl="1"/>
             <a:r>
-              <a:rPr lang="zh-TW" altLang="en-US" dirty="0" smtClean="0"/>
+              <a:rPr lang="zh-TW" altLang="en-US" dirty="0"/>
               <a:t> 第二層</a:t>
             </a:r>
           </a:p>
           <a:p>
             <a:pPr lvl="2"/>
             <a:r>
-              <a:rPr lang="zh-TW" altLang="en-US" dirty="0" smtClean="0"/>
+              <a:rPr lang="zh-TW" altLang="en-US" dirty="0"/>
               <a:t> 第三層</a:t>
             </a:r>
           </a:p>
           <a:p>
             <a:pPr lvl="3"/>
             <a:r>
-              <a:rPr lang="zh-TW" altLang="en-US" dirty="0" smtClean="0"/>
+              <a:rPr lang="zh-TW" altLang="en-US" dirty="0"/>
               <a:t>第四層</a:t>
             </a:r>
           </a:p>
           <a:p>
             <a:pPr lvl="4"/>
             <a:r>
-              <a:rPr lang="zh-TW" altLang="en-US" dirty="0" smtClean="0"/>
+              <a:rPr lang="zh-TW" altLang="en-US" dirty="0"/>
               <a:t>第五層</a:t>
             </a:r>
-            <a:endParaRPr lang="zh-TW" altLang="en-US" dirty="0"/>
           </a:p>
         </p:txBody>
       </p:sp>
@@ -1466,7 +1460,7 @@
           <a:p>
             <a:fld id="{AD38DA86-8DE4-4B8F-A9DA-0365F85FD4F1}" type="datetime1">
               <a:rPr lang="zh-TW" altLang="en-US" smtClean="0"/>
-              <a:t>2017/8/23</a:t>
+              <a:t>2025/3/18</a:t>
             </a:fld>
             <a:endParaRPr lang="zh-TW" altLang="en-US"/>
           </a:p>
@@ -1503,11 +1497,11 @@
           </a:lstStyle>
           <a:p>
             <a:r>
-              <a:rPr lang="zh-TW" altLang="en-US" smtClean="0"/>
+              <a:rPr lang="zh-TW" altLang="en-US"/>
               <a:t>多媒體程式設計</a:t>
             </a:r>
             <a:r>
-              <a:rPr lang="en-US" altLang="zh-TW" smtClean="0"/>
+              <a:rPr lang="en-US" altLang="zh-TW"/>
               <a:t>-CSS</a:t>
             </a:r>
             <a:endParaRPr lang="zh-TW" altLang="en-US"/>
@@ -1603,10 +1597,9 @@
           <a:lstStyle/>
           <a:p>
             <a:r>
-              <a:rPr lang="zh-TW" altLang="en-US" smtClean="0"/>
+              <a:rPr lang="zh-TW" altLang="en-US"/>
               <a:t>按一下以編輯母片標題樣式</a:t>
             </a:r>
-            <a:endParaRPr lang="zh-TW" altLang="en-US"/>
           </a:p>
         </p:txBody>
       </p:sp>
@@ -1722,10 +1715,9 @@
           </a:lstStyle>
           <a:p>
             <a:r>
-              <a:rPr lang="zh-TW" altLang="en-US" smtClean="0"/>
+              <a:rPr lang="zh-TW" altLang="en-US"/>
               <a:t>按一下以編輯母片副標題樣式</a:t>
             </a:r>
-            <a:endParaRPr lang="zh-TW" altLang="en-US"/>
           </a:p>
         </p:txBody>
       </p:sp>
@@ -1750,7 +1742,7 @@
           <a:p>
             <a:fld id="{60EFFC23-CB1B-43F1-BA6B-CFCA1475DCB4}" type="datetime1">
               <a:rPr lang="zh-TW" altLang="en-US" smtClean="0"/>
-              <a:t>2017/8/23</a:t>
+              <a:t>2025/3/18</a:t>
             </a:fld>
             <a:endParaRPr lang="zh-TW" altLang="en-US"/>
           </a:p>
@@ -1776,11 +1768,11 @@
           </a:lstStyle>
           <a:p>
             <a:r>
-              <a:rPr lang="zh-TW" altLang="en-US" smtClean="0"/>
+              <a:rPr lang="zh-TW" altLang="en-US"/>
               <a:t>多媒體程式設計</a:t>
             </a:r>
             <a:r>
-              <a:rPr lang="en-US" altLang="zh-TW" smtClean="0"/>
+              <a:rPr lang="en-US" altLang="zh-TW"/>
               <a:t>-CSS</a:t>
             </a:r>
             <a:endParaRPr lang="zh-TW" altLang="en-US"/>
@@ -1860,10 +1852,9 @@
           <a:lstStyle/>
           <a:p>
             <a:r>
-              <a:rPr lang="zh-TW" altLang="en-US" smtClean="0"/>
+              <a:rPr lang="zh-TW" altLang="en-US"/>
               <a:t>按一下以編輯母片標題樣式</a:t>
             </a:r>
-            <a:endParaRPr lang="zh-TW" altLang="en-US"/>
           </a:p>
         </p:txBody>
       </p:sp>
@@ -1917,38 +1908,37 @@
           <a:p>
             <a:pPr lvl="0"/>
             <a:r>
-              <a:rPr lang="zh-TW" altLang="en-US" smtClean="0"/>
+              <a:rPr lang="zh-TW" altLang="en-US"/>
               <a:t>按一下以編輯母片文字樣式</a:t>
             </a:r>
           </a:p>
           <a:p>
             <a:pPr lvl="1"/>
             <a:r>
-              <a:rPr lang="zh-TW" altLang="en-US" smtClean="0"/>
+              <a:rPr lang="zh-TW" altLang="en-US"/>
               <a:t>第二層</a:t>
             </a:r>
           </a:p>
           <a:p>
             <a:pPr lvl="2"/>
             <a:r>
-              <a:rPr lang="zh-TW" altLang="en-US" smtClean="0"/>
+              <a:rPr lang="zh-TW" altLang="en-US"/>
               <a:t>第三層</a:t>
             </a:r>
           </a:p>
           <a:p>
             <a:pPr lvl="3"/>
             <a:r>
-              <a:rPr lang="zh-TW" altLang="en-US" smtClean="0"/>
+              <a:rPr lang="zh-TW" altLang="en-US"/>
               <a:t>第四層</a:t>
             </a:r>
           </a:p>
           <a:p>
             <a:pPr lvl="4"/>
             <a:r>
-              <a:rPr lang="zh-TW" altLang="en-US" smtClean="0"/>
+              <a:rPr lang="zh-TW" altLang="en-US"/>
               <a:t>第五層</a:t>
             </a:r>
-            <a:endParaRPr lang="zh-TW" altLang="en-US"/>
           </a:p>
         </p:txBody>
       </p:sp>
@@ -2002,38 +1992,37 @@
           <a:p>
             <a:pPr lvl="0"/>
             <a:r>
-              <a:rPr lang="zh-TW" altLang="en-US" smtClean="0"/>
+              <a:rPr lang="zh-TW" altLang="en-US"/>
               <a:t>按一下以編輯母片文字樣式</a:t>
             </a:r>
           </a:p>
           <a:p>
             <a:pPr lvl="1"/>
             <a:r>
-              <a:rPr lang="zh-TW" altLang="en-US" smtClean="0"/>
+              <a:rPr lang="zh-TW" altLang="en-US"/>
               <a:t>第二層</a:t>
             </a:r>
           </a:p>
           <a:p>
             <a:pPr lvl="2"/>
             <a:r>
-              <a:rPr lang="zh-TW" altLang="en-US" smtClean="0"/>
+              <a:rPr lang="zh-TW" altLang="en-US"/>
               <a:t>第三層</a:t>
             </a:r>
           </a:p>
           <a:p>
             <a:pPr lvl="3"/>
             <a:r>
-              <a:rPr lang="zh-TW" altLang="en-US" smtClean="0"/>
+              <a:rPr lang="zh-TW" altLang="en-US"/>
               <a:t>第四層</a:t>
             </a:r>
           </a:p>
           <a:p>
             <a:pPr lvl="4"/>
             <a:r>
-              <a:rPr lang="zh-TW" altLang="en-US" smtClean="0"/>
+              <a:rPr lang="zh-TW" altLang="en-US"/>
               <a:t>第五層</a:t>
             </a:r>
-            <a:endParaRPr lang="zh-TW" altLang="en-US"/>
           </a:p>
         </p:txBody>
       </p:sp>
@@ -2058,7 +2047,7 @@
           <a:p>
             <a:fld id="{A8405C8E-FDFA-490D-B7D9-F216F255E55D}" type="datetime1">
               <a:rPr lang="zh-TW" altLang="en-US" smtClean="0"/>
-              <a:t>2017/8/23</a:t>
+              <a:t>2025/3/18</a:t>
             </a:fld>
             <a:endParaRPr lang="zh-TW" altLang="en-US"/>
           </a:p>
@@ -2084,11 +2073,11 @@
           </a:lstStyle>
           <a:p>
             <a:r>
-              <a:rPr lang="zh-TW" altLang="en-US" smtClean="0"/>
+              <a:rPr lang="zh-TW" altLang="en-US"/>
               <a:t>多媒體程式設計</a:t>
             </a:r>
             <a:r>
-              <a:rPr lang="en-US" altLang="zh-TW" smtClean="0"/>
+              <a:rPr lang="en-US" altLang="zh-TW"/>
               <a:t>-CSS</a:t>
             </a:r>
             <a:endParaRPr lang="zh-TW" altLang="en-US"/>
@@ -2168,10 +2157,9 @@
           <a:lstStyle/>
           <a:p>
             <a:r>
-              <a:rPr lang="zh-TW" altLang="en-US" smtClean="0"/>
+              <a:rPr lang="zh-TW" altLang="en-US"/>
               <a:t>按一下以編輯母片標題樣式</a:t>
             </a:r>
-            <a:endParaRPr lang="zh-TW" altLang="en-US"/>
           </a:p>
         </p:txBody>
       </p:sp>
@@ -2192,38 +2180,37 @@
           <a:p>
             <a:pPr lvl="0"/>
             <a:r>
-              <a:rPr lang="zh-TW" altLang="en-US" smtClean="0"/>
+              <a:rPr lang="zh-TW" altLang="en-US"/>
               <a:t>按一下以編輯母片文字樣式</a:t>
             </a:r>
           </a:p>
           <a:p>
             <a:pPr lvl="1"/>
             <a:r>
-              <a:rPr lang="zh-TW" altLang="en-US" smtClean="0"/>
+              <a:rPr lang="zh-TW" altLang="en-US"/>
               <a:t>第二層</a:t>
             </a:r>
           </a:p>
           <a:p>
             <a:pPr lvl="2"/>
             <a:r>
-              <a:rPr lang="zh-TW" altLang="en-US" smtClean="0"/>
+              <a:rPr lang="zh-TW" altLang="en-US"/>
               <a:t>第三層</a:t>
             </a:r>
           </a:p>
           <a:p>
             <a:pPr lvl="3"/>
             <a:r>
-              <a:rPr lang="zh-TW" altLang="en-US" smtClean="0"/>
+              <a:rPr lang="zh-TW" altLang="en-US"/>
               <a:t>第四層</a:t>
             </a:r>
           </a:p>
           <a:p>
             <a:pPr lvl="4"/>
             <a:r>
-              <a:rPr lang="zh-TW" altLang="en-US" smtClean="0"/>
+              <a:rPr lang="zh-TW" altLang="en-US"/>
               <a:t>第五層</a:t>
             </a:r>
-            <a:endParaRPr lang="zh-TW" altLang="en-US"/>
           </a:p>
         </p:txBody>
       </p:sp>
@@ -2258,7 +2245,7 @@
           <a:p>
             <a:fld id="{85F5F975-E5DD-45EA-A27A-838EC1014E2B}" type="datetime1">
               <a:rPr lang="zh-TW" altLang="en-US" smtClean="0"/>
-              <a:t>2017/8/23</a:t>
+              <a:t>2025/3/18</a:t>
             </a:fld>
             <a:endParaRPr lang="zh-TW" altLang="en-US"/>
           </a:p>
@@ -2284,11 +2271,11 @@
           </a:lstStyle>
           <a:p>
             <a:r>
-              <a:rPr lang="zh-TW" altLang="en-US" smtClean="0"/>
+              <a:rPr lang="zh-TW" altLang="en-US"/>
               <a:t>多媒體程式設計</a:t>
             </a:r>
             <a:r>
-              <a:rPr lang="en-US" altLang="zh-TW" smtClean="0"/>
+              <a:rPr lang="en-US" altLang="zh-TW"/>
               <a:t>-CSS</a:t>
             </a:r>
             <a:endParaRPr lang="zh-TW" altLang="en-US"/>
@@ -2419,10 +2406,9 @@
           </a:lstStyle>
           <a:p>
             <a:r>
-              <a:rPr lang="zh-TW" altLang="en-US" smtClean="0"/>
+              <a:rPr lang="zh-TW" altLang="en-US"/>
               <a:t>按一下以編輯母片標題樣式</a:t>
             </a:r>
-            <a:endParaRPr lang="zh-TW" altLang="en-US"/>
           </a:p>
         </p:txBody>
       </p:sp>
@@ -2539,7 +2525,7 @@
           <a:p>
             <a:pPr lvl="0"/>
             <a:r>
-              <a:rPr lang="zh-TW" altLang="en-US" smtClean="0"/>
+              <a:rPr lang="zh-TW" altLang="en-US"/>
               <a:t>按一下以編輯母片文字樣式</a:t>
             </a:r>
           </a:p>
@@ -2562,7 +2548,7 @@
           <a:p>
             <a:fld id="{1487DCEE-5ED7-4964-9000-9436D911EE1D}" type="datetime1">
               <a:rPr lang="zh-TW" altLang="en-US" smtClean="0"/>
-              <a:t>2017/8/23</a:t>
+              <a:t>2025/3/18</a:t>
             </a:fld>
             <a:endParaRPr lang="zh-TW" altLang="en-US"/>
           </a:p>
@@ -2584,11 +2570,11 @@
           <a:lstStyle/>
           <a:p>
             <a:r>
-              <a:rPr lang="zh-TW" altLang="en-US" smtClean="0"/>
+              <a:rPr lang="zh-TW" altLang="en-US"/>
               <a:t>多媒體程式設計</a:t>
             </a:r>
             <a:r>
-              <a:rPr lang="en-US" altLang="zh-TW" smtClean="0"/>
+              <a:rPr lang="en-US" altLang="zh-TW"/>
               <a:t>-CSS</a:t>
             </a:r>
             <a:endParaRPr lang="zh-TW" altLang="en-US"/>
@@ -2708,7 +2694,7 @@
           <a:p>
             <a:pPr lvl="0"/>
             <a:r>
-              <a:rPr lang="zh-TW" altLang="en-US" smtClean="0"/>
+              <a:rPr lang="zh-TW" altLang="en-US"/>
               <a:t>按一下以編輯母片標題樣式</a:t>
             </a:r>
           </a:p>
@@ -2766,35 +2752,35 @@
           <a:p>
             <a:pPr lvl="0"/>
             <a:r>
-              <a:rPr lang="zh-TW" altLang="en-US" dirty="0" smtClean="0"/>
+              <a:rPr lang="zh-TW" altLang="en-US" dirty="0"/>
               <a:t> 按一下以編輯母片文字樣式</a:t>
             </a:r>
           </a:p>
           <a:p>
             <a:pPr lvl="1"/>
             <a:r>
-              <a:rPr lang="zh-TW" altLang="en-US" dirty="0" smtClean="0"/>
+              <a:rPr lang="zh-TW" altLang="en-US" dirty="0"/>
               <a:t> 第二層</a:t>
             </a:r>
           </a:p>
           <a:p>
             <a:pPr lvl="2"/>
             <a:r>
-              <a:rPr lang="zh-TW" altLang="en-US" dirty="0" smtClean="0"/>
+              <a:rPr lang="zh-TW" altLang="en-US" dirty="0"/>
               <a:t>第三層</a:t>
             </a:r>
           </a:p>
           <a:p>
             <a:pPr lvl="3"/>
             <a:r>
-              <a:rPr lang="zh-TW" altLang="en-US" dirty="0" smtClean="0"/>
+              <a:rPr lang="zh-TW" altLang="en-US" dirty="0"/>
               <a:t>第四層</a:t>
             </a:r>
           </a:p>
           <a:p>
             <a:pPr lvl="4"/>
             <a:r>
-              <a:rPr lang="zh-TW" altLang="en-US" dirty="0" smtClean="0"/>
+              <a:rPr lang="zh-TW" altLang="en-US" dirty="0"/>
               <a:t>第五層</a:t>
             </a:r>
           </a:p>
@@ -2835,7 +2821,7 @@
           <a:p>
             <a:fld id="{0C8E51F3-195F-45F6-8F38-420B31708855}" type="datetime1">
               <a:rPr lang="zh-TW" altLang="en-US" smtClean="0"/>
-              <a:t>2017/8/23</a:t>
+              <a:t>2025/3/18</a:t>
             </a:fld>
             <a:endParaRPr lang="zh-TW" altLang="en-US"/>
           </a:p>
@@ -2875,11 +2861,11 @@
           </a:lstStyle>
           <a:p>
             <a:r>
-              <a:rPr lang="zh-TW" altLang="en-US" smtClean="0"/>
+              <a:rPr lang="zh-TW" altLang="en-US"/>
               <a:t>多媒體程式設計</a:t>
             </a:r>
             <a:r>
-              <a:rPr lang="en-US" altLang="zh-TW" smtClean="0"/>
+              <a:rPr lang="en-US" altLang="zh-TW"/>
               <a:t>-CSS</a:t>
             </a:r>
             <a:endParaRPr lang="zh-TW" altLang="en-US"/>
@@ -2948,13 +2934,6 @@
   <p:transition>
     <p:pull dir="d"/>
   </p:transition>
-  <p:timing>
-    <p:tnLst>
-      <p:par>
-        <p:cTn id="1" dur="indefinite" restart="never" nodeType="tmRoot"/>
-      </p:par>
-    </p:tnLst>
-  </p:timing>
   <p:hf hdr="0" dt="0"/>
   <p:txStyles>
     <p:titleStyle>
@@ -3424,19 +3403,19 @@
           <a:lstStyle/>
           <a:p>
             <a:r>
-              <a:rPr lang="zh-TW" altLang="zh-TW" dirty="0" smtClean="0">
+              <a:rPr lang="zh-TW" altLang="zh-TW" dirty="0">
                 <a:latin typeface="+mn-lt"/>
               </a:rPr>
               <a:t>認識</a:t>
             </a:r>
             <a:r>
-              <a:rPr lang="en-US" altLang="zh-TW" dirty="0" smtClean="0">
+              <a:rPr lang="en-US" altLang="zh-TW" dirty="0">
                 <a:latin typeface="+mn-lt"/>
               </a:rPr>
               <a:t>CSS</a:t>
             </a:r>
             <a:r>
-              <a:rPr lang="zh-TW" altLang="zh-TW" dirty="0" smtClean="0">
+              <a:rPr lang="zh-TW" altLang="zh-TW" dirty="0">
                 <a:latin typeface="+mn-lt"/>
               </a:rPr>
               <a:t>樣式表</a:t>
@@ -3489,7 +3468,7 @@
               <a:defRPr/>
             </a:pPr>
             <a:r>
-              <a:rPr kumimoji="0" lang="zh-TW" altLang="en-US" sz="1800" dirty="0" smtClean="0">
+              <a:rPr kumimoji="0" lang="zh-TW" altLang="en-US" sz="1800" dirty="0">
                 <a:solidFill>
                   <a:schemeClr val="tx1">
                     <a:lumMod val="75000"/>
@@ -3498,45 +3477,9 @@
                 </a:solidFill>
                 <a:latin typeface="微軟正黑體" panose="020B0604030504040204" pitchFamily="34" charset="-120"/>
               </a:rPr>
-              <a:t>中原大學</a:t>
-            </a:r>
-            <a:r>
-              <a:rPr kumimoji="0" lang="zh-TW" altLang="en-US" sz="1800" dirty="0">
-                <a:solidFill>
-                  <a:schemeClr val="tx1">
-                    <a:lumMod val="75000"/>
-                    <a:lumOff val="25000"/>
-                  </a:schemeClr>
-                </a:solidFill>
-                <a:latin typeface="微軟正黑體" panose="020B0604030504040204" pitchFamily="34" charset="-120"/>
-              </a:rPr>
-              <a:t> </a:t>
-            </a:r>
-            <a:r>
-              <a:rPr kumimoji="0" lang="zh-TW" altLang="en-US" sz="1800" dirty="0" smtClean="0">
-                <a:solidFill>
-                  <a:schemeClr val="tx1">
-                    <a:lumMod val="75000"/>
-                    <a:lumOff val="25000"/>
-                  </a:schemeClr>
-                </a:solidFill>
-                <a:latin typeface="微軟正黑體" panose="020B0604030504040204" pitchFamily="34" charset="-120"/>
-              </a:rPr>
-              <a:t>資訊管理學</a:t>
-            </a:r>
-            <a:r>
-              <a:rPr kumimoji="0" lang="zh-TW" altLang="en-US" sz="1800" dirty="0">
-                <a:solidFill>
-                  <a:schemeClr val="tx1">
-                    <a:lumMod val="75000"/>
-                    <a:lumOff val="25000"/>
-                  </a:schemeClr>
-                </a:solidFill>
-                <a:latin typeface="微軟正黑體" panose="020B0604030504040204" pitchFamily="34" charset="-120"/>
-              </a:rPr>
-              <a:t>系</a:t>
-            </a:r>
-            <a:endParaRPr kumimoji="0" lang="en-US" altLang="zh-TW" sz="1800" dirty="0" smtClean="0">
+              <a:t>中原大學 資訊管理學系</a:t>
+            </a:r>
+            <a:endParaRPr kumimoji="0" lang="en-US" altLang="zh-TW" sz="1800" dirty="0">
               <a:solidFill>
                 <a:schemeClr val="tx1">
                   <a:lumMod val="75000"/>
@@ -3554,7 +3497,7 @@
               <a:defRPr/>
             </a:pPr>
             <a:r>
-              <a:rPr kumimoji="0" lang="zh-TW" altLang="en-US" sz="1800" dirty="0" smtClean="0">
+              <a:rPr kumimoji="0" lang="zh-TW" altLang="en-US" sz="1800" dirty="0">
                 <a:solidFill>
                   <a:schemeClr val="tx1">
                     <a:lumMod val="75000"/>
@@ -3565,7 +3508,7 @@
               </a:rPr>
               <a:t>賴錦慧 老師</a:t>
             </a:r>
-            <a:endParaRPr kumimoji="0" lang="en-US" altLang="zh-TW" sz="1800" dirty="0" smtClean="0">
+            <a:endParaRPr kumimoji="0" lang="en-US" altLang="zh-TW" sz="1800" dirty="0">
               <a:solidFill>
                 <a:schemeClr val="tx1">
                   <a:lumMod val="75000"/>
@@ -3583,7 +3526,7 @@
               <a:defRPr/>
             </a:pPr>
             <a:r>
-              <a:rPr kumimoji="0" lang="en-US" altLang="zh-TW" sz="1800" dirty="0" smtClean="0">
+              <a:rPr kumimoji="0" lang="en-US" altLang="zh-TW" sz="1800" dirty="0">
                 <a:solidFill>
                   <a:schemeClr val="tx1">
                     <a:lumMod val="75000"/>
@@ -3594,7 +3537,7 @@
               </a:rPr>
               <a:t>chlai@cycu.edu.tw</a:t>
             </a:r>
-            <a:endParaRPr kumimoji="0" lang="zh-TW" altLang="en-US" sz="1800" dirty="0" smtClean="0">
+            <a:endParaRPr kumimoji="0" lang="zh-TW" altLang="en-US" sz="1800" dirty="0">
               <a:solidFill>
                 <a:schemeClr val="tx1">
                   <a:lumMod val="75000"/>
@@ -3619,13 +3562,6 @@
   <p:transition>
     <p:cut/>
   </p:transition>
-  <p:timing>
-    <p:tnLst>
-      <p:par>
-        <p:cTn id="1" dur="indefinite" restart="never" nodeType="tmRoot"/>
-      </p:par>
-    </p:tnLst>
-  </p:timing>
 </p:sld>
 </file>
 
@@ -3678,22 +3614,18 @@
             </a:r>
             <a:r>
               <a:rPr lang="zh-TW" altLang="en-US" dirty="0"/>
-              <a:t>樣式</a:t>
-            </a:r>
-            <a:r>
-              <a:rPr lang="zh-TW" altLang="en-US" dirty="0" smtClean="0"/>
-              <a:t>表</a:t>
-            </a:r>
-            <a:r>
-              <a:rPr lang="en-US" altLang="zh-TW" dirty="0" smtClean="0"/>
+              <a:t>樣式表</a:t>
+            </a:r>
+            <a:r>
+              <a:rPr lang="en-US" altLang="zh-TW" dirty="0"/>
               <a:t>—</a:t>
             </a:r>
             <a:r>
-              <a:rPr lang="zh-TW" altLang="en-US" dirty="0" smtClean="0"/>
+              <a:rPr lang="zh-TW" altLang="en-US" dirty="0"/>
               <a:t>連結外部樣式 </a:t>
             </a:r>
             <a:r>
-              <a:rPr lang="en-US" altLang="zh-TW" dirty="0" smtClean="0"/>
+              <a:rPr lang="en-US" altLang="zh-TW" dirty="0"/>
               <a:t>(1/2)</a:t>
             </a:r>
             <a:endParaRPr lang="zh-TW" altLang="en-US" dirty="0"/>
@@ -3724,163 +3656,155 @@
           <a:p>
             <a:pPr lvl="0"/>
             <a:r>
-              <a:rPr lang="zh-TW" altLang="zh-TW" sz="2400" dirty="0" smtClean="0">
+              <a:rPr lang="zh-TW" altLang="zh-TW" sz="2400" dirty="0">
                 <a:solidFill>
                   <a:srgbClr val="FF0000"/>
                 </a:solidFill>
               </a:rPr>
-              <a:t>連結</a:t>
-            </a:r>
-            <a:r>
-              <a:rPr lang="zh-TW" altLang="zh-TW" sz="2400" dirty="0">
+              <a:t>連結外部樣式檔</a:t>
+            </a:r>
+            <a:r>
+              <a:rPr lang="en-US" altLang="zh-TW" sz="2400" dirty="0">
                 <a:solidFill>
                   <a:srgbClr val="FF0000"/>
                 </a:solidFill>
               </a:rPr>
-              <a:t>外部樣式檔</a:t>
-            </a:r>
-            <a:r>
-              <a:rPr lang="en-US" altLang="zh-TW" sz="2400" dirty="0">
+              <a:t>(Linking)</a:t>
+            </a:r>
+          </a:p>
+          <a:p>
+            <a:pPr lvl="1"/>
+            <a:r>
+              <a:rPr lang="en-US" altLang="zh-TW" sz="2000" dirty="0">
                 <a:solidFill>
                   <a:srgbClr val="FF0000"/>
                 </a:solidFill>
               </a:rPr>
-              <a:t>(Linking)</a:t>
+              <a:t>CSS</a:t>
+            </a:r>
+            <a:r>
+              <a:rPr lang="zh-TW" altLang="en-US" sz="2000" dirty="0">
+                <a:solidFill>
+                  <a:srgbClr val="FF0000"/>
+                </a:solidFill>
+              </a:rPr>
+              <a:t>樣式存成獨立的檔案</a:t>
+            </a:r>
+            <a:r>
+              <a:rPr lang="en-US" altLang="zh-TW" sz="2000" dirty="0">
+                <a:solidFill>
+                  <a:srgbClr val="FF0000"/>
+                </a:solidFill>
+              </a:rPr>
+              <a:t>(</a:t>
+            </a:r>
+            <a:r>
+              <a:rPr lang="zh-TW" altLang="en-US" sz="2000" dirty="0">
+                <a:solidFill>
+                  <a:srgbClr val="FF0000"/>
+                </a:solidFill>
+              </a:rPr>
+              <a:t>*</a:t>
+            </a:r>
+            <a:r>
+              <a:rPr lang="en-US" altLang="zh-TW" sz="2000" dirty="0">
+                <a:solidFill>
+                  <a:srgbClr val="FF0000"/>
+                </a:solidFill>
+              </a:rPr>
+              <a:t>.CSS</a:t>
+            </a:r>
+            <a:r>
+              <a:rPr lang="en-US" altLang="zh-TW" sz="2000" dirty="0"/>
+              <a:t>)</a:t>
             </a:r>
           </a:p>
           <a:p>
             <a:pPr lvl="1"/>
             <a:r>
-              <a:rPr lang="en-US" altLang="zh-TW" sz="2000" dirty="0">
-                <a:solidFill>
-                  <a:srgbClr val="FF0000"/>
-                </a:solidFill>
-              </a:rPr>
-              <a:t>CSS</a:t>
-            </a:r>
-            <a:r>
-              <a:rPr lang="zh-TW" altLang="en-US" sz="2000" dirty="0">
-                <a:solidFill>
-                  <a:srgbClr val="FF0000"/>
-                </a:solidFill>
-              </a:rPr>
-              <a:t>樣式存成獨立的檔案</a:t>
-            </a:r>
-            <a:r>
-              <a:rPr lang="en-US" altLang="zh-TW" sz="2000" dirty="0">
-                <a:solidFill>
-                  <a:srgbClr val="FF0000"/>
-                </a:solidFill>
-              </a:rPr>
-              <a:t>(</a:t>
-            </a:r>
-            <a:r>
-              <a:rPr lang="zh-TW" altLang="en-US" sz="2000" dirty="0">
-                <a:solidFill>
-                  <a:srgbClr val="FF0000"/>
-                </a:solidFill>
-              </a:rPr>
-              <a:t>*</a:t>
-            </a:r>
-            <a:r>
-              <a:rPr lang="en-US" altLang="zh-TW" sz="2000" dirty="0">
-                <a:solidFill>
-                  <a:srgbClr val="FF0000"/>
-                </a:solidFill>
-              </a:rPr>
+              <a:rPr lang="zh-TW" altLang="zh-TW" sz="2000" dirty="0"/>
+              <a:t>外部樣式檔的格式與內嵌宣告相同</a:t>
+            </a:r>
+            <a:endParaRPr lang="en-US" altLang="zh-TW" sz="2000" dirty="0"/>
+          </a:p>
+          <a:p>
+            <a:pPr lvl="1"/>
+            <a:r>
+              <a:rPr lang="zh-TW" altLang="zh-TW" sz="2000" dirty="0"/>
+              <a:t>省略</a:t>
+            </a:r>
+            <a:r>
+              <a:rPr lang="en-US" altLang="zh-TW" sz="2000" dirty="0"/>
+              <a:t>&lt;style&gt;&lt;/style&gt;</a:t>
+            </a:r>
+            <a:r>
+              <a:rPr lang="zh-TW" altLang="zh-TW" sz="2000" dirty="0"/>
+              <a:t>標記</a:t>
+            </a:r>
+            <a:endParaRPr lang="en-US" altLang="zh-TW" sz="2000" dirty="0"/>
+          </a:p>
+          <a:p>
+            <a:pPr lvl="1"/>
+            <a:r>
+              <a:rPr lang="zh-TW" altLang="zh-TW" sz="2000" dirty="0"/>
+              <a:t>利用文字編輯工具來撰寫</a:t>
+            </a:r>
+            <a:r>
+              <a:rPr lang="zh-TW" altLang="en-US" sz="2000" dirty="0"/>
+              <a:t>，再</a:t>
+            </a:r>
+            <a:r>
+              <a:rPr lang="zh-TW" altLang="zh-TW" sz="2000" dirty="0"/>
+              <a:t>將檔案儲存為</a:t>
+            </a:r>
+            <a:r>
+              <a:rPr lang="zh-TW" altLang="en-US" sz="2000" dirty="0"/>
+              <a:t>「檔名</a:t>
+            </a:r>
+            <a:r>
+              <a:rPr lang="en-US" altLang="zh-TW" sz="2000" dirty="0"/>
               <a:t>.CSS</a:t>
             </a:r>
             <a:r>
-              <a:rPr lang="en-US" altLang="zh-TW" sz="2000" dirty="0" smtClean="0"/>
-              <a:t>)</a:t>
-            </a:r>
-          </a:p>
-          <a:p>
-            <a:pPr lvl="1"/>
-            <a:r>
-              <a:rPr lang="zh-TW" altLang="zh-TW" sz="2000" dirty="0" smtClean="0"/>
-              <a:t>外部樣式檔的格式與內嵌宣告相同</a:t>
-            </a:r>
-            <a:endParaRPr lang="en-US" altLang="zh-TW" sz="2000" dirty="0" smtClean="0"/>
-          </a:p>
-          <a:p>
-            <a:pPr lvl="1"/>
-            <a:r>
-              <a:rPr lang="zh-TW" altLang="zh-TW" sz="2000" dirty="0" smtClean="0"/>
-              <a:t>省略</a:t>
-            </a:r>
-            <a:r>
-              <a:rPr lang="en-US" altLang="zh-TW" sz="2000" dirty="0" smtClean="0"/>
-              <a:t>&lt;style&gt;&lt;/style&gt;</a:t>
-            </a:r>
-            <a:r>
-              <a:rPr lang="zh-TW" altLang="zh-TW" sz="2000" dirty="0" smtClean="0"/>
-              <a:t>標記</a:t>
+              <a:rPr lang="zh-TW" altLang="en-US" sz="2000" dirty="0"/>
+              <a:t>」，例如</a:t>
+            </a:r>
+            <a:r>
+              <a:rPr lang="en-US" altLang="zh-TW" sz="2000" dirty="0"/>
+              <a:t>test.css</a:t>
+            </a:r>
+            <a:r>
+              <a:rPr lang="zh-TW" altLang="en-US" sz="2000" dirty="0"/>
+              <a:t>。</a:t>
             </a:r>
             <a:endParaRPr lang="en-US" altLang="zh-TW" sz="2000" dirty="0"/>
           </a:p>
           <a:p>
-            <a:pPr lvl="1"/>
-            <a:r>
-              <a:rPr lang="zh-TW" altLang="zh-TW" sz="2000" dirty="0" smtClean="0"/>
-              <a:t>利用文字編輯工具來撰寫</a:t>
-            </a:r>
-            <a:r>
-              <a:rPr lang="zh-TW" altLang="en-US" sz="2000" dirty="0" smtClean="0"/>
-              <a:t>，再</a:t>
-            </a:r>
-            <a:r>
-              <a:rPr lang="zh-TW" altLang="zh-TW" sz="2000" dirty="0" smtClean="0"/>
-              <a:t>將檔案儲存為</a:t>
-            </a:r>
-            <a:r>
-              <a:rPr lang="zh-TW" altLang="en-US" sz="2000" dirty="0" smtClean="0"/>
-              <a:t>「檔名</a:t>
-            </a:r>
-            <a:r>
-              <a:rPr lang="en-US" altLang="zh-TW" sz="2000" dirty="0" smtClean="0"/>
-              <a:t>.CSS</a:t>
-            </a:r>
-            <a:r>
-              <a:rPr lang="zh-TW" altLang="en-US" sz="2000" dirty="0" smtClean="0"/>
-              <a:t>」，例如</a:t>
-            </a:r>
-            <a:r>
-              <a:rPr lang="en-US" altLang="zh-TW" sz="2000" dirty="0" smtClean="0"/>
-              <a:t>test.css</a:t>
-            </a:r>
-            <a:r>
-              <a:rPr lang="zh-TW" altLang="en-US" sz="2000" dirty="0" smtClean="0"/>
-              <a:t>。</a:t>
-            </a:r>
-            <a:endParaRPr lang="en-US" altLang="zh-TW" sz="2000" dirty="0" smtClean="0"/>
-          </a:p>
-          <a:p>
-            <a:endParaRPr lang="en-US" altLang="zh-TW" sz="2400" dirty="0" smtClean="0"/>
-          </a:p>
-          <a:p>
-            <a:endParaRPr lang="en-US" altLang="zh-TW" sz="2400" dirty="0" smtClean="0"/>
-          </a:p>
-          <a:p>
-            <a:endParaRPr lang="en-US" altLang="zh-TW" sz="2400" dirty="0" smtClean="0"/>
-          </a:p>
-          <a:p>
-            <a:endParaRPr lang="en-US" altLang="zh-TW" sz="2400" dirty="0" smtClean="0"/>
-          </a:p>
-          <a:p>
-            <a:endParaRPr lang="en-US" altLang="zh-TW" sz="2400" dirty="0" smtClean="0"/>
-          </a:p>
-          <a:p>
-            <a:endParaRPr lang="en-US" altLang="zh-TW" sz="2400" dirty="0" smtClean="0"/>
-          </a:p>
-          <a:p>
-            <a:endParaRPr lang="en-US" altLang="zh-TW" sz="2400" dirty="0" smtClean="0"/>
-          </a:p>
-          <a:p>
-            <a:endParaRPr lang="en-US" altLang="zh-TW" sz="2400" dirty="0" smtClean="0"/>
-          </a:p>
-          <a:p>
-            <a:endParaRPr lang="en-US" altLang="zh-TW" sz="2400" dirty="0" smtClean="0"/>
+            <a:endParaRPr lang="en-US" altLang="zh-TW" sz="2400" dirty="0"/>
+          </a:p>
+          <a:p>
+            <a:endParaRPr lang="en-US" altLang="zh-TW" sz="2400" dirty="0"/>
+          </a:p>
+          <a:p>
+            <a:endParaRPr lang="en-US" altLang="zh-TW" sz="2400" dirty="0"/>
+          </a:p>
+          <a:p>
+            <a:endParaRPr lang="en-US" altLang="zh-TW" sz="2400" dirty="0"/>
+          </a:p>
+          <a:p>
+            <a:endParaRPr lang="en-US" altLang="zh-TW" sz="2400" dirty="0"/>
+          </a:p>
+          <a:p>
+            <a:endParaRPr lang="en-US" altLang="zh-TW" sz="2400" dirty="0"/>
+          </a:p>
+          <a:p>
+            <a:endParaRPr lang="en-US" altLang="zh-TW" sz="2400" dirty="0"/>
+          </a:p>
+          <a:p>
+            <a:endParaRPr lang="en-US" altLang="zh-TW" sz="2400" dirty="0"/>
+          </a:p>
+          <a:p>
+            <a:endParaRPr lang="en-US" altLang="zh-TW" sz="2400" dirty="0"/>
           </a:p>
           <a:p>
             <a:endParaRPr lang="zh-TW" altLang="en-US" sz="2400" dirty="0"/>
@@ -3921,85 +3845,36 @@
           <a:p>
             <a:r>
               <a:rPr lang="en-US" altLang="zh-TW" sz="1600" dirty="0"/>
-              <a:t>h1</a:t>
-            </a:r>
-            <a:r>
-              <a:rPr lang="en-US" altLang="zh-TW" sz="1600" dirty="0" smtClean="0"/>
-              <a:t>{</a:t>
+              <a:t>h1{</a:t>
             </a:r>
           </a:p>
           <a:p>
             <a:r>
               <a:rPr lang="en-US" altLang="zh-TW" sz="1600" dirty="0"/>
-              <a:t>	</a:t>
-            </a:r>
-            <a:r>
-              <a:rPr lang="en-US" altLang="zh-TW" sz="1600" dirty="0" smtClean="0"/>
-              <a:t>color</a:t>
-            </a:r>
+              <a:t>	color: Red;	</a:t>
+            </a:r>
+          </a:p>
+          <a:p>
             <a:r>
               <a:rPr lang="en-US" altLang="zh-TW" sz="1600" dirty="0"/>
-              <a:t>: Red;	</a:t>
-            </a:r>
-            <a:endParaRPr lang="en-US" altLang="zh-TW" sz="1600" dirty="0" smtClean="0"/>
+              <a:t>	font-family: Broadway BT;</a:t>
+            </a:r>
           </a:p>
           <a:p>
             <a:r>
               <a:rPr lang="en-US" altLang="zh-TW" sz="1600" dirty="0"/>
-              <a:t>	</a:t>
-            </a:r>
-            <a:r>
-              <a:rPr lang="en-US" altLang="zh-TW" sz="1600" dirty="0" smtClean="0"/>
-              <a:t>font-family</a:t>
-            </a:r>
+              <a:t>	font-weight: bold;</a:t>
+            </a:r>
+          </a:p>
+          <a:p>
             <a:r>
               <a:rPr lang="en-US" altLang="zh-TW" sz="1600" dirty="0"/>
-              <a:t>: Broadway BT</a:t>
-            </a:r>
-            <a:r>
-              <a:rPr lang="en-US" altLang="zh-TW" sz="1600" dirty="0" smtClean="0"/>
-              <a:t>;</a:t>
+              <a:t>	border: 1px #336699 solid;</a:t>
             </a:r>
           </a:p>
           <a:p>
             <a:r>
               <a:rPr lang="en-US" altLang="zh-TW" sz="1600" dirty="0"/>
-              <a:t>	</a:t>
-            </a:r>
-            <a:r>
-              <a:rPr lang="en-US" altLang="zh-TW" sz="1600" dirty="0" smtClean="0"/>
-              <a:t>font-weight</a:t>
-            </a:r>
-            <a:r>
-              <a:rPr lang="en-US" altLang="zh-TW" sz="1600" dirty="0"/>
-              <a:t>: bold</a:t>
-            </a:r>
-            <a:r>
-              <a:rPr lang="en-US" altLang="zh-TW" sz="1600" dirty="0" smtClean="0"/>
-              <a:t>;</a:t>
-            </a:r>
-          </a:p>
-          <a:p>
-            <a:r>
-              <a:rPr lang="en-US" altLang="zh-TW" sz="1600" dirty="0"/>
-              <a:t>	</a:t>
-            </a:r>
-            <a:r>
-              <a:rPr lang="en-US" altLang="zh-TW" sz="1600" dirty="0" smtClean="0"/>
-              <a:t>border</a:t>
-            </a:r>
-            <a:r>
-              <a:rPr lang="en-US" altLang="zh-TW" sz="1600" dirty="0"/>
-              <a:t>: 1px #336699 solid</a:t>
-            </a:r>
-            <a:r>
-              <a:rPr lang="en-US" altLang="zh-TW" sz="1600" dirty="0" smtClean="0"/>
-              <a:t>;</a:t>
-            </a:r>
-          </a:p>
-          <a:p>
-            <a:r>
-              <a:rPr lang="en-US" altLang="zh-TW" sz="1600" dirty="0" smtClean="0"/>
               <a:t>}</a:t>
             </a:r>
             <a:endParaRPr lang="zh-TW" altLang="zh-TW" sz="1600" dirty="0"/>
@@ -4077,11 +3952,11 @@
           <a:lstStyle/>
           <a:p>
             <a:r>
-              <a:rPr lang="zh-TW" altLang="en-US" dirty="0" smtClean="0"/>
+              <a:rPr lang="zh-TW" altLang="en-US" dirty="0"/>
               <a:t>多媒體程式設計</a:t>
             </a:r>
             <a:r>
-              <a:rPr lang="en-US" altLang="zh-TW" dirty="0" smtClean="0"/>
+              <a:rPr lang="en-US" altLang="zh-TW" dirty="0"/>
               <a:t>-CSS</a:t>
             </a:r>
             <a:endParaRPr lang="zh-TW" altLang="en-US" dirty="0"/>
@@ -4121,13 +3996,6 @@
   <p:clrMapOvr>
     <a:masterClrMapping/>
   </p:clrMapOvr>
-  <p:timing>
-    <p:tnLst>
-      <p:par>
-        <p:cTn id="1" dur="indefinite" restart="never" nodeType="tmRoot"/>
-      </p:par>
-    </p:tnLst>
-  </p:timing>
 </p:sld>
 </file>
 
@@ -4175,11 +4043,7 @@
             </a:r>
             <a:r>
               <a:rPr lang="zh-TW" altLang="en-US" dirty="0"/>
-              <a:t>樣式</a:t>
-            </a:r>
-            <a:r>
-              <a:rPr lang="zh-TW" altLang="en-US" dirty="0" smtClean="0"/>
-              <a:t>表</a:t>
+              <a:t>樣式表</a:t>
             </a:r>
             <a:r>
               <a:rPr lang="en-US" altLang="zh-TW" dirty="0"/>
@@ -4187,14 +4051,10 @@
             </a:r>
             <a:r>
               <a:rPr lang="zh-TW" altLang="en-US" dirty="0"/>
-              <a:t>連結外部</a:t>
-            </a:r>
-            <a:r>
-              <a:rPr lang="zh-TW" altLang="en-US" dirty="0" smtClean="0"/>
-              <a:t>樣式 </a:t>
-            </a:r>
-            <a:r>
-              <a:rPr lang="en-US" altLang="zh-TW" dirty="0" smtClean="0"/>
+              <a:t>連結外部樣式 </a:t>
+            </a:r>
+            <a:r>
+              <a:rPr lang="en-US" altLang="zh-TW" dirty="0"/>
               <a:t>(2/2)</a:t>
             </a:r>
             <a:endParaRPr lang="zh-TW" altLang="en-US" dirty="0"/>
@@ -4219,26 +4079,26 @@
           <a:lstStyle/>
           <a:p>
             <a:r>
-              <a:rPr lang="zh-TW" altLang="en-US" sz="2400" dirty="0" smtClean="0"/>
+              <a:rPr lang="zh-TW" altLang="en-US" sz="2400" dirty="0"/>
               <a:t>外部</a:t>
             </a:r>
             <a:r>
-              <a:rPr lang="zh-TW" altLang="zh-TW" sz="2400" dirty="0" smtClean="0"/>
+              <a:rPr lang="zh-TW" altLang="zh-TW" sz="2400" dirty="0"/>
               <a:t>樣式檔建立完成之後，加入</a:t>
             </a:r>
             <a:r>
-              <a:rPr lang="en-US" altLang="zh-TW" sz="2400" dirty="0" smtClean="0"/>
+              <a:rPr lang="en-US" altLang="zh-TW" sz="2400" dirty="0"/>
               <a:t>HTML</a:t>
             </a:r>
             <a:r>
-              <a:rPr lang="zh-TW" altLang="zh-TW" sz="2400" dirty="0" smtClean="0"/>
+              <a:rPr lang="zh-TW" altLang="zh-TW" sz="2400" dirty="0"/>
               <a:t>文件</a:t>
             </a:r>
             <a:r>
-              <a:rPr lang="zh-TW" altLang="en-US" sz="2400" dirty="0" smtClean="0"/>
+              <a:rPr lang="zh-TW" altLang="en-US" sz="2400" dirty="0"/>
               <a:t>方法有二種：</a:t>
             </a:r>
-            <a:endParaRPr lang="en-US" altLang="zh-TW" sz="2400" dirty="0" smtClean="0"/>
+            <a:endParaRPr lang="en-US" altLang="zh-TW" sz="2400" dirty="0"/>
           </a:p>
           <a:p>
             <a:pPr marL="457200" indent="-457200">
@@ -4246,7 +4106,7 @@
               <a:buAutoNum type="arabicPeriod"/>
             </a:pPr>
             <a:r>
-              <a:rPr lang="en-US" altLang="zh-TW" sz="2400" b="1" dirty="0" smtClean="0"/>
+              <a:rPr lang="en-US" altLang="zh-TW" sz="2400" b="1" dirty="0"/>
               <a:t>&lt;link&gt;</a:t>
             </a:r>
           </a:p>
@@ -4255,11 +4115,11 @@
               <a:buNone/>
             </a:pPr>
             <a:r>
-              <a:rPr lang="en-US" altLang="zh-TW" sz="2000" dirty="0" smtClean="0"/>
+              <a:rPr lang="en-US" altLang="zh-TW" sz="2000" dirty="0"/>
               <a:t> &lt;link </a:t>
             </a:r>
             <a:r>
-              <a:rPr lang="en-US" altLang="zh-TW" sz="2000" dirty="0" err="1" smtClean="0"/>
+              <a:rPr lang="en-US" altLang="zh-TW" sz="2000" dirty="0" err="1"/>
               <a:t>rel</a:t>
             </a:r>
             <a:r>
@@ -4267,53 +4127,49 @@
               <a:t>="</a:t>
             </a:r>
             <a:r>
-              <a:rPr lang="en-US" altLang="zh-TW" sz="2000" dirty="0" err="1" smtClean="0"/>
+              <a:rPr lang="en-US" altLang="zh-TW" sz="2000" dirty="0" err="1"/>
               <a:t>stylesheet</a:t>
             </a:r>
             <a:r>
               <a:rPr lang="en-US" altLang="zh-TW" sz="2000" dirty="0"/>
-              <a:t>"</a:t>
-            </a:r>
-            <a:r>
-              <a:rPr lang="en-US" altLang="zh-TW" sz="2000" dirty="0" smtClean="0"/>
-              <a:t> type="text/</a:t>
-            </a:r>
-            <a:r>
-              <a:rPr lang="en-US" altLang="zh-TW" sz="2000" dirty="0" err="1" smtClean="0"/>
+              <a:t>" type="text/</a:t>
+            </a:r>
+            <a:r>
+              <a:rPr lang="en-US" altLang="zh-TW" sz="2000" dirty="0" err="1"/>
               <a:t>css</a:t>
             </a:r>
             <a:r>
-              <a:rPr lang="en-US" altLang="zh-TW" sz="2000" dirty="0" smtClean="0"/>
+              <a:rPr lang="en-US" altLang="zh-TW" sz="2000" dirty="0"/>
               <a:t>" </a:t>
             </a:r>
             <a:r>
-              <a:rPr lang="en-US" altLang="zh-TW" sz="2000" dirty="0" err="1" smtClean="0"/>
+              <a:rPr lang="en-US" altLang="zh-TW" sz="2000" dirty="0" err="1"/>
               <a:t>href</a:t>
             </a:r>
             <a:r>
-              <a:rPr lang="en-US" altLang="zh-TW" sz="2000" dirty="0" smtClean="0"/>
+              <a:rPr lang="en-US" altLang="zh-TW" sz="2000" dirty="0"/>
               <a:t>="test.css"&gt;</a:t>
             </a:r>
           </a:p>
           <a:p>
             <a:pPr lvl="1"/>
             <a:r>
-              <a:rPr lang="zh-TW" altLang="en-US" sz="2400" dirty="0" smtClean="0"/>
+              <a:rPr lang="zh-TW" altLang="en-US" sz="2400" dirty="0"/>
               <a:t>可以使用</a:t>
             </a:r>
             <a:r>
-              <a:rPr lang="en-US" altLang="zh-TW" sz="2400" dirty="0" err="1" smtClean="0"/>
+              <a:rPr lang="en-US" altLang="zh-TW" sz="2400" dirty="0" err="1"/>
               <a:t>javascript</a:t>
             </a:r>
             <a:r>
-              <a:rPr lang="zh-TW" altLang="en-US" sz="2400" dirty="0" smtClean="0"/>
+              <a:rPr lang="zh-TW" altLang="en-US" sz="2400" dirty="0"/>
               <a:t>控制</a:t>
             </a:r>
-            <a:endParaRPr lang="en-US" altLang="zh-TW" sz="2400" dirty="0" smtClean="0"/>
+            <a:endParaRPr lang="en-US" altLang="zh-TW" sz="2400" dirty="0"/>
           </a:p>
           <a:p>
             <a:pPr lvl="1"/>
-            <a:endParaRPr lang="en-US" altLang="zh-TW" dirty="0" smtClean="0"/>
+            <a:endParaRPr lang="en-US" altLang="zh-TW" dirty="0"/>
           </a:p>
           <a:p>
             <a:pPr marL="457200" indent="-457200">
@@ -4321,10 +4177,10 @@
               <a:buAutoNum type="arabicPeriod"/>
             </a:pPr>
             <a:r>
-              <a:rPr lang="en-US" altLang="zh-TW" sz="2400" b="1" dirty="0" smtClean="0"/>
+              <a:rPr lang="en-US" altLang="zh-TW" sz="2400" b="1" dirty="0"/>
               <a:t>@import</a:t>
             </a:r>
-            <a:endParaRPr lang="zh-TW" altLang="zh-TW" sz="2400" b="1" dirty="0" smtClean="0"/>
+            <a:endParaRPr lang="zh-TW" altLang="zh-TW" sz="2400" b="1" dirty="0"/>
           </a:p>
           <a:p>
             <a:endParaRPr lang="zh-TW" altLang="en-US" sz="2400" dirty="0"/>
@@ -4379,39 +4235,23 @@
           </a:p>
           <a:p>
             <a:r>
-              <a:rPr lang="en-US" altLang="zh-TW" dirty="0" smtClean="0"/>
+              <a:rPr lang="en-US" altLang="zh-TW" dirty="0"/>
               <a:t>&lt;!–</a:t>
             </a:r>
             <a:r>
-              <a:rPr lang="zh-TW" altLang="zh-TW" dirty="0" smtClean="0"/>
+              <a:rPr lang="zh-TW" altLang="zh-TW" dirty="0"/>
               <a:t> </a:t>
             </a:r>
-            <a:endParaRPr lang="en-US" altLang="zh-TW" dirty="0" smtClean="0"/>
-          </a:p>
-          <a:p>
-            <a:r>
-              <a:rPr lang="en-US" altLang="zh-TW" dirty="0" smtClean="0">
+            <a:endParaRPr lang="en-US" altLang="zh-TW" dirty="0"/>
+          </a:p>
+          <a:p>
+            <a:r>
+              <a:rPr lang="en-US" altLang="zh-TW" dirty="0">
                 <a:solidFill>
                   <a:srgbClr val="FF0000"/>
                 </a:solidFill>
               </a:rPr>
-              <a:t>      @</a:t>
-            </a:r>
-            <a:r>
-              <a:rPr lang="en-US" altLang="zh-TW" dirty="0">
-                <a:solidFill>
-                  <a:srgbClr val="FF0000"/>
-                </a:solidFill>
-              </a:rPr>
-              <a:t>import "</a:t>
-            </a:r>
-            <a:r>
-              <a:rPr lang="en-US" altLang="zh-TW" dirty="0" smtClean="0">
-                <a:solidFill>
-                  <a:srgbClr val="FF0000"/>
-                </a:solidFill>
-              </a:rPr>
-              <a:t>test.css";</a:t>
+              <a:t>      @import "test.css";</a:t>
             </a:r>
             <a:endParaRPr lang="zh-TW" altLang="zh-TW" dirty="0">
               <a:solidFill>
@@ -4483,42 +4323,34 @@
           </a:p>
           <a:p>
             <a:r>
-              <a:rPr lang="en-US" altLang="zh-TW" dirty="0" smtClean="0"/>
+              <a:rPr lang="en-US" altLang="zh-TW" dirty="0"/>
               <a:t>&lt;!–</a:t>
             </a:r>
             <a:r>
-              <a:rPr lang="zh-TW" altLang="zh-TW" dirty="0" smtClean="0"/>
+              <a:rPr lang="zh-TW" altLang="zh-TW" dirty="0"/>
               <a:t> </a:t>
             </a:r>
-            <a:endParaRPr lang="en-US" altLang="zh-TW" dirty="0" smtClean="0"/>
-          </a:p>
-          <a:p>
-            <a:r>
-              <a:rPr lang="en-US" altLang="zh-TW" dirty="0" smtClean="0">
+            <a:endParaRPr lang="en-US" altLang="zh-TW" dirty="0"/>
+          </a:p>
+          <a:p>
+            <a:r>
+              <a:rPr lang="en-US" altLang="zh-TW" dirty="0">
                 <a:solidFill>
                   <a:srgbClr val="FF0000"/>
                 </a:solidFill>
               </a:rPr>
-              <a:t>     @</a:t>
+              <a:t>     @import </a:t>
+            </a:r>
+            <a:r>
+              <a:rPr lang="en-US" altLang="zh-TW" dirty="0" err="1">
+                <a:solidFill>
+                  <a:srgbClr val="FF0000"/>
+                </a:solidFill>
+              </a:rPr>
+              <a:t>url</a:t>
             </a:r>
             <a:r>
               <a:rPr lang="en-US" altLang="zh-TW" dirty="0">
-                <a:solidFill>
-                  <a:srgbClr val="FF0000"/>
-                </a:solidFill>
-              </a:rPr>
-              <a:t>import </a:t>
-            </a:r>
-            <a:r>
-              <a:rPr lang="en-US" altLang="zh-TW" dirty="0" err="1" smtClean="0">
-                <a:solidFill>
-                  <a:srgbClr val="FF0000"/>
-                </a:solidFill>
-              </a:rPr>
-              <a:t>url</a:t>
-            </a:r>
-            <a:r>
-              <a:rPr lang="en-US" altLang="zh-TW" dirty="0" smtClean="0">
                 <a:solidFill>
                   <a:srgbClr val="FF0000"/>
                 </a:solidFill>
@@ -4563,11 +4395,11 @@
           <a:lstStyle/>
           <a:p>
             <a:r>
-              <a:rPr lang="zh-TW" altLang="en-US" smtClean="0"/>
+              <a:rPr lang="zh-TW" altLang="en-US"/>
               <a:t>多媒體程式設計</a:t>
             </a:r>
             <a:r>
-              <a:rPr lang="en-US" altLang="zh-TW" smtClean="0"/>
+              <a:rPr lang="en-US" altLang="zh-TW"/>
               <a:t>-CSS</a:t>
             </a:r>
             <a:endParaRPr lang="zh-TW" altLang="en-US"/>
@@ -4607,13 +4439,6 @@
   <p:clrMapOvr>
     <a:masterClrMapping/>
   </p:clrMapOvr>
-  <p:timing>
-    <p:tnLst>
-      <p:par>
-        <p:cTn id="1" dur="indefinite" restart="never" nodeType="tmRoot"/>
-      </p:par>
-    </p:tnLst>
-  </p:timing>
 </p:sld>
 </file>
 
@@ -4651,18 +4476,14 @@
           <a:p>
             <a:r>
               <a:rPr lang="zh-TW" altLang="en-US" dirty="0"/>
-              <a:t>連結外部</a:t>
-            </a:r>
-            <a:r>
-              <a:rPr lang="zh-TW" altLang="en-US" dirty="0" smtClean="0"/>
-              <a:t>樣式</a:t>
-            </a:r>
-            <a:r>
-              <a:rPr lang="en-US" altLang="zh-TW" dirty="0" smtClean="0"/>
+              <a:t>連結外部樣式</a:t>
+            </a:r>
+            <a:r>
+              <a:rPr lang="en-US" altLang="zh-TW" dirty="0"/>
               <a:t>- </a:t>
             </a:r>
             <a:r>
-              <a:rPr lang="en-US" altLang="zh-TW" b="1" dirty="0" smtClean="0"/>
+              <a:rPr lang="en-US" altLang="zh-TW" b="1" dirty="0"/>
               <a:t>Example</a:t>
             </a:r>
             <a:endParaRPr lang="zh-TW" altLang="en-US" b="1" dirty="0"/>
@@ -4898,50 +4719,37 @@
           <a:p>
             <a:r>
               <a:rPr lang="en-US" altLang="zh-TW" dirty="0"/>
-              <a:t>body </a:t>
-            </a:r>
-            <a:r>
-              <a:rPr lang="en-US" altLang="zh-TW" dirty="0" smtClean="0"/>
-              <a:t>{</a:t>
+              <a:t>body {</a:t>
             </a:r>
           </a:p>
           <a:p>
             <a:r>
               <a:rPr lang="en-US" altLang="zh-TW" dirty="0"/>
-              <a:t> </a:t>
-            </a:r>
-            <a:r>
-              <a:rPr lang="en-US" altLang="zh-TW" dirty="0" smtClean="0"/>
-              <a:t>   </a:t>
-            </a:r>
-            <a:r>
-              <a:rPr lang="en-US" altLang="zh-TW" dirty="0" err="1" smtClean="0"/>
+              <a:t>    </a:t>
+            </a:r>
+            <a:r>
+              <a:rPr lang="en-US" altLang="zh-TW" dirty="0" err="1"/>
               <a:t>color:white</a:t>
             </a:r>
             <a:r>
               <a:rPr lang="en-US" altLang="zh-TW" dirty="0"/>
               <a:t>; </a:t>
             </a:r>
-            <a:endParaRPr lang="en-US" altLang="zh-TW" dirty="0" smtClean="0"/>
           </a:p>
           <a:p>
             <a:r>
               <a:rPr lang="en-US" altLang="zh-TW" dirty="0"/>
-              <a:t> </a:t>
-            </a:r>
-            <a:r>
-              <a:rPr lang="en-US" altLang="zh-TW" dirty="0" smtClean="0"/>
-              <a:t>   </a:t>
-            </a:r>
-            <a:r>
-              <a:rPr lang="en-US" altLang="zh-TW" dirty="0" err="1" smtClean="0"/>
+              <a:t>    </a:t>
+            </a:r>
+            <a:r>
+              <a:rPr lang="en-US" altLang="zh-TW" dirty="0" err="1"/>
               <a:t>background:purple</a:t>
             </a:r>
-            <a:endParaRPr lang="en-US" altLang="zh-TW" dirty="0" smtClean="0"/>
-          </a:p>
-          <a:p>
-            <a:r>
-              <a:rPr lang="en-US" altLang="zh-TW" dirty="0" smtClean="0"/>
+            <a:endParaRPr lang="en-US" altLang="zh-TW" dirty="0"/>
+          </a:p>
+          <a:p>
+            <a:r>
+              <a:rPr lang="en-US" altLang="zh-TW" dirty="0"/>
               <a:t>}</a:t>
             </a:r>
             <a:endParaRPr lang="zh-TW" altLang="en-US" dirty="0"/>
@@ -5198,11 +5006,7 @@
             <a:pPr algn="ctr"/>
             <a:r>
               <a:rPr lang="en-US" altLang="zh-TW" dirty="0"/>
-              <a:t>b</a:t>
-            </a:r>
-            <a:r>
-              <a:rPr lang="en-US" altLang="zh-TW" dirty="0" smtClean="0"/>
-              <a:t>ody.css</a:t>
+              <a:t>body.css</a:t>
             </a:r>
             <a:endParaRPr lang="zh-TW" altLang="en-US" dirty="0"/>
           </a:p>
@@ -5224,11 +5028,11 @@
           <a:lstStyle/>
           <a:p>
             <a:r>
-              <a:rPr lang="zh-TW" altLang="en-US" smtClean="0"/>
+              <a:rPr lang="zh-TW" altLang="en-US"/>
               <a:t>多媒體程式設計</a:t>
             </a:r>
             <a:r>
-              <a:rPr lang="en-US" altLang="zh-TW" smtClean="0"/>
+              <a:rPr lang="en-US" altLang="zh-TW"/>
               <a:t>-CSS</a:t>
             </a:r>
             <a:endParaRPr lang="zh-TW" altLang="en-US"/>
@@ -5268,13 +5072,6 @@
   <p:clrMapOvr>
     <a:masterClrMapping/>
   </p:clrMapOvr>
-  <p:timing>
-    <p:tnLst>
-      <p:par>
-        <p:cTn id="1" dur="indefinite" restart="never" nodeType="tmRoot"/>
-      </p:par>
-    </p:tnLst>
-  </p:timing>
 </p:sld>
 </file>
 
@@ -5311,14 +5108,13 @@
           <a:lstStyle/>
           <a:p>
             <a:r>
-              <a:rPr lang="en-US" altLang="zh-TW" dirty="0" smtClean="0"/>
+              <a:rPr lang="en-US" altLang="zh-TW" dirty="0"/>
               <a:t>CSS</a:t>
             </a:r>
             <a:r>
-              <a:rPr lang="zh-TW" altLang="en-US" dirty="0" smtClean="0"/>
+              <a:rPr lang="zh-TW" altLang="en-US" dirty="0"/>
               <a:t>套用方式的優先順序</a:t>
             </a:r>
-            <a:endParaRPr lang="zh-TW" altLang="en-US" dirty="0"/>
           </a:p>
         </p:txBody>
       </p:sp>
@@ -5345,64 +5141,64 @@
           <a:lstStyle/>
           <a:p>
             <a:r>
-              <a:rPr lang="zh-TW" altLang="zh-TW" sz="2000" dirty="0" smtClean="0"/>
+              <a:rPr lang="zh-TW" altLang="zh-TW" sz="2000" dirty="0"/>
               <a:t>三種宣告</a:t>
             </a:r>
             <a:r>
-              <a:rPr lang="zh-TW" altLang="en-US" sz="2000" dirty="0" smtClean="0"/>
+              <a:rPr lang="zh-TW" altLang="en-US" sz="2000" dirty="0"/>
               <a:t>方式可以放在同一</a:t>
             </a:r>
             <a:r>
-              <a:rPr lang="en-US" altLang="zh-TW" sz="2000" dirty="0" smtClean="0"/>
+              <a:rPr lang="en-US" altLang="zh-TW" sz="2000" dirty="0"/>
               <a:t>HTML</a:t>
             </a:r>
             <a:r>
-              <a:rPr lang="zh-TW" altLang="en-US" sz="2000" dirty="0" smtClean="0"/>
+              <a:rPr lang="zh-TW" altLang="en-US" sz="2000" dirty="0"/>
               <a:t>文件中</a:t>
             </a:r>
-            <a:endParaRPr lang="en-US" altLang="zh-TW" sz="2000" dirty="0" smtClean="0"/>
-          </a:p>
-          <a:p>
-            <a:r>
-              <a:rPr lang="zh-TW" altLang="en-US" sz="2000" dirty="0" smtClean="0"/>
+            <a:endParaRPr lang="en-US" altLang="zh-TW" sz="2000" dirty="0"/>
+          </a:p>
+          <a:p>
+            <a:r>
+              <a:rPr lang="zh-TW" altLang="en-US" sz="2000" dirty="0"/>
               <a:t>若</a:t>
             </a:r>
             <a:r>
-              <a:rPr lang="zh-TW" altLang="zh-TW" sz="2000" dirty="0" smtClean="0"/>
+              <a:rPr lang="zh-TW" altLang="zh-TW" sz="2000" dirty="0"/>
               <a:t>有重複樣式時，優先順序</a:t>
             </a:r>
             <a:r>
-              <a:rPr lang="zh-TW" altLang="en-US" sz="2000" dirty="0" smtClean="0"/>
+              <a:rPr lang="zh-TW" altLang="en-US" sz="2000" dirty="0"/>
               <a:t>為</a:t>
             </a:r>
-            <a:endParaRPr lang="en-US" altLang="zh-TW" sz="2000" dirty="0" smtClean="0"/>
+            <a:endParaRPr lang="en-US" altLang="zh-TW" sz="2000" dirty="0"/>
           </a:p>
           <a:p>
             <a:pPr lvl="1"/>
             <a:r>
-              <a:rPr lang="zh-TW" altLang="zh-TW" sz="1800" dirty="0" smtClean="0"/>
+              <a:rPr lang="zh-TW" altLang="zh-TW" sz="1800" dirty="0"/>
               <a:t>「行內宣告」</a:t>
             </a:r>
             <a:r>
-              <a:rPr lang="en-US" altLang="zh-TW" sz="1800" dirty="0" smtClean="0"/>
+              <a:rPr lang="en-US" altLang="zh-TW" sz="1800" dirty="0"/>
               <a:t>&gt;</a:t>
             </a:r>
             <a:r>
-              <a:rPr lang="zh-TW" altLang="zh-TW" sz="1800" dirty="0" smtClean="0"/>
+              <a:rPr lang="zh-TW" altLang="zh-TW" sz="1800" dirty="0"/>
               <a:t>「內嵌宣告」</a:t>
             </a:r>
             <a:r>
-              <a:rPr lang="en-US" altLang="zh-TW" sz="1800" dirty="0" smtClean="0"/>
+              <a:rPr lang="en-US" altLang="zh-TW" sz="1800" dirty="0"/>
               <a:t>&gt;</a:t>
             </a:r>
             <a:r>
-              <a:rPr lang="zh-TW" altLang="zh-TW" sz="1800" dirty="0" smtClean="0"/>
+              <a:rPr lang="zh-TW" altLang="zh-TW" sz="1800" dirty="0"/>
               <a:t>「連結外部樣式檔」</a:t>
             </a:r>
-            <a:endParaRPr lang="en-US" altLang="zh-TW" sz="1800" dirty="0" smtClean="0"/>
-          </a:p>
-          <a:p>
-            <a:endParaRPr lang="zh-TW" altLang="zh-TW" sz="2000" dirty="0" smtClean="0"/>
+            <a:endParaRPr lang="en-US" altLang="zh-TW" sz="1800" dirty="0"/>
+          </a:p>
+          <a:p>
+            <a:endParaRPr lang="zh-TW" altLang="zh-TW" sz="2000" dirty="0"/>
           </a:p>
           <a:p>
             <a:endParaRPr lang="zh-TW" altLang="en-US" sz="2000" dirty="0"/>
@@ -5487,20 +5283,12 @@
           </a:p>
           <a:p>
             <a:r>
-              <a:rPr lang="en-US" altLang="zh-TW" sz="1400" dirty="0" smtClean="0">
+              <a:rPr lang="en-US" altLang="zh-TW" sz="1400" dirty="0">
                 <a:solidFill>
                   <a:srgbClr val="0070C0"/>
                 </a:solidFill>
               </a:rPr>
-              <a:t>	color</a:t>
-            </a:r>
-            <a:r>
-              <a:rPr lang="en-US" altLang="zh-TW" sz="1400" dirty="0">
-                <a:solidFill>
-                  <a:srgbClr val="0070C0"/>
-                </a:solidFill>
-              </a:rPr>
-              <a:t>: Red;</a:t>
+              <a:t>	color: Red;</a:t>
             </a:r>
           </a:p>
           <a:p>
@@ -5796,61 +5584,40 @@
           <a:p>
             <a:r>
               <a:rPr lang="zh-TW" altLang="en-US" sz="1400" dirty="0"/>
-              <a:t> </a:t>
-            </a:r>
-            <a:r>
-              <a:rPr lang="zh-TW" altLang="en-US" sz="1400" dirty="0" smtClean="0"/>
-              <a:t>   </a:t>
-            </a:r>
-            <a:r>
-              <a:rPr lang="en-US" altLang="zh-TW" sz="1400" dirty="0" smtClean="0"/>
-              <a:t>color</a:t>
+              <a:t>    </a:t>
             </a:r>
             <a:r>
               <a:rPr lang="en-US" altLang="zh-TW" sz="1400" dirty="0"/>
-              <a:t>: Red;	</a:t>
-            </a:r>
-          </a:p>
-          <a:p>
+              <a:t>color: Red;	</a:t>
+            </a:r>
+          </a:p>
+          <a:p>
+            <a:r>
+              <a:rPr lang="zh-TW" altLang="en-US" sz="1400" dirty="0"/>
+              <a:t>    </a:t>
+            </a:r>
+            <a:r>
+              <a:rPr lang="en-US" altLang="zh-TW" sz="1400" dirty="0"/>
+              <a:t>font-family: Broadway BT;</a:t>
+            </a:r>
+          </a:p>
+          <a:p>
+            <a:r>
+              <a:rPr lang="zh-TW" altLang="en-US" sz="1400" dirty="0"/>
+              <a:t>    </a:t>
+            </a:r>
+            <a:r>
+              <a:rPr lang="en-US" altLang="zh-TW" sz="1400" dirty="0"/>
+              <a:t>font-weight:</a:t>
+            </a:r>
             <a:r>
               <a:rPr lang="zh-TW" altLang="en-US" sz="1400" dirty="0"/>
               <a:t> </a:t>
             </a:r>
             <a:r>
-              <a:rPr lang="zh-TW" altLang="en-US" sz="1400" dirty="0" smtClean="0"/>
-              <a:t>   </a:t>
-            </a:r>
-            <a:r>
-              <a:rPr lang="en-US" altLang="zh-TW" sz="1400" dirty="0" smtClean="0"/>
-              <a:t>font-family</a:t>
-            </a:r>
-            <a:r>
               <a:rPr lang="en-US" altLang="zh-TW" sz="1400" dirty="0"/>
-              <a:t>: Broadway BT;</a:t>
-            </a:r>
-          </a:p>
-          <a:p>
-            <a:r>
-              <a:rPr lang="zh-TW" altLang="en-US" sz="1400" dirty="0"/>
-              <a:t> </a:t>
-            </a:r>
-            <a:r>
-              <a:rPr lang="zh-TW" altLang="en-US" sz="1400" dirty="0" smtClean="0"/>
-              <a:t>   </a:t>
-            </a:r>
-            <a:r>
-              <a:rPr lang="en-US" altLang="zh-TW" sz="1400" dirty="0" smtClean="0"/>
-              <a:t>font-weight:</a:t>
-            </a:r>
-            <a:r>
-              <a:rPr lang="zh-TW" altLang="en-US" sz="1400" dirty="0" smtClean="0"/>
-              <a:t> </a:t>
-            </a:r>
-            <a:r>
-              <a:rPr lang="en-US" altLang="zh-TW" sz="1400" dirty="0" smtClean="0"/>
               <a:t>bold;</a:t>
             </a:r>
-            <a:endParaRPr lang="en-US" altLang="zh-TW" sz="1400" dirty="0"/>
           </a:p>
           <a:p>
             <a:r>
@@ -5936,11 +5703,11 @@
           <a:lstStyle/>
           <a:p>
             <a:r>
-              <a:rPr lang="zh-TW" altLang="en-US" dirty="0" smtClean="0"/>
+              <a:rPr lang="zh-TW" altLang="en-US" dirty="0"/>
               <a:t>多媒體程式設計</a:t>
             </a:r>
             <a:r>
-              <a:rPr lang="en-US" altLang="zh-TW" dirty="0" smtClean="0"/>
+              <a:rPr lang="en-US" altLang="zh-TW" dirty="0"/>
               <a:t>-CSS</a:t>
             </a:r>
             <a:endParaRPr lang="zh-TW" altLang="en-US" dirty="0"/>
@@ -5980,13 +5747,6 @@
   <p:clrMapOvr>
     <a:masterClrMapping/>
   </p:clrMapOvr>
-  <p:timing>
-    <p:tnLst>
-      <p:par>
-        <p:cTn id="1" dur="indefinite" restart="never" nodeType="tmRoot"/>
-      </p:par>
-    </p:tnLst>
-  </p:timing>
 </p:sld>
 </file>
 
@@ -6023,18 +5783,17 @@
           <a:lstStyle/>
           <a:p>
             <a:r>
-              <a:rPr lang="zh-TW" altLang="en-US" dirty="0" smtClean="0"/>
+              <a:rPr lang="zh-TW" altLang="en-US" dirty="0"/>
               <a:t>認識</a:t>
             </a:r>
             <a:r>
-              <a:rPr lang="en-US" altLang="zh-TW" dirty="0" smtClean="0"/>
+              <a:rPr lang="en-US" altLang="zh-TW" dirty="0"/>
               <a:t>CSS</a:t>
             </a:r>
             <a:r>
-              <a:rPr lang="zh-TW" altLang="en-US" dirty="0" smtClean="0"/>
+              <a:rPr lang="zh-TW" altLang="en-US" dirty="0"/>
               <a:t>選擇器</a:t>
             </a:r>
-            <a:endParaRPr lang="zh-TW" altLang="en-US" dirty="0"/>
           </a:p>
         </p:txBody>
       </p:sp>
@@ -6056,23 +5815,23 @@
           <a:lstStyle/>
           <a:p>
             <a:r>
-              <a:rPr lang="zh-TW" altLang="zh-TW" sz="2400" dirty="0" smtClean="0"/>
+              <a:rPr lang="zh-TW" altLang="zh-TW" sz="2400" dirty="0"/>
               <a:t>標記名稱</a:t>
             </a:r>
-            <a:endParaRPr lang="en-US" altLang="zh-TW" sz="2400" dirty="0" smtClean="0"/>
+            <a:endParaRPr lang="en-US" altLang="zh-TW" sz="2400" dirty="0"/>
           </a:p>
           <a:p>
             <a:pPr lvl="1"/>
             <a:r>
-              <a:rPr lang="zh-TW" altLang="en-US" sz="2000" dirty="0" smtClean="0"/>
+              <a:rPr lang="zh-TW" altLang="en-US" sz="2000" dirty="0"/>
               <a:t>相同標記皆套用相同樣式</a:t>
             </a:r>
-            <a:endParaRPr lang="en-US" altLang="zh-TW" sz="2000" dirty="0" smtClean="0"/>
+            <a:endParaRPr lang="en-US" altLang="zh-TW" sz="2000" dirty="0"/>
           </a:p>
           <a:p>
             <a:pPr lvl="1"/>
             <a:r>
-              <a:rPr lang="en-US" altLang="zh-TW" sz="2000" dirty="0" smtClean="0">
+              <a:rPr lang="en-US" altLang="zh-TW" sz="2000" dirty="0">
                 <a:solidFill>
                   <a:srgbClr val="FF0000"/>
                 </a:solidFill>
@@ -6080,36 +5839,36 @@
               <a:t>div </a:t>
             </a:r>
             <a:r>
-              <a:rPr lang="en-US" altLang="zh-TW" sz="2000" dirty="0" smtClean="0"/>
+              <a:rPr lang="en-US" altLang="zh-TW" sz="2000" dirty="0"/>
               <a:t>{ font-size: 16px; color: #FFFFFF;}</a:t>
             </a:r>
           </a:p>
           <a:p>
             <a:pPr lvl="1"/>
-            <a:endParaRPr lang="zh-TW" altLang="zh-TW" sz="2000" dirty="0" smtClean="0"/>
-          </a:p>
-          <a:p>
-            <a:r>
-              <a:rPr lang="zh-TW" altLang="zh-TW" sz="2400" dirty="0" smtClean="0"/>
+            <a:endParaRPr lang="zh-TW" altLang="zh-TW" sz="2000" dirty="0"/>
+          </a:p>
+          <a:p>
+            <a:r>
+              <a:rPr lang="zh-TW" altLang="zh-TW" sz="2400" dirty="0"/>
               <a:t>通用選擇器</a:t>
             </a:r>
             <a:r>
-              <a:rPr lang="en-US" altLang="zh-TW" sz="2400" dirty="0" smtClean="0"/>
+              <a:rPr lang="en-US" altLang="zh-TW" sz="2400" dirty="0"/>
               <a:t>(*)</a:t>
             </a:r>
           </a:p>
           <a:p>
             <a:pPr lvl="1"/>
             <a:r>
-              <a:rPr lang="zh-TW" altLang="en-US" sz="2000" dirty="0" smtClean="0"/>
+              <a:rPr lang="zh-TW" altLang="en-US" sz="2000" dirty="0"/>
               <a:t>不同標記皆可使用</a:t>
             </a:r>
-            <a:endParaRPr lang="en-US" altLang="zh-TW" sz="2000" dirty="0" smtClean="0"/>
+            <a:endParaRPr lang="en-US" altLang="zh-TW" sz="2000" dirty="0"/>
           </a:p>
           <a:p>
             <a:pPr lvl="1"/>
             <a:r>
-              <a:rPr lang="en-US" altLang="zh-TW" sz="2000" dirty="0" smtClean="0">
+              <a:rPr lang="en-US" altLang="zh-TW" sz="2000" dirty="0">
                 <a:solidFill>
                   <a:srgbClr val="FF0000"/>
                 </a:solidFill>
@@ -6117,7 +5876,7 @@
               <a:t>*</a:t>
             </a:r>
             <a:r>
-              <a:rPr lang="en-US" altLang="zh-TW" sz="2000" dirty="0" smtClean="0"/>
+              <a:rPr lang="en-US" altLang="zh-TW" sz="2000" dirty="0"/>
               <a:t> { font-size: 16px; color: #ff0000;}</a:t>
             </a:r>
           </a:p>
@@ -6126,36 +5885,36 @@
           </a:p>
           <a:p>
             <a:r>
-              <a:rPr lang="en-US" altLang="zh-TW" sz="2400" dirty="0" smtClean="0"/>
+              <a:rPr lang="en-US" altLang="zh-TW" sz="2400" dirty="0"/>
               <a:t>Class</a:t>
             </a:r>
             <a:r>
-              <a:rPr lang="zh-TW" altLang="en-US" sz="2400" dirty="0" smtClean="0"/>
+              <a:rPr lang="zh-TW" altLang="en-US" sz="2400" dirty="0"/>
               <a:t>選擇器：詳下頁</a:t>
             </a:r>
-            <a:endParaRPr lang="en-US" altLang="zh-TW" sz="2400" dirty="0" smtClean="0"/>
-          </a:p>
-          <a:p>
-            <a:r>
-              <a:rPr lang="en-US" altLang="zh-TW" sz="2400" dirty="0" smtClean="0"/>
+            <a:endParaRPr lang="en-US" altLang="zh-TW" sz="2400" dirty="0"/>
+          </a:p>
+          <a:p>
+            <a:r>
+              <a:rPr lang="en-US" altLang="zh-TW" sz="2400" dirty="0"/>
               <a:t>ID</a:t>
             </a:r>
             <a:r>
-              <a:rPr lang="zh-TW" altLang="en-US" sz="2400" dirty="0" smtClean="0"/>
+              <a:rPr lang="zh-TW" altLang="en-US" sz="2400" dirty="0"/>
               <a:t>選擇器：詳下頁</a:t>
             </a:r>
-            <a:endParaRPr lang="en-US" altLang="zh-TW" sz="2400" dirty="0" smtClean="0"/>
-          </a:p>
-          <a:p>
-            <a:r>
-              <a:rPr lang="zh-TW" altLang="zh-TW" sz="2400" dirty="0" smtClean="0"/>
+            <a:endParaRPr lang="en-US" altLang="zh-TW" sz="2400" dirty="0"/>
+          </a:p>
+          <a:p>
+            <a:r>
+              <a:rPr lang="zh-TW" altLang="zh-TW" sz="2400" dirty="0"/>
               <a:t>屬性選擇器</a:t>
             </a:r>
             <a:r>
-              <a:rPr lang="zh-TW" altLang="en-US" sz="2400" dirty="0" smtClean="0"/>
+              <a:rPr lang="zh-TW" altLang="en-US" sz="2400" dirty="0"/>
               <a:t>：詳下頁</a:t>
             </a:r>
-            <a:endParaRPr lang="zh-TW" altLang="zh-TW" sz="2400" dirty="0" smtClean="0"/>
+            <a:endParaRPr lang="zh-TW" altLang="zh-TW" sz="2400" dirty="0"/>
           </a:p>
           <a:p>
             <a:endParaRPr lang="zh-TW" altLang="en-US" sz="2400" dirty="0"/>
@@ -6178,11 +5937,11 @@
           <a:lstStyle/>
           <a:p>
             <a:r>
-              <a:rPr lang="zh-TW" altLang="en-US" smtClean="0"/>
+              <a:rPr lang="zh-TW" altLang="en-US"/>
               <a:t>多媒體程式設計</a:t>
             </a:r>
             <a:r>
-              <a:rPr lang="en-US" altLang="zh-TW" smtClean="0"/>
+              <a:rPr lang="en-US" altLang="zh-TW"/>
               <a:t>-CSS</a:t>
             </a:r>
             <a:endParaRPr lang="zh-TW" altLang="en-US"/>
@@ -6222,13 +5981,6 @@
   <p:clrMapOvr>
     <a:masterClrMapping/>
   </p:clrMapOvr>
-  <p:timing>
-    <p:tnLst>
-      <p:par>
-        <p:cTn id="1" dur="indefinite" restart="never" nodeType="tmRoot"/>
-      </p:par>
-    </p:tnLst>
-  </p:timing>
 </p:sld>
 </file>
 
@@ -6267,14 +6019,13 @@
           <a:lstStyle/>
           <a:p>
             <a:r>
-              <a:rPr lang="en-US" altLang="zh-TW" sz="3200" dirty="0" smtClean="0"/>
+              <a:rPr lang="en-US" altLang="zh-TW" sz="3200" dirty="0"/>
               <a:t>Class</a:t>
             </a:r>
             <a:r>
-              <a:rPr lang="zh-TW" altLang="en-US" sz="3200" dirty="0" smtClean="0"/>
+              <a:rPr lang="zh-TW" altLang="en-US" sz="3200" dirty="0"/>
               <a:t>選擇器</a:t>
             </a:r>
-            <a:endParaRPr lang="zh-TW" altLang="en-US" sz="3200" dirty="0"/>
           </a:p>
         </p:txBody>
       </p:sp>
@@ -6296,23 +6047,23 @@
           <a:lstStyle/>
           <a:p>
             <a:r>
-              <a:rPr lang="en-US" altLang="zh-TW" sz="2400" dirty="0" smtClean="0"/>
+              <a:rPr lang="en-US" altLang="zh-TW" sz="2400" dirty="0"/>
               <a:t>Step1.</a:t>
             </a:r>
             <a:r>
-              <a:rPr lang="zh-TW" altLang="zh-TW" sz="2400" dirty="0" smtClean="0"/>
+              <a:rPr lang="zh-TW" altLang="zh-TW" sz="2400" dirty="0"/>
               <a:t>在</a:t>
             </a:r>
             <a:r>
-              <a:rPr lang="en-US" altLang="zh-TW" sz="2400" dirty="0" smtClean="0"/>
+              <a:rPr lang="en-US" altLang="zh-TW" sz="2400" dirty="0"/>
               <a:t>HTML</a:t>
             </a:r>
             <a:r>
-              <a:rPr lang="zh-TW" altLang="zh-TW" sz="2400" dirty="0" smtClean="0"/>
+              <a:rPr lang="zh-TW" altLang="zh-TW" sz="2400" dirty="0"/>
               <a:t>標記裡加入</a:t>
             </a:r>
             <a:r>
-              <a:rPr lang="en-US" altLang="zh-TW" sz="2400" dirty="0" smtClean="0">
+              <a:rPr lang="en-US" altLang="zh-TW" sz="2400" dirty="0">
                 <a:solidFill>
                   <a:srgbClr val="FF0000"/>
                 </a:solidFill>
@@ -6320,7 +6071,7 @@
               <a:t>class</a:t>
             </a:r>
             <a:r>
-              <a:rPr lang="zh-TW" altLang="zh-TW" sz="2400" dirty="0" smtClean="0">
+              <a:rPr lang="zh-TW" altLang="zh-TW" sz="2400" dirty="0">
                 <a:solidFill>
                   <a:srgbClr val="FF0000"/>
                 </a:solidFill>
@@ -6328,110 +6079,94 @@
               <a:t>屬性</a:t>
             </a:r>
             <a:r>
-              <a:rPr lang="zh-TW" altLang="en-US" sz="2400" dirty="0" smtClean="0"/>
+              <a:rPr lang="zh-TW" altLang="en-US" sz="2400" dirty="0"/>
               <a:t>。</a:t>
             </a:r>
-            <a:endParaRPr lang="en-US" altLang="zh-TW" sz="2400" dirty="0" smtClean="0"/>
+            <a:endParaRPr lang="en-US" altLang="zh-TW" sz="2400" dirty="0"/>
           </a:p>
           <a:p>
             <a:pPr lvl="1"/>
             <a:r>
-              <a:rPr lang="zh-TW" altLang="en-US" sz="2000" dirty="0" smtClean="0"/>
+              <a:rPr lang="zh-TW" altLang="en-US" sz="2000" dirty="0"/>
               <a:t>例如</a:t>
             </a:r>
             <a:r>
-              <a:rPr lang="en-US" altLang="zh-TW" sz="2000" dirty="0" smtClean="0"/>
+              <a:rPr lang="en-US" altLang="zh-TW" sz="2000" dirty="0"/>
               <a:t>:</a:t>
             </a:r>
             <a:r>
-              <a:rPr lang="zh-TW" altLang="en-US" sz="2000" dirty="0" smtClean="0"/>
+              <a:rPr lang="zh-TW" altLang="en-US" sz="2000" dirty="0"/>
               <a:t> </a:t>
             </a:r>
             <a:r>
-              <a:rPr lang="en-US" altLang="zh-TW" sz="2000" dirty="0" smtClean="0"/>
+              <a:rPr lang="en-US" altLang="zh-TW" sz="2000" dirty="0"/>
               <a:t>&lt;font </a:t>
             </a:r>
             <a:r>
-              <a:rPr lang="en-US" altLang="zh-TW" sz="2000" dirty="0" smtClean="0">
+              <a:rPr lang="en-US" altLang="zh-TW" sz="2000" dirty="0">
                 <a:solidFill>
                   <a:srgbClr val="FF0000"/>
                 </a:solidFill>
               </a:rPr>
+              <a:t>class="txt"&gt;</a:t>
+            </a:r>
+          </a:p>
+          <a:p>
+            <a:pPr lvl="1"/>
+            <a:r>
+              <a:rPr lang="en-US" altLang="zh-TW" sz="2000" dirty="0"/>
+              <a:t>Class</a:t>
+            </a:r>
+            <a:r>
+              <a:rPr lang="zh-TW" altLang="en-US" sz="2000" dirty="0"/>
+              <a:t>名稱不可使用</a:t>
+            </a:r>
+            <a:r>
+              <a:rPr lang="en-US" altLang="zh-TW" sz="2000" dirty="0"/>
+              <a:t>HTML</a:t>
+            </a:r>
+            <a:r>
+              <a:rPr lang="zh-TW" altLang="en-US" sz="2000" dirty="0"/>
+              <a:t>標記名稱</a:t>
+            </a:r>
+            <a:endParaRPr lang="en-US" altLang="zh-TW" sz="2000" dirty="0"/>
+          </a:p>
+          <a:p>
+            <a:endParaRPr lang="en-US" altLang="zh-TW" sz="2400" dirty="0"/>
+          </a:p>
+          <a:p>
+            <a:r>
+              <a:rPr lang="en-US" altLang="zh-TW" sz="2400" dirty="0"/>
+              <a:t>Step2. CSS</a:t>
+            </a:r>
+            <a:r>
+              <a:rPr lang="zh-TW" altLang="zh-TW" sz="2400" dirty="0"/>
+              <a:t>樣式裡加入</a:t>
+            </a:r>
+            <a:r>
+              <a:rPr lang="en-US" altLang="zh-TW" sz="2400" dirty="0"/>
               <a:t>class</a:t>
             </a:r>
             <a:r>
+              <a:rPr lang="zh-TW" altLang="zh-TW" sz="2400" dirty="0"/>
+              <a:t>選擇器宣告</a:t>
+            </a:r>
+            <a:r>
+              <a:rPr lang="zh-TW" altLang="en-US" sz="2400" dirty="0"/>
+              <a:t>。</a:t>
+            </a:r>
+            <a:endParaRPr lang="en-US" altLang="zh-TW" sz="2400" dirty="0"/>
+          </a:p>
+          <a:p>
+            <a:endParaRPr lang="en-US" altLang="zh-TW" sz="2400" dirty="0"/>
+          </a:p>
+          <a:p>
+            <a:endParaRPr lang="en-US" altLang="zh-TW" sz="2400" dirty="0"/>
+          </a:p>
+          <a:p>
+            <a:pPr lvl="1"/>
+            <a:r>
               <a:rPr lang="en-US" altLang="zh-TW" sz="2000" dirty="0">
-                <a:solidFill>
-                  <a:srgbClr val="FF0000"/>
-                </a:solidFill>
-              </a:rPr>
-              <a:t>="txt</a:t>
-            </a:r>
-            <a:r>
-              <a:rPr lang="en-US" altLang="zh-TW" sz="2000" dirty="0" smtClean="0">
-                <a:solidFill>
-                  <a:srgbClr val="FF0000"/>
-                </a:solidFill>
-              </a:rPr>
-              <a:t>"&gt;</a:t>
-            </a:r>
-          </a:p>
-          <a:p>
-            <a:pPr lvl="1"/>
-            <a:r>
-              <a:rPr lang="en-US" altLang="zh-TW" sz="2000" dirty="0" smtClean="0"/>
-              <a:t>Class</a:t>
-            </a:r>
-            <a:r>
-              <a:rPr lang="zh-TW" altLang="en-US" sz="2000" dirty="0" smtClean="0"/>
-              <a:t>名稱不可使用</a:t>
-            </a:r>
-            <a:r>
-              <a:rPr lang="en-US" altLang="zh-TW" sz="2000" dirty="0" smtClean="0"/>
-              <a:t>HTML</a:t>
-            </a:r>
-            <a:r>
-              <a:rPr lang="zh-TW" altLang="en-US" sz="2000" dirty="0" smtClean="0"/>
-              <a:t>標記名稱</a:t>
-            </a:r>
-            <a:endParaRPr lang="en-US" altLang="zh-TW" sz="2000" dirty="0" smtClean="0"/>
-          </a:p>
-          <a:p>
-            <a:endParaRPr lang="en-US" altLang="zh-TW" sz="2400" dirty="0" smtClean="0"/>
-          </a:p>
-          <a:p>
-            <a:r>
-              <a:rPr lang="en-US" altLang="zh-TW" sz="2400" dirty="0" smtClean="0"/>
-              <a:t>Step2. CSS</a:t>
-            </a:r>
-            <a:r>
-              <a:rPr lang="zh-TW" altLang="zh-TW" sz="2400" dirty="0" smtClean="0"/>
-              <a:t>樣式裡加入</a:t>
-            </a:r>
-            <a:r>
-              <a:rPr lang="en-US" altLang="zh-TW" sz="2400" dirty="0" smtClean="0"/>
-              <a:t>class</a:t>
-            </a:r>
-            <a:r>
-              <a:rPr lang="zh-TW" altLang="zh-TW" sz="2400" dirty="0" smtClean="0"/>
-              <a:t>選擇器宣告</a:t>
-            </a:r>
-            <a:r>
-              <a:rPr lang="zh-TW" altLang="en-US" sz="2400" dirty="0" smtClean="0"/>
-              <a:t>。</a:t>
-            </a:r>
-            <a:endParaRPr lang="en-US" altLang="zh-TW" sz="2400" dirty="0" smtClean="0"/>
-          </a:p>
-          <a:p>
-            <a:endParaRPr lang="en-US" altLang="zh-TW" sz="2400" dirty="0" smtClean="0"/>
-          </a:p>
-          <a:p>
-            <a:endParaRPr lang="en-US" altLang="zh-TW" sz="2400" dirty="0" smtClean="0"/>
-          </a:p>
-          <a:p>
-            <a:pPr lvl="1"/>
-            <a:r>
-              <a:rPr lang="en-US" altLang="zh-TW" sz="2000" dirty="0" smtClean="0">
                 <a:solidFill>
                   <a:srgbClr val="FF0000"/>
                 </a:solidFill>
@@ -6536,11 +6271,11 @@
           <a:lstStyle/>
           <a:p>
             <a:r>
-              <a:rPr lang="zh-TW" altLang="en-US" smtClean="0"/>
+              <a:rPr lang="zh-TW" altLang="en-US"/>
               <a:t>多媒體程式設計</a:t>
             </a:r>
             <a:r>
-              <a:rPr lang="en-US" altLang="zh-TW" smtClean="0"/>
+              <a:rPr lang="en-US" altLang="zh-TW"/>
               <a:t>-CSS</a:t>
             </a:r>
             <a:endParaRPr lang="zh-TW" altLang="en-US"/>
@@ -6580,13 +6315,6 @@
   <p:clrMapOvr>
     <a:masterClrMapping/>
   </p:clrMapOvr>
-  <p:timing>
-    <p:tnLst>
-      <p:par>
-        <p:cTn id="1" dur="indefinite" restart="never" nodeType="tmRoot"/>
-      </p:par>
-    </p:tnLst>
-  </p:timing>
 </p:sld>
 </file>
 
@@ -6628,22 +6356,18 @@
             </a:r>
             <a:r>
               <a:rPr lang="zh-TW" altLang="en-US" dirty="0"/>
-              <a:t>選擇</a:t>
-            </a:r>
-            <a:r>
-              <a:rPr lang="zh-TW" altLang="en-US" dirty="0" smtClean="0"/>
-              <a:t>器</a:t>
-            </a:r>
-            <a:r>
-              <a:rPr lang="en-US" altLang="zh-TW" dirty="0" smtClean="0"/>
+              <a:t>選擇器</a:t>
+            </a:r>
+            <a:r>
+              <a:rPr lang="en-US" altLang="zh-TW" dirty="0"/>
               <a:t>--</a:t>
             </a:r>
             <a:r>
-              <a:rPr lang="zh-TW" altLang="en-US" dirty="0" smtClean="0"/>
+              <a:rPr lang="zh-TW" altLang="en-US" dirty="0"/>
               <a:t> </a:t>
             </a:r>
             <a:r>
-              <a:rPr lang="en-US" altLang="zh-TW" dirty="0" smtClean="0"/>
+              <a:rPr lang="en-US" altLang="zh-TW" dirty="0"/>
               <a:t>example</a:t>
             </a:r>
             <a:endParaRPr lang="zh-TW" altLang="en-US" dirty="0"/>
@@ -6849,16 +6573,12 @@
           </a:p>
           <a:p>
             <a:r>
-              <a:rPr lang="zh-TW" altLang="en-US" sz="1400" dirty="0" smtClean="0"/>
+              <a:rPr lang="zh-TW" altLang="en-US" sz="1400" dirty="0"/>
               <a:t>           </a:t>
             </a:r>
             <a:r>
-              <a:rPr lang="en-US" altLang="zh-TW" sz="1400" dirty="0" smtClean="0"/>
-              <a:t>&lt;</a:t>
-            </a:r>
-            <a:r>
               <a:rPr lang="en-US" altLang="zh-TW" sz="1400" dirty="0"/>
-              <a:t>TD align="center" </a:t>
+              <a:t>&lt;TD align="center" </a:t>
             </a:r>
             <a:r>
               <a:rPr lang="en-US" altLang="zh-TW" sz="1400" dirty="0">
@@ -6950,11 +6670,11 @@
           <a:lstStyle/>
           <a:p>
             <a:r>
-              <a:rPr lang="zh-TW" altLang="en-US" smtClean="0"/>
+              <a:rPr lang="zh-TW" altLang="en-US"/>
               <a:t>多媒體程式設計</a:t>
             </a:r>
             <a:r>
-              <a:rPr lang="en-US" altLang="zh-TW" smtClean="0"/>
+              <a:rPr lang="en-US" altLang="zh-TW"/>
               <a:t>-CSS</a:t>
             </a:r>
             <a:endParaRPr lang="zh-TW" altLang="en-US"/>
@@ -6994,13 +6714,6 @@
   <p:clrMapOvr>
     <a:masterClrMapping/>
   </p:clrMapOvr>
-  <p:timing>
-    <p:tnLst>
-      <p:par>
-        <p:cTn id="1" dur="indefinite" restart="never" nodeType="tmRoot"/>
-      </p:par>
-    </p:tnLst>
-  </p:timing>
 </p:sld>
 </file>
 
@@ -7070,18 +6783,17 @@
           <a:lstStyle/>
           <a:p>
             <a:r>
-              <a:rPr lang="zh-TW" altLang="en-US" sz="2000" dirty="0" smtClean="0"/>
+              <a:rPr lang="zh-TW" altLang="en-US" sz="2000" dirty="0"/>
               <a:t>在某一標記上套用</a:t>
             </a:r>
             <a:r>
-              <a:rPr lang="en-US" altLang="zh-TW" sz="2000" dirty="0" smtClean="0"/>
+              <a:rPr lang="en-US" altLang="zh-TW" sz="2000" dirty="0"/>
               <a:t>class</a:t>
             </a:r>
             <a:r>
-              <a:rPr lang="zh-TW" altLang="en-US" sz="2000" dirty="0" smtClean="0"/>
+              <a:rPr lang="zh-TW" altLang="en-US" sz="2000" dirty="0"/>
               <a:t>選擇器樣式</a:t>
             </a:r>
-            <a:endParaRPr lang="zh-TW" altLang="en-US" sz="2000" dirty="0"/>
           </a:p>
         </p:txBody>
       </p:sp>
@@ -7114,7 +6826,7 @@
           <a:p>
             <a:pPr algn="ctr"/>
             <a:r>
-              <a:rPr lang="zh-TW" altLang="en-US" sz="2400" dirty="0" smtClean="0">
+              <a:rPr lang="zh-TW" altLang="en-US" sz="2400" dirty="0">
                 <a:solidFill>
                   <a:schemeClr val="bg1"/>
                 </a:solidFill>
@@ -7122,20 +6834,12 @@
               <a:t>標記</a:t>
             </a:r>
             <a:r>
-              <a:rPr lang="en-US" altLang="zh-TW" sz="2400" dirty="0" smtClean="0">
+              <a:rPr lang="en-US" altLang="zh-TW" sz="2400" dirty="0">
                 <a:solidFill>
                   <a:schemeClr val="bg1"/>
                 </a:solidFill>
               </a:rPr>
-              <a:t>.</a:t>
-            </a:r>
-            <a:r>
-              <a:rPr lang="en-US" altLang="zh-TW" sz="2400" dirty="0">
-                <a:solidFill>
-                  <a:schemeClr val="bg1"/>
-                </a:solidFill>
-              </a:rPr>
-              <a:t>class</a:t>
+              <a:t>.class</a:t>
             </a:r>
             <a:r>
               <a:rPr lang="zh-TW" altLang="zh-TW" sz="2400" dirty="0">
@@ -7338,7 +7042,7 @@
           </a:p>
           <a:p>
             <a:r>
-              <a:rPr lang="en-US" altLang="zh-TW" sz="1200" dirty="0" smtClean="0"/>
+              <a:rPr lang="en-US" altLang="zh-TW" sz="1200" dirty="0"/>
               <a:t>&lt;font </a:t>
             </a:r>
             <a:r>
@@ -7347,23 +7051,11 @@
                   <a:srgbClr val="FF0000"/>
                 </a:solidFill>
               </a:rPr>
-              <a:t>class="</a:t>
-            </a:r>
-            <a:r>
-              <a:rPr lang="en-US" altLang="zh-TW" sz="1200" dirty="0" smtClean="0">
-                <a:solidFill>
-                  <a:srgbClr val="FF0000"/>
-                </a:solidFill>
-              </a:rPr>
-              <a:t>txt”&gt;</a:t>
-            </a:r>
-            <a:r>
-              <a:rPr lang="en-US" altLang="zh-TW" sz="1200" dirty="0" smtClean="0"/>
-              <a:t>From </a:t>
+              <a:t>class="txt”&gt;</a:t>
             </a:r>
             <a:r>
               <a:rPr lang="en-US" altLang="zh-TW" sz="1200" dirty="0"/>
-              <a:t>saving comes having. &lt;/font&gt;&lt;p&gt;</a:t>
+              <a:t>From saving comes having. &lt;/font&gt;&lt;p&gt;</a:t>
             </a:r>
           </a:p>
           <a:p>
@@ -7380,16 +7072,12 @@
           </a:p>
           <a:p>
             <a:r>
-              <a:rPr lang="zh-TW" altLang="en-US" sz="1200" dirty="0" smtClean="0"/>
+              <a:rPr lang="zh-TW" altLang="en-US" sz="1200" dirty="0"/>
               <a:t>               </a:t>
             </a:r>
             <a:r>
-              <a:rPr lang="en-US" altLang="zh-TW" sz="1200" dirty="0" smtClean="0"/>
-              <a:t>&lt;</a:t>
-            </a:r>
-            <a:r>
               <a:rPr lang="en-US" altLang="zh-TW" sz="1200" dirty="0"/>
-              <a:t>TD align="center" </a:t>
+              <a:t>&lt;TD align="center" </a:t>
             </a:r>
             <a:r>
               <a:rPr lang="en-US" altLang="zh-TW" sz="1200" dirty="0">
@@ -7481,11 +7169,11 @@
           <a:lstStyle/>
           <a:p>
             <a:r>
-              <a:rPr lang="zh-TW" altLang="en-US" smtClean="0"/>
+              <a:rPr lang="zh-TW" altLang="en-US"/>
               <a:t>多媒體程式設計</a:t>
             </a:r>
             <a:r>
-              <a:rPr lang="en-US" altLang="zh-TW" smtClean="0"/>
+              <a:rPr lang="en-US" altLang="zh-TW"/>
               <a:t>-CSS</a:t>
             </a:r>
             <a:endParaRPr lang="zh-TW" altLang="en-US"/>
@@ -7525,13 +7213,6 @@
   <p:clrMapOvr>
     <a:masterClrMapping/>
   </p:clrMapOvr>
-  <p:timing>
-    <p:tnLst>
-      <p:par>
-        <p:cTn id="1" dur="indefinite" restart="never" nodeType="tmRoot"/>
-      </p:par>
-    </p:tnLst>
-  </p:timing>
 </p:sld>
 </file>
 
@@ -7568,14 +7249,13 @@
           <a:lstStyle/>
           <a:p>
             <a:r>
-              <a:rPr lang="en-US" altLang="zh-TW" dirty="0" smtClean="0"/>
+              <a:rPr lang="en-US" altLang="zh-TW" dirty="0"/>
               <a:t>ID</a:t>
             </a:r>
             <a:r>
-              <a:rPr lang="zh-TW" altLang="en-US" dirty="0" smtClean="0"/>
+              <a:rPr lang="zh-TW" altLang="en-US" dirty="0"/>
               <a:t>選擇器</a:t>
             </a:r>
-            <a:endParaRPr lang="zh-TW" altLang="en-US" dirty="0"/>
           </a:p>
         </p:txBody>
       </p:sp>
@@ -7597,23 +7277,23 @@
           <a:lstStyle/>
           <a:p>
             <a:r>
-              <a:rPr lang="en-US" altLang="zh-TW" sz="2400" dirty="0" smtClean="0"/>
+              <a:rPr lang="en-US" altLang="zh-TW" sz="2400" dirty="0"/>
               <a:t>Step1.</a:t>
             </a:r>
             <a:r>
-              <a:rPr lang="zh-TW" altLang="zh-TW" sz="2400" dirty="0" smtClean="0"/>
+              <a:rPr lang="zh-TW" altLang="zh-TW" sz="2400" dirty="0"/>
               <a:t>在</a:t>
             </a:r>
             <a:r>
-              <a:rPr lang="en-US" altLang="zh-TW" sz="2400" dirty="0" smtClean="0"/>
+              <a:rPr lang="en-US" altLang="zh-TW" sz="2400" dirty="0"/>
               <a:t>HTML</a:t>
             </a:r>
             <a:r>
-              <a:rPr lang="zh-TW" altLang="zh-TW" sz="2400" dirty="0" smtClean="0"/>
+              <a:rPr lang="zh-TW" altLang="zh-TW" sz="2400" dirty="0"/>
               <a:t>標記裡</a:t>
             </a:r>
             <a:r>
-              <a:rPr lang="zh-TW" altLang="zh-TW" sz="2400" dirty="0" smtClean="0">
+              <a:rPr lang="zh-TW" altLang="zh-TW" sz="2400" dirty="0">
                 <a:solidFill>
                   <a:srgbClr val="FF0000"/>
                 </a:solidFill>
@@ -7621,7 +7301,7 @@
               <a:t>加入</a:t>
             </a:r>
             <a:r>
-              <a:rPr lang="en-US" altLang="zh-TW" sz="2400" dirty="0" smtClean="0">
+              <a:rPr lang="en-US" altLang="zh-TW" sz="2400" dirty="0">
                 <a:solidFill>
                   <a:srgbClr val="FF0000"/>
                 </a:solidFill>
@@ -7629,7 +7309,7 @@
               <a:t>ID</a:t>
             </a:r>
             <a:r>
-              <a:rPr lang="zh-TW" altLang="zh-TW" sz="2400" dirty="0" smtClean="0">
+              <a:rPr lang="zh-TW" altLang="zh-TW" sz="2400" dirty="0">
                 <a:solidFill>
                   <a:srgbClr val="FF0000"/>
                 </a:solidFill>
@@ -7637,31 +7317,31 @@
               <a:t>屬性</a:t>
             </a:r>
             <a:r>
-              <a:rPr lang="zh-TW" altLang="en-US" sz="2400" dirty="0" smtClean="0"/>
+              <a:rPr lang="zh-TW" altLang="en-US" sz="2400" dirty="0"/>
               <a:t>。</a:t>
             </a:r>
-            <a:endParaRPr lang="en-US" altLang="zh-TW" sz="2400" dirty="0" smtClean="0"/>
+            <a:endParaRPr lang="en-US" altLang="zh-TW" sz="2400" dirty="0"/>
           </a:p>
           <a:p>
             <a:pPr lvl="1"/>
             <a:r>
-              <a:rPr lang="zh-TW" altLang="en-US" sz="2000" dirty="0" smtClean="0"/>
+              <a:rPr lang="zh-TW" altLang="en-US" sz="2000" dirty="0"/>
               <a:t>例如</a:t>
             </a:r>
             <a:r>
-              <a:rPr lang="en-US" altLang="zh-TW" sz="2000" dirty="0" smtClean="0"/>
+              <a:rPr lang="en-US" altLang="zh-TW" sz="2000" dirty="0"/>
               <a:t>:</a:t>
             </a:r>
             <a:r>
-              <a:rPr lang="zh-TW" altLang="en-US" sz="2000" dirty="0" smtClean="0"/>
+              <a:rPr lang="zh-TW" altLang="en-US" sz="2000" dirty="0"/>
               <a:t> </a:t>
             </a:r>
             <a:r>
-              <a:rPr lang="en-US" altLang="zh-TW" sz="2000" dirty="0" smtClean="0"/>
+              <a:rPr lang="en-US" altLang="zh-TW" sz="2000" dirty="0"/>
               <a:t>&lt;font </a:t>
             </a:r>
             <a:r>
-              <a:rPr lang="en-US" altLang="zh-TW" sz="2000" dirty="0" smtClean="0">
+              <a:rPr lang="en-US" altLang="zh-TW" sz="2000" dirty="0">
                 <a:solidFill>
                   <a:srgbClr val="FF0000"/>
                 </a:solidFill>
@@ -7669,7 +7349,7 @@
               <a:t>id="</a:t>
             </a:r>
             <a:r>
-              <a:rPr lang="en-US" altLang="zh-TW" sz="2000" dirty="0" err="1" smtClean="0">
+              <a:rPr lang="en-US" altLang="zh-TW" sz="2000" dirty="0" err="1">
                 <a:solidFill>
                   <a:srgbClr val="FF0000"/>
                 </a:solidFill>
@@ -7677,7 +7357,7 @@
               <a:t>font_bold</a:t>
             </a:r>
             <a:r>
-              <a:rPr lang="en-US" altLang="zh-TW" sz="2000" dirty="0" smtClean="0">
+              <a:rPr lang="en-US" altLang="zh-TW" sz="2000" dirty="0">
                 <a:solidFill>
                   <a:srgbClr val="FF0000"/>
                 </a:solidFill>
@@ -7686,49 +7366,49 @@
             </a:r>
           </a:p>
           <a:p>
-            <a:endParaRPr lang="en-US" altLang="zh-TW" sz="2400" dirty="0" smtClean="0"/>
-          </a:p>
-          <a:p>
-            <a:r>
-              <a:rPr lang="en-US" altLang="zh-TW" sz="2400" dirty="0" smtClean="0"/>
+            <a:endParaRPr lang="en-US" altLang="zh-TW" sz="2400" dirty="0"/>
+          </a:p>
+          <a:p>
+            <a:r>
+              <a:rPr lang="en-US" altLang="zh-TW" sz="2400" dirty="0"/>
               <a:t>Step2. CSS</a:t>
             </a:r>
             <a:r>
-              <a:rPr lang="zh-TW" altLang="zh-TW" sz="2400" dirty="0" smtClean="0"/>
+              <a:rPr lang="zh-TW" altLang="zh-TW" sz="2400" dirty="0"/>
               <a:t>樣式裡加入</a:t>
             </a:r>
             <a:r>
-              <a:rPr lang="en-US" altLang="zh-TW" sz="2400" dirty="0" smtClean="0"/>
+              <a:rPr lang="en-US" altLang="zh-TW" sz="2400" dirty="0"/>
               <a:t>id</a:t>
             </a:r>
             <a:r>
-              <a:rPr lang="zh-TW" altLang="zh-TW" sz="2400" dirty="0" smtClean="0"/>
+              <a:rPr lang="zh-TW" altLang="zh-TW" sz="2400" dirty="0"/>
               <a:t>選擇器宣告</a:t>
             </a:r>
             <a:r>
-              <a:rPr lang="zh-TW" altLang="en-US" sz="2400" dirty="0" smtClean="0"/>
+              <a:rPr lang="zh-TW" altLang="en-US" sz="2400" dirty="0"/>
               <a:t>。</a:t>
             </a:r>
-            <a:endParaRPr lang="en-US" altLang="zh-TW" sz="2400" dirty="0" smtClean="0"/>
-          </a:p>
-          <a:p>
-            <a:endParaRPr lang="en-US" altLang="zh-TW" sz="2400" dirty="0" smtClean="0"/>
-          </a:p>
-          <a:p>
-            <a:endParaRPr lang="en-US" altLang="zh-TW" sz="2400" dirty="0" smtClean="0"/>
+            <a:endParaRPr lang="en-US" altLang="zh-TW" sz="2400" dirty="0"/>
+          </a:p>
+          <a:p>
+            <a:endParaRPr lang="en-US" altLang="zh-TW" sz="2400" dirty="0"/>
+          </a:p>
+          <a:p>
+            <a:endParaRPr lang="en-US" altLang="zh-TW" sz="2400" dirty="0"/>
           </a:p>
           <a:p>
             <a:pPr lvl="1"/>
             <a:r>
-              <a:rPr lang="en-US" altLang="zh-TW" sz="2000" dirty="0" smtClean="0"/>
+              <a:rPr lang="en-US" altLang="zh-TW" sz="2000" dirty="0"/>
               <a:t>#</a:t>
             </a:r>
             <a:r>
-              <a:rPr lang="en-US" altLang="zh-TW" sz="2000" dirty="0" err="1" smtClean="0"/>
+              <a:rPr lang="en-US" altLang="zh-TW" sz="2000" dirty="0" err="1"/>
               <a:t>font_bold</a:t>
             </a:r>
             <a:r>
-              <a:rPr lang="en-US" altLang="zh-TW" sz="2000" dirty="0" smtClean="0"/>
+              <a:rPr lang="en-US" altLang="zh-TW" sz="2000" dirty="0"/>
               <a:t> {font-size: 16px; color: #FFFFFF;} </a:t>
             </a:r>
             <a:endParaRPr lang="zh-TW" altLang="en-US" sz="2000" dirty="0"/>
@@ -7841,12 +7521,20 @@
           <a:lstStyle/>
           <a:p>
             <a:r>
-              <a:rPr lang="zh-TW" altLang="zh-TW" sz="2400" dirty="0" smtClean="0">
+              <a:rPr lang="zh-TW" altLang="zh-TW" sz="2400" dirty="0">
                 <a:solidFill>
                   <a:srgbClr val="FF0000"/>
                 </a:solidFill>
               </a:rPr>
-              <a:t>同一</a:t>
+              <a:t>同一份</a:t>
+            </a:r>
+            <a:r>
+              <a:rPr lang="en-US" altLang="zh-TW" sz="2400" dirty="0">
+                <a:solidFill>
+                  <a:srgbClr val="FF0000"/>
+                </a:solidFill>
+              </a:rPr>
+              <a:t>HTML</a:t>
             </a:r>
             <a:r>
               <a:rPr lang="zh-TW" altLang="zh-TW" sz="2400" dirty="0">
@@ -7854,7 +7542,15 @@
                   <a:srgbClr val="FF0000"/>
                 </a:solidFill>
               </a:rPr>
-              <a:t>份</a:t>
+              <a:t>文件裡</a:t>
+            </a:r>
+            <a:r>
+              <a:rPr lang="zh-TW" altLang="en-US" sz="2400" dirty="0">
+                <a:solidFill>
+                  <a:srgbClr val="FF0000"/>
+                </a:solidFill>
+              </a:rPr>
+              <a:t>不能有重複</a:t>
             </a:r>
             <a:r>
               <a:rPr lang="en-US" altLang="zh-TW" sz="2400" dirty="0">
@@ -7862,69 +7558,32 @@
                   <a:srgbClr val="FF0000"/>
                 </a:solidFill>
               </a:rPr>
-              <a:t>HTML</a:t>
-            </a:r>
-            <a:r>
-              <a:rPr lang="zh-TW" altLang="zh-TW" sz="2400" dirty="0">
+              <a:t>ID</a:t>
+            </a:r>
+            <a:r>
+              <a:rPr lang="zh-TW" altLang="en-US" sz="2400" dirty="0">
                 <a:solidFill>
                   <a:srgbClr val="FF0000"/>
                 </a:solidFill>
               </a:rPr>
-              <a:t>文件</a:t>
-            </a:r>
-            <a:r>
-              <a:rPr lang="zh-TW" altLang="zh-TW" sz="2400" dirty="0" smtClean="0">
+              <a:t>名稱；</a:t>
+            </a:r>
+            <a:r>
+              <a:rPr lang="en-US" altLang="zh-TW" sz="2400" dirty="0">
                 <a:solidFill>
                   <a:srgbClr val="FF0000"/>
                 </a:solidFill>
               </a:rPr>
-              <a:t>裡</a:t>
-            </a:r>
-            <a:r>
-              <a:rPr lang="zh-TW" altLang="en-US" sz="2400" dirty="0" smtClean="0">
+              <a:t>Class</a:t>
+            </a:r>
+            <a:r>
+              <a:rPr lang="zh-TW" altLang="en-US" sz="2400" dirty="0">
                 <a:solidFill>
                   <a:srgbClr val="FF0000"/>
                 </a:solidFill>
               </a:rPr>
-              <a:t>不能有重複</a:t>
-            </a:r>
-            <a:r>
-              <a:rPr lang="en-US" altLang="zh-TW" sz="2400" dirty="0" smtClean="0">
-                <a:solidFill>
-                  <a:srgbClr val="FF0000"/>
-                </a:solidFill>
-              </a:rPr>
-              <a:t>ID</a:t>
-            </a:r>
-            <a:r>
-              <a:rPr lang="zh-TW" altLang="en-US" sz="2400" dirty="0" smtClean="0">
-                <a:solidFill>
-                  <a:srgbClr val="FF0000"/>
-                </a:solidFill>
-              </a:rPr>
-              <a:t>名稱；</a:t>
-            </a:r>
-            <a:r>
-              <a:rPr lang="en-US" altLang="zh-TW" sz="2400" dirty="0" smtClean="0">
-                <a:solidFill>
-                  <a:srgbClr val="FF0000"/>
-                </a:solidFill>
-              </a:rPr>
-              <a:t>Class</a:t>
-            </a:r>
-            <a:r>
-              <a:rPr lang="zh-TW" altLang="en-US" sz="2400" dirty="0" smtClean="0">
-                <a:solidFill>
-                  <a:srgbClr val="FF0000"/>
-                </a:solidFill>
-              </a:rPr>
               <a:t>名稱可重複</a:t>
             </a:r>
-            <a:endParaRPr lang="zh-TW" altLang="en-US" sz="2400" dirty="0">
-              <a:solidFill>
-                <a:srgbClr val="FF0000"/>
-              </a:solidFill>
-            </a:endParaRPr>
           </a:p>
         </p:txBody>
       </p:sp>
@@ -7944,11 +7603,11 @@
           <a:lstStyle/>
           <a:p>
             <a:r>
-              <a:rPr lang="zh-TW" altLang="en-US" smtClean="0"/>
+              <a:rPr lang="zh-TW" altLang="en-US"/>
               <a:t>多媒體程式設計</a:t>
             </a:r>
             <a:r>
-              <a:rPr lang="en-US" altLang="zh-TW" smtClean="0"/>
+              <a:rPr lang="en-US" altLang="zh-TW"/>
               <a:t>-CSS</a:t>
             </a:r>
             <a:endParaRPr lang="zh-TW" altLang="en-US"/>
@@ -7988,13 +7647,6 @@
   <p:clrMapOvr>
     <a:masterClrMapping/>
   </p:clrMapOvr>
-  <p:timing>
-    <p:tnLst>
-      <p:par>
-        <p:cTn id="1" dur="indefinite" restart="never" nodeType="tmRoot"/>
-      </p:par>
-    </p:tnLst>
-  </p:timing>
 </p:sld>
 </file>
 
@@ -8036,22 +7688,18 @@
             </a:r>
             <a:r>
               <a:rPr lang="zh-TW" altLang="en-US" dirty="0"/>
-              <a:t>選擇</a:t>
-            </a:r>
-            <a:r>
-              <a:rPr lang="zh-TW" altLang="en-US" dirty="0" smtClean="0"/>
-              <a:t>器</a:t>
-            </a:r>
-            <a:r>
-              <a:rPr lang="en-US" altLang="zh-TW" dirty="0" smtClean="0"/>
+              <a:t>選擇器</a:t>
+            </a:r>
+            <a:r>
+              <a:rPr lang="en-US" altLang="zh-TW" dirty="0"/>
               <a:t>--</a:t>
             </a:r>
             <a:r>
-              <a:rPr lang="zh-TW" altLang="en-US" dirty="0" smtClean="0"/>
+              <a:rPr lang="zh-TW" altLang="en-US" dirty="0"/>
               <a:t> </a:t>
             </a:r>
             <a:r>
-              <a:rPr lang="en-US" altLang="zh-TW" dirty="0" smtClean="0"/>
+              <a:rPr lang="en-US" altLang="zh-TW" dirty="0"/>
               <a:t>example</a:t>
             </a:r>
             <a:endParaRPr lang="zh-TW" altLang="en-US" dirty="0"/>
@@ -8338,11 +7986,11 @@
           <a:lstStyle/>
           <a:p>
             <a:r>
-              <a:rPr lang="zh-TW" altLang="en-US" smtClean="0"/>
+              <a:rPr lang="zh-TW" altLang="en-US"/>
               <a:t>多媒體程式設計</a:t>
             </a:r>
             <a:r>
-              <a:rPr lang="en-US" altLang="zh-TW" smtClean="0"/>
+              <a:rPr lang="en-US" altLang="zh-TW"/>
               <a:t>-CSS</a:t>
             </a:r>
             <a:endParaRPr lang="zh-TW" altLang="en-US"/>
@@ -8382,13 +8030,6 @@
   <p:clrMapOvr>
     <a:masterClrMapping/>
   </p:clrMapOvr>
-  <p:timing>
-    <p:tnLst>
-      <p:par>
-        <p:cTn id="1" dur="indefinite" restart="never" nodeType="tmRoot"/>
-      </p:par>
-    </p:tnLst>
-  </p:timing>
 </p:sld>
 </file>
 
@@ -8495,187 +8136,187 @@
           <a:lstStyle/>
           <a:p>
             <a:r>
-              <a:rPr lang="en-US" altLang="zh-TW" sz="2400" dirty="0" smtClean="0"/>
+              <a:rPr lang="en-US" altLang="zh-TW" sz="2400" dirty="0"/>
               <a:t>CSS</a:t>
             </a:r>
             <a:r>
-              <a:rPr lang="zh-TW" altLang="en-US" sz="2400" dirty="0" smtClean="0"/>
+              <a:rPr lang="zh-TW" altLang="en-US" sz="2400" dirty="0"/>
               <a:t>：</a:t>
             </a:r>
             <a:r>
-              <a:rPr lang="zh-TW" altLang="zh-TW" sz="2400" dirty="0" smtClean="0"/>
+              <a:rPr lang="zh-TW" altLang="zh-TW" sz="2400" dirty="0"/>
               <a:t>串接樣式表 </a:t>
             </a:r>
             <a:r>
-              <a:rPr lang="en-US" altLang="zh-TW" sz="2400" dirty="0" smtClean="0"/>
+              <a:rPr lang="en-US" altLang="zh-TW" sz="2400" dirty="0"/>
               <a:t>(Cascading Style Sheet)</a:t>
             </a:r>
             <a:r>
-              <a:rPr lang="zh-TW" altLang="zh-TW" sz="2400" dirty="0" smtClean="0"/>
+              <a:rPr lang="zh-TW" altLang="zh-TW" sz="2400" dirty="0"/>
               <a:t>，簡稱</a:t>
             </a:r>
             <a:r>
-              <a:rPr lang="en-US" altLang="zh-TW" sz="2400" dirty="0" smtClean="0"/>
+              <a:rPr lang="en-US" altLang="zh-TW" sz="2400" dirty="0"/>
               <a:t>CSS</a:t>
             </a:r>
             <a:r>
-              <a:rPr lang="zh-TW" altLang="zh-TW" sz="2400" dirty="0" smtClean="0"/>
+              <a:rPr lang="zh-TW" altLang="zh-TW" sz="2400" dirty="0"/>
               <a:t>，最新的版本為</a:t>
             </a:r>
             <a:r>
-              <a:rPr lang="en-US" altLang="zh-TW" sz="2400" dirty="0" smtClean="0"/>
+              <a:rPr lang="en-US" altLang="zh-TW" sz="2400" dirty="0"/>
               <a:t>CSS3</a:t>
             </a:r>
           </a:p>
           <a:p>
-            <a:endParaRPr lang="en-US" altLang="zh-TW" sz="2400" dirty="0" smtClean="0"/>
-          </a:p>
-          <a:p>
-            <a:r>
-              <a:rPr lang="en-US" altLang="zh-TW" sz="2400" dirty="0" smtClean="0"/>
+            <a:endParaRPr lang="en-US" altLang="zh-TW" sz="2400" dirty="0"/>
+          </a:p>
+          <a:p>
+            <a:r>
+              <a:rPr lang="en-US" altLang="zh-TW" sz="2400" dirty="0"/>
               <a:t>CSS</a:t>
             </a:r>
             <a:r>
-              <a:rPr lang="zh-TW" altLang="zh-TW" sz="2400" dirty="0" smtClean="0"/>
+              <a:rPr lang="zh-TW" altLang="zh-TW" sz="2400" dirty="0"/>
               <a:t>的由來</a:t>
             </a:r>
           </a:p>
           <a:p>
             <a:pPr lvl="1"/>
             <a:r>
-              <a:rPr lang="en-US" altLang="zh-TW" sz="2000" dirty="0" smtClean="0"/>
+              <a:rPr lang="en-US" altLang="zh-TW" sz="2000" dirty="0"/>
               <a:t>1996</a:t>
             </a:r>
             <a:r>
-              <a:rPr lang="zh-TW" altLang="en-US" sz="2000" dirty="0" smtClean="0"/>
+              <a:rPr lang="zh-TW" altLang="en-US" sz="2000" dirty="0"/>
               <a:t>年：</a:t>
             </a:r>
             <a:r>
-              <a:rPr lang="en-US" altLang="zh-TW" sz="2000" dirty="0" smtClean="0"/>
+              <a:rPr lang="en-US" altLang="zh-TW" sz="2000" dirty="0"/>
               <a:t>CSS</a:t>
             </a:r>
             <a:r>
-              <a:rPr lang="zh-TW" altLang="zh-TW" sz="2000" dirty="0" smtClean="0"/>
+              <a:rPr lang="zh-TW" altLang="zh-TW" sz="2000" dirty="0"/>
               <a:t>第一版</a:t>
             </a:r>
             <a:r>
-              <a:rPr lang="en-US" altLang="zh-TW" sz="2000" dirty="0" smtClean="0"/>
+              <a:rPr lang="en-US" altLang="zh-TW" sz="2000" dirty="0"/>
               <a:t>(CSS1)</a:t>
             </a:r>
             <a:r>
-              <a:rPr lang="zh-TW" altLang="zh-TW" sz="2000" dirty="0" smtClean="0"/>
+              <a:rPr lang="zh-TW" altLang="zh-TW" sz="2000" dirty="0"/>
               <a:t>，透過樣式表自由設計字體的大小、字型、顏色、行距、元件排列</a:t>
             </a:r>
             <a:r>
-              <a:rPr lang="zh-TW" altLang="en-US" sz="2000" dirty="0" smtClean="0"/>
+              <a:rPr lang="zh-TW" altLang="en-US" sz="2000" dirty="0"/>
               <a:t>。</a:t>
             </a:r>
-            <a:endParaRPr lang="en-US" altLang="zh-TW" sz="2000" dirty="0" smtClean="0"/>
+            <a:endParaRPr lang="en-US" altLang="zh-TW" sz="2000" dirty="0"/>
           </a:p>
           <a:p>
             <a:pPr lvl="1"/>
             <a:r>
-              <a:rPr lang="en-US" altLang="zh-TW" sz="2000" dirty="0" smtClean="0"/>
+              <a:rPr lang="en-US" altLang="zh-TW" sz="2000" dirty="0"/>
               <a:t>1998</a:t>
             </a:r>
             <a:r>
-              <a:rPr lang="zh-TW" altLang="zh-TW" sz="2000" dirty="0" smtClean="0"/>
+              <a:rPr lang="zh-TW" altLang="zh-TW" sz="2000" dirty="0"/>
               <a:t>年</a:t>
             </a:r>
             <a:r>
-              <a:rPr lang="zh-TW" altLang="en-US" sz="2000" dirty="0" smtClean="0"/>
+              <a:rPr lang="zh-TW" altLang="en-US" sz="2000" dirty="0"/>
               <a:t>：</a:t>
             </a:r>
             <a:r>
-              <a:rPr lang="en-US" altLang="zh-TW" sz="2000" dirty="0" smtClean="0"/>
+              <a:rPr lang="en-US" altLang="zh-TW" sz="2000" dirty="0"/>
               <a:t>CSS</a:t>
             </a:r>
             <a:r>
-              <a:rPr lang="zh-TW" altLang="zh-TW" sz="2000" dirty="0" smtClean="0"/>
+              <a:rPr lang="zh-TW" altLang="zh-TW" sz="2000" dirty="0"/>
               <a:t>第二版</a:t>
             </a:r>
             <a:r>
-              <a:rPr lang="en-US" altLang="zh-TW" sz="2000" dirty="0" smtClean="0"/>
+              <a:rPr lang="en-US" altLang="zh-TW" sz="2000" dirty="0"/>
               <a:t>(CSS2)</a:t>
             </a:r>
             <a:r>
-              <a:rPr lang="zh-TW" altLang="zh-TW" sz="2000" dirty="0" smtClean="0"/>
+              <a:rPr lang="zh-TW" altLang="zh-TW" sz="2000" dirty="0"/>
               <a:t>，增加了絕對定位與相對定位的定位元素，讓網頁上的元件不必固定在同一個地方，可以由程式來控制元件的位置</a:t>
             </a:r>
             <a:r>
-              <a:rPr lang="zh-TW" altLang="en-US" sz="2000" dirty="0" smtClean="0"/>
+              <a:rPr lang="zh-TW" altLang="en-US" sz="2000" dirty="0"/>
               <a:t>。</a:t>
             </a:r>
-            <a:endParaRPr lang="en-US" altLang="zh-TW" sz="2000" dirty="0" smtClean="0"/>
+            <a:endParaRPr lang="en-US" altLang="zh-TW" sz="2000" dirty="0"/>
           </a:p>
           <a:p>
             <a:pPr lvl="1"/>
             <a:r>
-              <a:rPr lang="en-US" altLang="zh-TW" sz="2000" dirty="0" smtClean="0"/>
+              <a:rPr lang="en-US" altLang="zh-TW" sz="2000" dirty="0"/>
               <a:t>2011</a:t>
             </a:r>
             <a:r>
-              <a:rPr lang="zh-TW" altLang="zh-TW" sz="2000" dirty="0" smtClean="0"/>
+              <a:rPr lang="zh-TW" altLang="zh-TW" sz="2000" dirty="0"/>
               <a:t>年</a:t>
             </a:r>
             <a:r>
-              <a:rPr lang="zh-TW" altLang="en-US" sz="2000" dirty="0" smtClean="0"/>
+              <a:rPr lang="zh-TW" altLang="en-US" sz="2000" dirty="0"/>
               <a:t>：</a:t>
             </a:r>
             <a:r>
-              <a:rPr lang="en-US" altLang="zh-TW" sz="2000" dirty="0" smtClean="0"/>
+              <a:rPr lang="en-US" altLang="zh-TW" sz="2000" dirty="0"/>
               <a:t>CSS</a:t>
             </a:r>
             <a:r>
-              <a:rPr lang="zh-TW" altLang="zh-TW" sz="2000" dirty="0" smtClean="0"/>
+              <a:rPr lang="zh-TW" altLang="zh-TW" sz="2000" dirty="0"/>
               <a:t>第三版</a:t>
             </a:r>
             <a:r>
-              <a:rPr lang="en-US" altLang="zh-TW" sz="2000" dirty="0" smtClean="0"/>
+              <a:rPr lang="en-US" altLang="zh-TW" sz="2000" dirty="0"/>
               <a:t>(CSS3)</a:t>
             </a:r>
             <a:r>
-              <a:rPr lang="zh-TW" altLang="zh-TW" sz="2000" dirty="0" smtClean="0"/>
+              <a:rPr lang="zh-TW" altLang="zh-TW" sz="2000" dirty="0"/>
               <a:t>新增了元件圓角功能、文字陰影及動畫效果等功能。</a:t>
             </a:r>
-            <a:endParaRPr lang="en-US" altLang="zh-TW" sz="2000" dirty="0" smtClean="0"/>
+            <a:endParaRPr lang="en-US" altLang="zh-TW" sz="2000" dirty="0"/>
           </a:p>
           <a:p>
             <a:pPr lvl="2"/>
-            <a:endParaRPr lang="en-US" altLang="zh-TW" sz="1800" dirty="0" smtClean="0"/>
-          </a:p>
-          <a:p>
-            <a:r>
-              <a:rPr lang="en-US" altLang="zh-TW" sz="2400" dirty="0" smtClean="0"/>
+            <a:endParaRPr lang="en-US" altLang="zh-TW" sz="1800" dirty="0"/>
+          </a:p>
+          <a:p>
+            <a:r>
+              <a:rPr lang="en-US" altLang="zh-TW" sz="2400" dirty="0"/>
               <a:t>W3C</a:t>
             </a:r>
             <a:r>
-              <a:rPr lang="zh-TW" altLang="zh-TW" sz="2400" dirty="0" smtClean="0"/>
+              <a:rPr lang="zh-TW" altLang="zh-TW" sz="2400" dirty="0"/>
               <a:t>提供的</a:t>
             </a:r>
             <a:r>
-              <a:rPr lang="en-US" altLang="zh-TW" sz="2400" dirty="0" smtClean="0"/>
+              <a:rPr lang="en-US" altLang="zh-TW" sz="2400" dirty="0"/>
               <a:t>CSS</a:t>
             </a:r>
             <a:r>
-              <a:rPr lang="zh-TW" altLang="zh-TW" sz="2400" dirty="0" smtClean="0"/>
+              <a:rPr lang="zh-TW" altLang="zh-TW" sz="2400" dirty="0"/>
               <a:t>語法檢測網頁</a:t>
             </a:r>
-            <a:endParaRPr lang="en-US" altLang="zh-TW" sz="2400" dirty="0" smtClean="0"/>
+            <a:endParaRPr lang="en-US" altLang="zh-TW" sz="2400" dirty="0"/>
           </a:p>
           <a:p>
             <a:pPr lvl="1"/>
             <a:r>
-              <a:rPr lang="en-US" altLang="zh-TW" sz="2000" dirty="0" smtClean="0">
+              <a:rPr lang="en-US" altLang="zh-TW" sz="2000" dirty="0">
                 <a:hlinkClick r:id="rId2"/>
               </a:rPr>
               <a:t>http://jigsaw.w3.org/css-validator/</a:t>
             </a:r>
-            <a:endParaRPr lang="en-US" altLang="zh-TW" sz="2000" dirty="0" smtClean="0"/>
+            <a:endParaRPr lang="en-US" altLang="zh-TW" sz="2000" dirty="0"/>
           </a:p>
           <a:p>
             <a:pPr lvl="1"/>
-            <a:endParaRPr lang="zh-TW" altLang="zh-TW" sz="2000" dirty="0" smtClean="0"/>
+            <a:endParaRPr lang="zh-TW" altLang="zh-TW" sz="2000" dirty="0"/>
           </a:p>
           <a:p>
             <a:pPr lvl="2"/>
@@ -8699,11 +8340,11 @@
           <a:lstStyle/>
           <a:p>
             <a:r>
-              <a:rPr lang="zh-TW" altLang="en-US" smtClean="0"/>
+              <a:rPr lang="zh-TW" altLang="en-US"/>
               <a:t>多媒體程式設計</a:t>
             </a:r>
             <a:r>
-              <a:rPr lang="en-US" altLang="zh-TW" smtClean="0"/>
+              <a:rPr lang="en-US" altLang="zh-TW"/>
               <a:t>-CSS</a:t>
             </a:r>
             <a:endParaRPr lang="zh-TW" altLang="en-US"/>
@@ -8743,13 +8384,6 @@
   <p:clrMapOvr>
     <a:masterClrMapping/>
   </p:clrMapOvr>
-  <p:timing>
-    <p:tnLst>
-      <p:par>
-        <p:cTn id="1" dur="indefinite" restart="never" nodeType="tmRoot"/>
-      </p:par>
-    </p:tnLst>
-  </p:timing>
 </p:sld>
 </file>
 
@@ -8787,15 +8421,15 @@
           <a:p>
             <a:pPr lvl="0"/>
             <a:r>
-              <a:rPr lang="zh-TW" altLang="zh-TW" dirty="0" smtClean="0"/>
+              <a:rPr lang="zh-TW" altLang="zh-TW" dirty="0"/>
               <a:t>屬性選擇器</a:t>
             </a:r>
             <a:r>
-              <a:rPr lang="zh-TW" altLang="en-US" dirty="0" smtClean="0"/>
+              <a:rPr lang="zh-TW" altLang="en-US" dirty="0"/>
               <a:t> </a:t>
             </a:r>
             <a:r>
-              <a:rPr lang="en-US" altLang="zh-TW" dirty="0" smtClean="0"/>
+              <a:rPr lang="en-US" altLang="zh-TW" dirty="0"/>
               <a:t>(1/2)</a:t>
             </a:r>
             <a:endParaRPr lang="zh-TW" altLang="en-US" dirty="0"/>
@@ -8825,15 +8459,15 @@
           <a:lstStyle/>
           <a:p>
             <a:r>
-              <a:rPr lang="zh-TW" altLang="zh-TW" sz="2000" dirty="0" smtClean="0"/>
+              <a:rPr lang="zh-TW" altLang="zh-TW" sz="2000" dirty="0"/>
               <a:t>屬性</a:t>
             </a:r>
             <a:r>
-              <a:rPr lang="en-US" altLang="zh-TW" sz="2000" dirty="0" smtClean="0"/>
+              <a:rPr lang="en-US" altLang="zh-TW" sz="2000" dirty="0"/>
               <a:t>(attribute)</a:t>
             </a:r>
             <a:r>
-              <a:rPr lang="zh-TW" altLang="zh-TW" sz="2000" dirty="0" smtClean="0"/>
+              <a:rPr lang="zh-TW" altLang="zh-TW" sz="2000" dirty="0"/>
               <a:t>選擇器屬於進階篩選，用來篩選標記裡的屬性</a:t>
             </a:r>
             <a:endParaRPr lang="en-US" altLang="zh-TW" sz="2000" dirty="0"/>
@@ -8841,70 +8475,70 @@
           <a:p>
             <a:pPr lvl="1"/>
             <a:r>
-              <a:rPr lang="zh-TW" altLang="zh-TW" sz="1800" dirty="0" smtClean="0"/>
+              <a:rPr lang="zh-TW" altLang="zh-TW" sz="1800" dirty="0"/>
               <a:t>例如</a:t>
             </a:r>
             <a:r>
-              <a:rPr lang="en-US" altLang="zh-TW" sz="1800" dirty="0" smtClean="0"/>
+              <a:rPr lang="en-US" altLang="zh-TW" sz="1800" dirty="0"/>
               <a:t>: </a:t>
             </a:r>
             <a:r>
-              <a:rPr lang="zh-TW" altLang="zh-TW" sz="1800" dirty="0" smtClean="0"/>
+              <a:rPr lang="zh-TW" altLang="zh-TW" sz="1800" dirty="0"/>
               <a:t>想要指定超連結標記</a:t>
             </a:r>
             <a:r>
-              <a:rPr lang="en-US" altLang="zh-TW" sz="1800" dirty="0" smtClean="0"/>
+              <a:rPr lang="en-US" altLang="zh-TW" sz="1800" dirty="0"/>
               <a:t>&lt;a&gt;</a:t>
             </a:r>
             <a:r>
-              <a:rPr lang="zh-TW" altLang="zh-TW" sz="1800" dirty="0" smtClean="0"/>
+              <a:rPr lang="zh-TW" altLang="zh-TW" sz="1800" dirty="0"/>
               <a:t>的背景顏色為黃色，但是只套用在有</a:t>
             </a:r>
             <a:r>
-              <a:rPr lang="en-US" altLang="zh-TW" sz="1800" dirty="0" smtClean="0"/>
+              <a:rPr lang="en-US" altLang="zh-TW" sz="1800" dirty="0"/>
               <a:t>target</a:t>
             </a:r>
             <a:r>
-              <a:rPr lang="zh-TW" altLang="zh-TW" sz="1800" dirty="0" smtClean="0"/>
+              <a:rPr lang="zh-TW" altLang="zh-TW" sz="1800" dirty="0"/>
               <a:t>屬性的元件</a:t>
             </a:r>
             <a:r>
-              <a:rPr lang="zh-TW" altLang="en-US" sz="1800" dirty="0" smtClean="0"/>
+              <a:rPr lang="zh-TW" altLang="en-US" sz="1800" dirty="0"/>
               <a:t>。</a:t>
             </a:r>
-            <a:endParaRPr lang="en-US" altLang="zh-TW" sz="1800" dirty="0" smtClean="0"/>
-          </a:p>
-          <a:p>
-            <a:endParaRPr lang="en-US" altLang="zh-TW" sz="2000" dirty="0" smtClean="0"/>
-          </a:p>
-          <a:p>
-            <a:endParaRPr lang="en-US" altLang="zh-TW" sz="2000" dirty="0" smtClean="0"/>
-          </a:p>
-          <a:p>
-            <a:r>
-              <a:rPr lang="zh-TW" altLang="zh-TW" sz="2000" dirty="0" smtClean="0"/>
+            <a:endParaRPr lang="en-US" altLang="zh-TW" sz="1800" dirty="0"/>
+          </a:p>
+          <a:p>
+            <a:endParaRPr lang="en-US" altLang="zh-TW" sz="2000" dirty="0"/>
+          </a:p>
+          <a:p>
+            <a:endParaRPr lang="en-US" altLang="zh-TW" sz="2000" dirty="0"/>
+          </a:p>
+          <a:p>
+            <a:r>
+              <a:rPr lang="zh-TW" altLang="zh-TW" sz="2000" dirty="0"/>
               <a:t>篩選方式有六種</a:t>
             </a:r>
             <a:r>
-              <a:rPr lang="zh-TW" altLang="en-US" sz="2000" dirty="0" smtClean="0"/>
+              <a:rPr lang="zh-TW" altLang="en-US" sz="2000" dirty="0"/>
               <a:t>：</a:t>
             </a:r>
-            <a:endParaRPr lang="en-US" altLang="zh-TW" sz="2000" dirty="0" smtClean="0"/>
-          </a:p>
-          <a:p>
-            <a:endParaRPr lang="en-US" altLang="zh-TW" sz="2000" dirty="0" smtClean="0"/>
-          </a:p>
-          <a:p>
-            <a:endParaRPr lang="en-US" altLang="zh-TW" sz="2000" dirty="0" smtClean="0"/>
-          </a:p>
-          <a:p>
-            <a:endParaRPr lang="en-US" altLang="zh-TW" sz="2000" dirty="0" smtClean="0"/>
-          </a:p>
-          <a:p>
-            <a:endParaRPr lang="en-US" altLang="zh-TW" sz="2000" dirty="0" smtClean="0"/>
-          </a:p>
-          <a:p>
-            <a:endParaRPr lang="en-US" altLang="zh-TW" sz="2000" dirty="0" smtClean="0"/>
+            <a:endParaRPr lang="en-US" altLang="zh-TW" sz="2000" dirty="0"/>
+          </a:p>
+          <a:p>
+            <a:endParaRPr lang="en-US" altLang="zh-TW" sz="2000" dirty="0"/>
+          </a:p>
+          <a:p>
+            <a:endParaRPr lang="en-US" altLang="zh-TW" sz="2000" dirty="0"/>
+          </a:p>
+          <a:p>
+            <a:endParaRPr lang="en-US" altLang="zh-TW" sz="2000" dirty="0"/>
+          </a:p>
+          <a:p>
+            <a:endParaRPr lang="en-US" altLang="zh-TW" sz="2000" dirty="0"/>
+          </a:p>
+          <a:p>
+            <a:endParaRPr lang="en-US" altLang="zh-TW" sz="2000" dirty="0"/>
           </a:p>
         </p:txBody>
       </p:sp>
@@ -8933,8 +8567,20 @@
                 <a:tableStyleId>{5C22544A-7EE6-4342-B048-85BDC9FD1C3A}</a:tableStyleId>
               </a:tblPr>
               <a:tblGrid>
-                <a:gridCol w="2485010"/>
-                <a:gridCol w="3923702"/>
+                <a:gridCol w="2485010">
+                  <a:extLst>
+                    <a:ext uri="{9D8B030D-6E8A-4147-A177-3AD203B41FA5}">
+                      <a16:colId xmlns:a16="http://schemas.microsoft.com/office/drawing/2014/main" val="20000"/>
+                    </a:ext>
+                  </a:extLst>
+                </a:gridCol>
+                <a:gridCol w="3923702">
+                  <a:extLst>
+                    <a:ext uri="{9D8B030D-6E8A-4147-A177-3AD203B41FA5}">
+                      <a16:colId xmlns:a16="http://schemas.microsoft.com/office/drawing/2014/main" val="20001"/>
+                    </a:ext>
+                  </a:extLst>
+                </a:gridCol>
               </a:tblGrid>
               <a:tr h="218081">
                 <a:tc>
@@ -8954,19 +8600,10 @@
                           </a:solidFill>
                           <a:effectLst/>
                         </a:rPr>
-                        <a:t>[</a:t>
+                        <a:t>[attribute</a:t>
                       </a:r>
                       <a:r>
-                        <a:rPr lang="en-US" sz="1800" b="0" kern="100" dirty="0" smtClean="0">
-                          <a:solidFill>
-                            <a:schemeClr val="tx1"/>
-                          </a:solidFill>
-                          <a:effectLst/>
-                        </a:rPr>
-                        <a:t>attribute</a:t>
-                      </a:r>
-                      <a:r>
-                        <a:rPr lang="zh-TW" altLang="en-US" sz="1800" b="0" kern="100" dirty="0" smtClean="0">
+                        <a:rPr lang="zh-TW" altLang="en-US" sz="1800" b="0" kern="100" dirty="0">
                           <a:solidFill>
                             <a:schemeClr val="tx1"/>
                           </a:solidFill>
@@ -8975,7 +8612,7 @@
                         <a:t> </a:t>
                       </a:r>
                       <a:r>
-                        <a:rPr lang="en-US" sz="1800" b="1" kern="100" dirty="0" smtClean="0">
+                        <a:rPr lang="en-US" sz="1800" b="1" kern="100" dirty="0">
                           <a:solidFill>
                             <a:srgbClr val="FF0000"/>
                           </a:solidFill>
@@ -8984,7 +8621,7 @@
                         <a:t>=</a:t>
                       </a:r>
                       <a:r>
-                        <a:rPr lang="zh-TW" altLang="en-US" sz="1800" b="1" kern="100" dirty="0" smtClean="0">
+                        <a:rPr lang="zh-TW" altLang="en-US" sz="1800" b="1" kern="100" dirty="0">
                           <a:solidFill>
                             <a:schemeClr val="tx1"/>
                           </a:solidFill>
@@ -8993,22 +8630,13 @@
                         <a:t> </a:t>
                       </a:r>
                       <a:r>
-                        <a:rPr lang="en-US" sz="1800" b="0" kern="100" dirty="0" smtClean="0">
-                          <a:solidFill>
-                            <a:schemeClr val="tx1"/>
-                          </a:solidFill>
-                          <a:effectLst/>
-                        </a:rPr>
-                        <a:t>"</a:t>
-                      </a:r>
-                      <a:r>
                         <a:rPr lang="en-US" sz="1800" b="0" kern="100" dirty="0">
                           <a:solidFill>
                             <a:schemeClr val="tx1"/>
                           </a:solidFill>
                           <a:effectLst/>
                         </a:rPr>
-                        <a:t>value"]</a:t>
+                        <a:t>"value"]</a:t>
                       </a:r>
                       <a:endParaRPr lang="zh-TW" sz="1800" b="0" kern="100" dirty="0">
                         <a:solidFill>
@@ -9142,6 +8770,11 @@
                     </a:solidFill>
                   </a:tcPr>
                 </a:tc>
+                <a:extLst>
+                  <a:ext uri="{0D108BD9-81ED-4DB2-BD59-A6C34878D82A}">
+                    <a16:rowId xmlns:a16="http://schemas.microsoft.com/office/drawing/2014/main" val="10000"/>
+                  </a:ext>
+                </a:extLst>
               </a:tr>
               <a:tr h="218081">
                 <a:tc>
@@ -9161,19 +8794,10 @@
                           </a:solidFill>
                           <a:effectLst/>
                         </a:rPr>
-                        <a:t>[</a:t>
+                        <a:t>[attribute</a:t>
                       </a:r>
                       <a:r>
-                        <a:rPr lang="en-US" sz="1800" b="0" kern="100" dirty="0" smtClean="0">
-                          <a:solidFill>
-                            <a:schemeClr val="tx1"/>
-                          </a:solidFill>
-                          <a:effectLst/>
-                        </a:rPr>
-                        <a:t>attribute</a:t>
-                      </a:r>
-                      <a:r>
-                        <a:rPr lang="zh-TW" altLang="en-US" sz="1800" b="0" kern="100" dirty="0" smtClean="0">
+                        <a:rPr lang="zh-TW" altLang="en-US" sz="1800" b="0" kern="100" dirty="0">
                           <a:solidFill>
                             <a:schemeClr val="tx1"/>
                           </a:solidFill>
@@ -9182,7 +8806,7 @@
                         <a:t> </a:t>
                       </a:r>
                       <a:r>
-                        <a:rPr lang="en-US" sz="1800" b="1" kern="100" dirty="0" smtClean="0">
+                        <a:rPr lang="en-US" sz="1800" b="1" kern="100" dirty="0">
                           <a:solidFill>
                             <a:srgbClr val="FF0000"/>
                           </a:solidFill>
@@ -9191,7 +8815,7 @@
                         <a:t>~=</a:t>
                       </a:r>
                       <a:r>
-                        <a:rPr lang="zh-TW" altLang="en-US" sz="1800" b="0" kern="100" dirty="0" smtClean="0">
+                        <a:rPr lang="zh-TW" altLang="en-US" sz="1800" b="0" kern="100" dirty="0">
                           <a:solidFill>
                             <a:schemeClr val="tx1"/>
                           </a:solidFill>
@@ -9200,22 +8824,13 @@
                         <a:t> </a:t>
                       </a:r>
                       <a:r>
-                        <a:rPr lang="en-US" sz="1800" b="0" kern="100" dirty="0" smtClean="0">
-                          <a:solidFill>
-                            <a:schemeClr val="tx1"/>
-                          </a:solidFill>
-                          <a:effectLst/>
-                        </a:rPr>
-                        <a:t>"</a:t>
-                      </a:r>
-                      <a:r>
                         <a:rPr lang="en-US" sz="1800" b="0" kern="100" dirty="0">
                           <a:solidFill>
                             <a:schemeClr val="tx1"/>
                           </a:solidFill>
                           <a:effectLst/>
                         </a:rPr>
-                        <a:t>value"]</a:t>
+                        <a:t>"value"]</a:t>
                       </a:r>
                       <a:endParaRPr lang="zh-TW" sz="1800" b="0" kern="100" dirty="0">
                         <a:solidFill>
@@ -9349,6 +8964,11 @@
                     </a:solidFill>
                   </a:tcPr>
                 </a:tc>
+                <a:extLst>
+                  <a:ext uri="{0D108BD9-81ED-4DB2-BD59-A6C34878D82A}">
+                    <a16:rowId xmlns:a16="http://schemas.microsoft.com/office/drawing/2014/main" val="10001"/>
+                  </a:ext>
+                </a:extLst>
               </a:tr>
               <a:tr h="218081">
                 <a:tc>
@@ -9368,19 +8988,10 @@
                           </a:solidFill>
                           <a:effectLst/>
                         </a:rPr>
-                        <a:t>[</a:t>
+                        <a:t>[attribute</a:t>
                       </a:r>
                       <a:r>
-                        <a:rPr lang="en-US" sz="1800" b="0" kern="100" dirty="0" smtClean="0">
-                          <a:solidFill>
-                            <a:schemeClr val="tx1"/>
-                          </a:solidFill>
-                          <a:effectLst/>
-                        </a:rPr>
-                        <a:t>attribute</a:t>
-                      </a:r>
-                      <a:r>
-                        <a:rPr lang="zh-TW" altLang="en-US" sz="1800" b="0" kern="100" dirty="0" smtClean="0">
+                        <a:rPr lang="zh-TW" altLang="en-US" sz="1800" b="0" kern="100" dirty="0">
                           <a:solidFill>
                             <a:schemeClr val="tx1"/>
                           </a:solidFill>
@@ -9389,7 +9000,7 @@
                         <a:t> </a:t>
                       </a:r>
                       <a:r>
-                        <a:rPr lang="en-US" sz="1800" b="1" kern="100" dirty="0" smtClean="0">
+                        <a:rPr lang="en-US" sz="1800" b="1" kern="100" dirty="0">
                           <a:solidFill>
                             <a:srgbClr val="FF0000"/>
                           </a:solidFill>
@@ -9398,7 +9009,7 @@
                         <a:t>|=</a:t>
                       </a:r>
                       <a:r>
-                        <a:rPr lang="zh-TW" altLang="en-US" sz="1800" b="0" kern="100" dirty="0" smtClean="0">
+                        <a:rPr lang="zh-TW" altLang="en-US" sz="1800" b="0" kern="100" dirty="0">
                           <a:solidFill>
                             <a:schemeClr val="tx1"/>
                           </a:solidFill>
@@ -9407,22 +9018,13 @@
                         <a:t> </a:t>
                       </a:r>
                       <a:r>
-                        <a:rPr lang="en-US" sz="1800" b="0" kern="100" dirty="0" smtClean="0">
-                          <a:solidFill>
-                            <a:schemeClr val="tx1"/>
-                          </a:solidFill>
-                          <a:effectLst/>
-                        </a:rPr>
-                        <a:t>"</a:t>
-                      </a:r>
-                      <a:r>
                         <a:rPr lang="en-US" sz="1800" b="0" kern="100" dirty="0">
                           <a:solidFill>
                             <a:schemeClr val="tx1"/>
                           </a:solidFill>
                           <a:effectLst/>
                         </a:rPr>
-                        <a:t>value"]</a:t>
+                        <a:t>"value"]</a:t>
                       </a:r>
                       <a:endParaRPr lang="zh-TW" sz="1800" b="0" kern="100" dirty="0">
                         <a:solidFill>
@@ -9583,6 +9185,11 @@
                     </a:solidFill>
                   </a:tcPr>
                 </a:tc>
+                <a:extLst>
+                  <a:ext uri="{0D108BD9-81ED-4DB2-BD59-A6C34878D82A}">
+                    <a16:rowId xmlns:a16="http://schemas.microsoft.com/office/drawing/2014/main" val="10002"/>
+                  </a:ext>
+                </a:extLst>
               </a:tr>
               <a:tr h="218081">
                 <a:tc>
@@ -9602,19 +9209,10 @@
                           </a:solidFill>
                           <a:effectLst/>
                         </a:rPr>
-                        <a:t>[</a:t>
+                        <a:t>[attribute</a:t>
                       </a:r>
                       <a:r>
-                        <a:rPr lang="en-US" sz="1800" b="0" kern="100" dirty="0" smtClean="0">
-                          <a:solidFill>
-                            <a:schemeClr val="tx1"/>
-                          </a:solidFill>
-                          <a:effectLst/>
-                        </a:rPr>
-                        <a:t>attribute</a:t>
-                      </a:r>
-                      <a:r>
-                        <a:rPr lang="zh-TW" altLang="en-US" sz="1800" b="0" kern="100" dirty="0" smtClean="0">
+                        <a:rPr lang="zh-TW" altLang="en-US" sz="1800" b="0" kern="100" dirty="0">
                           <a:solidFill>
                             <a:schemeClr val="tx1"/>
                           </a:solidFill>
@@ -9623,7 +9221,7 @@
                         <a:t> </a:t>
                       </a:r>
                       <a:r>
-                        <a:rPr lang="en-US" sz="1800" b="0" kern="100" dirty="0" smtClean="0">
+                        <a:rPr lang="en-US" sz="1800" b="0" kern="100" dirty="0">
                           <a:solidFill>
                             <a:srgbClr val="FF0000"/>
                           </a:solidFill>
@@ -9632,7 +9230,7 @@
                         <a:t>^=</a:t>
                       </a:r>
                       <a:r>
-                        <a:rPr lang="zh-TW" altLang="en-US" sz="1800" b="0" kern="100" dirty="0" smtClean="0">
+                        <a:rPr lang="zh-TW" altLang="en-US" sz="1800" b="0" kern="100" dirty="0">
                           <a:solidFill>
                             <a:schemeClr val="tx1"/>
                           </a:solidFill>
@@ -9641,22 +9239,13 @@
                         <a:t> </a:t>
                       </a:r>
                       <a:r>
-                        <a:rPr lang="en-US" sz="1800" b="0" kern="100" dirty="0" smtClean="0">
-                          <a:solidFill>
-                            <a:schemeClr val="tx1"/>
-                          </a:solidFill>
-                          <a:effectLst/>
-                        </a:rPr>
-                        <a:t>"</a:t>
-                      </a:r>
-                      <a:r>
                         <a:rPr lang="en-US" sz="1800" b="0" kern="100" dirty="0">
                           <a:solidFill>
                             <a:schemeClr val="tx1"/>
                           </a:solidFill>
                           <a:effectLst/>
                         </a:rPr>
-                        <a:t>value"]</a:t>
+                        <a:t>"value"]</a:t>
                       </a:r>
                       <a:endParaRPr lang="zh-TW" sz="1800" b="0" kern="100" dirty="0">
                         <a:solidFill>
@@ -9790,6 +9379,11 @@
                     </a:solidFill>
                   </a:tcPr>
                 </a:tc>
+                <a:extLst>
+                  <a:ext uri="{0D108BD9-81ED-4DB2-BD59-A6C34878D82A}">
+                    <a16:rowId xmlns:a16="http://schemas.microsoft.com/office/drawing/2014/main" val="10003"/>
+                  </a:ext>
+                </a:extLst>
               </a:tr>
               <a:tr h="218081">
                 <a:tc>
@@ -9809,19 +9403,10 @@
                           </a:solidFill>
                           <a:effectLst/>
                         </a:rPr>
-                        <a:t>[</a:t>
+                        <a:t>[attribute</a:t>
                       </a:r>
                       <a:r>
-                        <a:rPr lang="en-US" sz="1800" b="0" kern="100" dirty="0" smtClean="0">
-                          <a:solidFill>
-                            <a:schemeClr val="tx1"/>
-                          </a:solidFill>
-                          <a:effectLst/>
-                        </a:rPr>
-                        <a:t>attribute</a:t>
-                      </a:r>
-                      <a:r>
-                        <a:rPr lang="zh-TW" altLang="en-US" sz="1800" b="0" kern="100" dirty="0" smtClean="0">
+                        <a:rPr lang="zh-TW" altLang="en-US" sz="1800" b="0" kern="100" dirty="0">
                           <a:solidFill>
                             <a:schemeClr val="tx1"/>
                           </a:solidFill>
@@ -9830,7 +9415,7 @@
                         <a:t> </a:t>
                       </a:r>
                       <a:r>
-                        <a:rPr lang="en-US" sz="1800" b="0" kern="100" dirty="0" smtClean="0">
+                        <a:rPr lang="en-US" sz="1800" b="0" kern="100" dirty="0">
                           <a:solidFill>
                             <a:srgbClr val="FF0000"/>
                           </a:solidFill>
@@ -9839,7 +9424,7 @@
                         <a:t>$=</a:t>
                       </a:r>
                       <a:r>
-                        <a:rPr lang="zh-TW" altLang="en-US" sz="1800" b="0" kern="100" dirty="0" smtClean="0">
+                        <a:rPr lang="zh-TW" altLang="en-US" sz="1800" b="0" kern="100" dirty="0">
                           <a:solidFill>
                             <a:schemeClr val="tx1"/>
                           </a:solidFill>
@@ -9848,22 +9433,13 @@
                         <a:t> </a:t>
                       </a:r>
                       <a:r>
-                        <a:rPr lang="en-US" sz="1800" b="0" kern="100" dirty="0" smtClean="0">
-                          <a:solidFill>
-                            <a:schemeClr val="tx1"/>
-                          </a:solidFill>
-                          <a:effectLst/>
-                        </a:rPr>
-                        <a:t>"</a:t>
-                      </a:r>
-                      <a:r>
                         <a:rPr lang="en-US" sz="1800" b="0" kern="100" dirty="0">
                           <a:solidFill>
                             <a:schemeClr val="tx1"/>
                           </a:solidFill>
                           <a:effectLst/>
                         </a:rPr>
-                        <a:t>value"]</a:t>
+                        <a:t>"value"]</a:t>
                       </a:r>
                       <a:endParaRPr lang="zh-TW" sz="1800" b="0" kern="100" dirty="0">
                         <a:solidFill>
@@ -9997,6 +9573,11 @@
                     </a:solidFill>
                   </a:tcPr>
                 </a:tc>
+                <a:extLst>
+                  <a:ext uri="{0D108BD9-81ED-4DB2-BD59-A6C34878D82A}">
+                    <a16:rowId xmlns:a16="http://schemas.microsoft.com/office/drawing/2014/main" val="10004"/>
+                  </a:ext>
+                </a:extLst>
               </a:tr>
               <a:tr h="218081">
                 <a:tc>
@@ -10016,19 +9597,10 @@
                           </a:solidFill>
                           <a:effectLst/>
                         </a:rPr>
-                        <a:t>[</a:t>
+                        <a:t>[attribute</a:t>
                       </a:r>
                       <a:r>
-                        <a:rPr lang="en-US" sz="1800" b="0" kern="100" dirty="0" smtClean="0">
-                          <a:solidFill>
-                            <a:schemeClr val="tx1"/>
-                          </a:solidFill>
-                          <a:effectLst/>
-                        </a:rPr>
-                        <a:t>attribute</a:t>
-                      </a:r>
-                      <a:r>
-                        <a:rPr lang="zh-TW" altLang="en-US" sz="1800" b="0" kern="100" dirty="0" smtClean="0">
+                        <a:rPr lang="zh-TW" altLang="en-US" sz="1800" b="0" kern="100" dirty="0">
                           <a:solidFill>
                             <a:schemeClr val="tx1"/>
                           </a:solidFill>
@@ -10037,7 +9609,7 @@
                         <a:t> </a:t>
                       </a:r>
                       <a:r>
-                        <a:rPr lang="en-US" sz="1800" b="0" kern="100" dirty="0" smtClean="0">
+                        <a:rPr lang="en-US" sz="1800" b="0" kern="100" dirty="0">
                           <a:solidFill>
                             <a:srgbClr val="FF0000"/>
                           </a:solidFill>
@@ -10046,7 +9618,7 @@
                         <a:t>*=</a:t>
                       </a:r>
                       <a:r>
-                        <a:rPr lang="zh-TW" altLang="en-US" sz="1800" b="0" kern="100" dirty="0" smtClean="0">
+                        <a:rPr lang="zh-TW" altLang="en-US" sz="1800" b="0" kern="100" dirty="0">
                           <a:solidFill>
                             <a:schemeClr val="tx1"/>
                           </a:solidFill>
@@ -10055,22 +9627,13 @@
                         <a:t> </a:t>
                       </a:r>
                       <a:r>
-                        <a:rPr lang="en-US" sz="1800" b="0" kern="100" dirty="0" smtClean="0">
-                          <a:solidFill>
-                            <a:schemeClr val="tx1"/>
-                          </a:solidFill>
-                          <a:effectLst/>
-                        </a:rPr>
-                        <a:t>"</a:t>
-                      </a:r>
-                      <a:r>
                         <a:rPr lang="en-US" sz="1800" b="0" kern="100" dirty="0">
                           <a:solidFill>
                             <a:schemeClr val="tx1"/>
                           </a:solidFill>
                           <a:effectLst/>
                         </a:rPr>
-                        <a:t>value"]</a:t>
+                        <a:t>"value"]</a:t>
                       </a:r>
                       <a:endParaRPr lang="zh-TW" sz="1800" b="0" kern="100" dirty="0">
                         <a:solidFill>
@@ -10204,6 +9767,11 @@
                     </a:solidFill>
                   </a:tcPr>
                 </a:tc>
+                <a:extLst>
+                  <a:ext uri="{0D108BD9-81ED-4DB2-BD59-A6C34878D82A}">
+                    <a16:rowId xmlns:a16="http://schemas.microsoft.com/office/drawing/2014/main" val="10005"/>
+                  </a:ext>
+                </a:extLst>
               </a:tr>
             </a:tbl>
           </a:graphicData>
@@ -10269,11 +9837,11 @@
           <a:lstStyle/>
           <a:p>
             <a:r>
-              <a:rPr lang="zh-TW" altLang="en-US" smtClean="0"/>
+              <a:rPr lang="zh-TW" altLang="en-US"/>
               <a:t>多媒體程式設計</a:t>
             </a:r>
             <a:r>
-              <a:rPr lang="en-US" altLang="zh-TW" smtClean="0"/>
+              <a:rPr lang="en-US" altLang="zh-TW"/>
               <a:t>-CSS</a:t>
             </a:r>
             <a:endParaRPr lang="zh-TW" altLang="en-US"/>
@@ -10313,13 +9881,6 @@
   <p:clrMapOvr>
     <a:masterClrMapping/>
   </p:clrMapOvr>
-  <p:timing>
-    <p:tnLst>
-      <p:par>
-        <p:cTn id="1" dur="indefinite" restart="never" nodeType="tmRoot"/>
-      </p:par>
-    </p:tnLst>
-  </p:timing>
 </p:sld>
 </file>
 
@@ -10357,18 +9918,14 @@
           <a:p>
             <a:r>
               <a:rPr lang="zh-TW" altLang="zh-TW" dirty="0"/>
-              <a:t>屬性選擇</a:t>
-            </a:r>
-            <a:r>
-              <a:rPr lang="zh-TW" altLang="zh-TW" dirty="0" smtClean="0"/>
-              <a:t>器</a:t>
-            </a:r>
-            <a:r>
-              <a:rPr lang="zh-TW" altLang="en-US" dirty="0" smtClean="0"/>
+              <a:t>屬性選擇器</a:t>
+            </a:r>
+            <a:r>
+              <a:rPr lang="zh-TW" altLang="en-US" dirty="0"/>
               <a:t> </a:t>
             </a:r>
             <a:r>
-              <a:rPr lang="en-US" altLang="zh-TW" dirty="0" smtClean="0"/>
+              <a:rPr lang="en-US" altLang="zh-TW" dirty="0"/>
               <a:t>(2/2)</a:t>
             </a:r>
             <a:endParaRPr lang="zh-TW" altLang="en-US" dirty="0"/>
@@ -10397,19 +9954,15 @@
           </a:bodyPr>
           <a:lstStyle/>
           <a:p>
-            <a:endParaRPr lang="en-US" altLang="zh-TW" sz="1800" b="1" dirty="0" smtClean="0"/>
-          </a:p>
-          <a:p>
             <a:endParaRPr lang="en-US" altLang="zh-TW" sz="1800" b="1" dirty="0"/>
           </a:p>
           <a:p>
-            <a:r>
-              <a:rPr lang="zh-TW" altLang="zh-TW" sz="1800" b="1" dirty="0" smtClean="0"/>
-              <a:t>反向</a:t>
-            </a:r>
+            <a:endParaRPr lang="en-US" altLang="zh-TW" sz="1800" b="1" dirty="0"/>
+          </a:p>
+          <a:p>
             <a:r>
               <a:rPr lang="zh-TW" altLang="zh-TW" sz="1800" b="1" dirty="0"/>
-              <a:t>選擇「</a:t>
+              <a:t>反向選擇「</a:t>
             </a:r>
             <a:r>
               <a:rPr lang="en-US" altLang="zh-TW" sz="1800" b="1" dirty="0"/>
@@ -10575,23 +10128,7 @@
                   <a:srgbClr val="FF0000"/>
                 </a:solidFill>
               </a:rPr>
-              <a:t>    [</a:t>
-            </a:r>
-            <a:r>
-              <a:rPr lang="en-US" altLang="zh-TW" dirty="0" smtClean="0">
-                <a:solidFill>
-                  <a:srgbClr val="FF0000"/>
-                </a:solidFill>
-              </a:rPr>
-              <a:t>class~="</a:t>
-            </a:r>
-            <a:r>
-              <a:rPr lang="en-US" altLang="zh-TW" dirty="0">
-                <a:solidFill>
-                  <a:srgbClr val="FF0000"/>
-                </a:solidFill>
-              </a:rPr>
-              <a:t>test"]{</a:t>
+              <a:t>    [class~="test"]{</a:t>
             </a:r>
             <a:r>
               <a:rPr lang="en-US" altLang="zh-TW" dirty="0" err="1">
@@ -10801,23 +10338,7 @@
                   <a:srgbClr val="0070C0"/>
                 </a:solidFill>
               </a:rPr>
-              <a:t>   </a:t>
-            </a:r>
-            <a:r>
-              <a:rPr lang="en-US" altLang="zh-TW" dirty="0" smtClean="0">
-                <a:solidFill>
-                  <a:srgbClr val="0070C0"/>
-                </a:solidFill>
-              </a:rPr>
-              <a:t>&lt;</a:t>
-            </a:r>
-            <a:r>
-              <a:rPr lang="en-US" altLang="zh-TW" dirty="0">
-                <a:solidFill>
-                  <a:srgbClr val="0070C0"/>
-                </a:solidFill>
-              </a:rPr>
-              <a:t>p class="test word"&gt; p</a:t>
+              <a:t>   &lt;p class="test word"&gt; p</a:t>
             </a:r>
             <a:r>
               <a:rPr lang="zh-TW" altLang="en-US" dirty="0">
@@ -10896,7 +10417,7 @@
           <a:p>
             <a:pPr algn="ctr"/>
             <a:r>
-              <a:rPr lang="en-US" altLang="zh-TW" dirty="0" smtClean="0">
+              <a:rPr lang="en-US" altLang="zh-TW" dirty="0">
                 <a:solidFill>
                   <a:schemeClr val="bg1"/>
                 </a:solidFill>
@@ -10904,7 +10425,7 @@
               <a:t>[class~="test"]{</a:t>
             </a:r>
             <a:r>
-              <a:rPr lang="en-US" altLang="zh-TW" dirty="0" err="1" smtClean="0">
+              <a:rPr lang="en-US" altLang="zh-TW" dirty="0" err="1">
                 <a:solidFill>
                   <a:schemeClr val="bg1"/>
                 </a:solidFill>
@@ -10912,7 +10433,7 @@
               <a:t>background:red</a:t>
             </a:r>
             <a:r>
-              <a:rPr lang="en-US" altLang="zh-TW" dirty="0" smtClean="0">
+              <a:rPr lang="en-US" altLang="zh-TW" dirty="0">
                 <a:solidFill>
                   <a:schemeClr val="bg1"/>
                 </a:solidFill>
@@ -10956,55 +10477,23 @@
           <a:p>
             <a:pPr algn="ctr"/>
             <a:r>
-              <a:rPr lang="en-US" altLang="zh-TW" dirty="0" smtClean="0">
+              <a:rPr lang="en-US" altLang="zh-TW" dirty="0">
                 <a:solidFill>
                   <a:schemeClr val="bg1"/>
                 </a:solidFill>
               </a:rPr>
-              <a:t>[class*=</a:t>
+              <a:t>[class*="test"]{</a:t>
+            </a:r>
+            <a:r>
+              <a:rPr lang="en-US" altLang="zh-TW" dirty="0" err="1">
+                <a:solidFill>
+                  <a:schemeClr val="bg1"/>
+                </a:solidFill>
+              </a:rPr>
+              <a:t>background:red</a:t>
             </a:r>
             <a:r>
               <a:rPr lang="en-US" altLang="zh-TW" dirty="0">
-                <a:solidFill>
-                  <a:schemeClr val="bg1"/>
-                </a:solidFill>
-              </a:rPr>
-              <a:t>"</a:t>
-            </a:r>
-            <a:r>
-              <a:rPr lang="en-US" altLang="zh-TW" dirty="0" smtClean="0">
-                <a:solidFill>
-                  <a:schemeClr val="bg1"/>
-                </a:solidFill>
-              </a:rPr>
-              <a:t>test</a:t>
-            </a:r>
-            <a:r>
-              <a:rPr lang="en-US" altLang="zh-TW" dirty="0">
-                <a:solidFill>
-                  <a:schemeClr val="bg1"/>
-                </a:solidFill>
-              </a:rPr>
-              <a:t>"</a:t>
-            </a:r>
-            <a:r>
-              <a:rPr lang="en-US" altLang="zh-TW" dirty="0" smtClean="0">
-                <a:solidFill>
-                  <a:schemeClr val="bg1"/>
-                </a:solidFill>
-              </a:rPr>
-              <a:t>]{</a:t>
-            </a:r>
-            <a:r>
-              <a:rPr lang="en-US" altLang="zh-TW" dirty="0" err="1" smtClean="0">
-                <a:solidFill>
-                  <a:schemeClr val="bg1"/>
-                </a:solidFill>
-              </a:rPr>
-              <a:t>background:red</a:t>
-            </a:r>
-            <a:r>
-              <a:rPr lang="en-US" altLang="zh-TW" dirty="0" smtClean="0">
                 <a:solidFill>
                   <a:schemeClr val="bg1"/>
                 </a:solidFill>
@@ -11059,26 +10548,25 @@
           <a:p>
             <a:pPr algn="ctr"/>
             <a:r>
-              <a:rPr lang="zh-TW" altLang="en-US" dirty="0" smtClean="0"/>
+              <a:rPr lang="zh-TW" altLang="en-US" dirty="0"/>
               <a:t>套用至</a:t>
             </a:r>
             <a:r>
-              <a:rPr lang="en-US" altLang="zh-TW" dirty="0" smtClean="0"/>
+              <a:rPr lang="en-US" altLang="zh-TW" dirty="0"/>
               <a:t>a </a:t>
             </a:r>
             <a:r>
-              <a:rPr lang="zh-TW" altLang="en-US" dirty="0" smtClean="0"/>
+              <a:rPr lang="zh-TW" altLang="en-US" dirty="0"/>
               <a:t>和</a:t>
             </a:r>
             <a:r>
-              <a:rPr lang="en-US" altLang="zh-TW" dirty="0" smtClean="0"/>
+              <a:rPr lang="en-US" altLang="zh-TW" dirty="0"/>
               <a:t>p</a:t>
             </a:r>
             <a:r>
-              <a:rPr lang="zh-TW" altLang="en-US" dirty="0" smtClean="0"/>
+              <a:rPr lang="zh-TW" altLang="en-US" dirty="0"/>
               <a:t>標記</a:t>
             </a:r>
-            <a:endParaRPr lang="zh-TW" altLang="en-US" dirty="0"/>
           </a:p>
         </p:txBody>
       </p:sp>
@@ -11122,34 +10610,33 @@
           <a:p>
             <a:pPr algn="ctr"/>
             <a:r>
-              <a:rPr lang="zh-TW" altLang="en-US" dirty="0" smtClean="0"/>
+              <a:rPr lang="zh-TW" altLang="en-US" dirty="0"/>
               <a:t>套用至</a:t>
             </a:r>
             <a:r>
-              <a:rPr lang="en-US" altLang="zh-TW" dirty="0" smtClean="0"/>
+              <a:rPr lang="en-US" altLang="zh-TW" dirty="0"/>
               <a:t>font</a:t>
             </a:r>
             <a:r>
-              <a:rPr lang="zh-TW" altLang="en-US" dirty="0" smtClean="0"/>
+              <a:rPr lang="zh-TW" altLang="en-US" dirty="0"/>
               <a:t>、</a:t>
             </a:r>
             <a:r>
-              <a:rPr lang="en-US" altLang="zh-TW" dirty="0" smtClean="0"/>
+              <a:rPr lang="en-US" altLang="zh-TW" dirty="0"/>
               <a:t>a </a:t>
             </a:r>
             <a:r>
-              <a:rPr lang="zh-TW" altLang="en-US" dirty="0" smtClean="0"/>
+              <a:rPr lang="zh-TW" altLang="en-US" dirty="0"/>
               <a:t>和</a:t>
             </a:r>
             <a:r>
-              <a:rPr lang="en-US" altLang="zh-TW" dirty="0" smtClean="0"/>
+              <a:rPr lang="en-US" altLang="zh-TW" dirty="0"/>
               <a:t>p</a:t>
             </a:r>
             <a:r>
-              <a:rPr lang="zh-TW" altLang="en-US" dirty="0" smtClean="0"/>
+              <a:rPr lang="zh-TW" altLang="en-US" dirty="0"/>
               <a:t>標記</a:t>
             </a:r>
-            <a:endParaRPr lang="zh-TW" altLang="en-US" dirty="0"/>
           </a:p>
         </p:txBody>
       </p:sp>
@@ -11242,11 +10729,11 @@
           <a:lstStyle/>
           <a:p>
             <a:r>
-              <a:rPr lang="zh-TW" altLang="en-US" dirty="0" smtClean="0"/>
+              <a:rPr lang="zh-TW" altLang="en-US" dirty="0"/>
               <a:t>多媒體程式設計</a:t>
             </a:r>
             <a:r>
-              <a:rPr lang="en-US" altLang="zh-TW" dirty="0" smtClean="0"/>
+              <a:rPr lang="en-US" altLang="zh-TW" dirty="0"/>
               <a:t>-CSS</a:t>
             </a:r>
             <a:endParaRPr lang="zh-TW" altLang="en-US" dirty="0"/>
@@ -11286,13 +10773,6 @@
   <p:clrMapOvr>
     <a:masterClrMapping/>
   </p:clrMapOvr>
-  <p:timing>
-    <p:tnLst>
-      <p:par>
-        <p:cTn id="1" dur="indefinite" restart="never" nodeType="tmRoot"/>
-      </p:par>
-    </p:tnLst>
-  </p:timing>
 </p:sld>
 </file>
 
@@ -11329,11 +10809,11 @@
           <a:lstStyle/>
           <a:p>
             <a:r>
-              <a:rPr lang="zh-TW" altLang="en-US" dirty="0" smtClean="0"/>
+              <a:rPr lang="zh-TW" altLang="en-US" dirty="0"/>
               <a:t>練習</a:t>
             </a:r>
             <a:r>
-              <a:rPr lang="en-US" altLang="zh-TW" dirty="0" smtClean="0"/>
+              <a:rPr lang="en-US" altLang="zh-TW" dirty="0"/>
               <a:t>1</a:t>
             </a:r>
             <a:endParaRPr lang="zh-TW" altLang="en-US" dirty="0"/>
@@ -11358,26 +10838,25 @@
           <a:lstStyle/>
           <a:p>
             <a:r>
-              <a:rPr lang="zh-TW" altLang="en-US" sz="2800" dirty="0" smtClean="0"/>
+              <a:rPr lang="zh-TW" altLang="en-US" sz="2800" dirty="0"/>
               <a:t>請利用</a:t>
             </a:r>
             <a:r>
-              <a:rPr lang="en-US" altLang="zh-TW" sz="2800" dirty="0" smtClean="0"/>
+              <a:rPr lang="en-US" altLang="zh-TW" sz="2800" dirty="0"/>
               <a:t>CSS</a:t>
             </a:r>
             <a:r>
-              <a:rPr lang="zh-TW" altLang="en-US" sz="2800" dirty="0" smtClean="0"/>
+              <a:rPr lang="zh-TW" altLang="en-US" sz="2800" dirty="0"/>
               <a:t>的</a:t>
             </a:r>
             <a:r>
-              <a:rPr lang="en-US" altLang="zh-TW" sz="2800" dirty="0" smtClean="0"/>
+              <a:rPr lang="en-US" altLang="zh-TW" sz="2800" dirty="0"/>
               <a:t>class </a:t>
             </a:r>
             <a:r>
-              <a:rPr lang="zh-TW" altLang="en-US" sz="2800" dirty="0" smtClean="0"/>
+              <a:rPr lang="zh-TW" altLang="en-US" sz="2800" dirty="0"/>
               <a:t>選擇器，設定標題與內文文字的字型、顏色與大小。</a:t>
             </a:r>
-            <a:endParaRPr lang="zh-TW" altLang="en-US" sz="2800" dirty="0"/>
           </a:p>
         </p:txBody>
       </p:sp>
@@ -11429,11 +10908,11 @@
           <a:lstStyle/>
           <a:p>
             <a:r>
-              <a:rPr lang="zh-TW" altLang="en-US" smtClean="0"/>
+              <a:rPr lang="zh-TW" altLang="en-US"/>
               <a:t>多媒體程式設計</a:t>
             </a:r>
             <a:r>
-              <a:rPr lang="en-US" altLang="zh-TW" smtClean="0"/>
+              <a:rPr lang="en-US" altLang="zh-TW"/>
               <a:t>-CSS</a:t>
             </a:r>
             <a:endParaRPr lang="zh-TW" altLang="en-US"/>
@@ -11473,13 +10952,6 @@
   <p:clrMapOvr>
     <a:masterClrMapping/>
   </p:clrMapOvr>
-  <p:timing>
-    <p:tnLst>
-      <p:par>
-        <p:cTn id="1" dur="indefinite" restart="never" nodeType="tmRoot"/>
-      </p:par>
-    </p:tnLst>
-  </p:timing>
 </p:sld>
 </file>
 
@@ -11516,11 +10988,11 @@
           <a:lstStyle/>
           <a:p>
             <a:r>
-              <a:rPr lang="zh-TW" altLang="en-US" dirty="0" smtClean="0"/>
+              <a:rPr lang="zh-TW" altLang="en-US" dirty="0"/>
               <a:t>練習</a:t>
             </a:r>
             <a:r>
-              <a:rPr lang="en-US" altLang="zh-TW" dirty="0" smtClean="0"/>
+              <a:rPr lang="en-US" altLang="zh-TW" dirty="0"/>
               <a:t>2</a:t>
             </a:r>
             <a:endParaRPr lang="zh-TW" altLang="en-US" dirty="0"/>
@@ -11545,35 +11017,35 @@
           <a:lstStyle/>
           <a:p>
             <a:r>
-              <a:rPr lang="zh-TW" altLang="en-US" sz="2800" dirty="0" smtClean="0"/>
+              <a:rPr lang="zh-TW" altLang="en-US" sz="2800" dirty="0"/>
               <a:t>請利用</a:t>
             </a:r>
             <a:r>
-              <a:rPr lang="en-US" altLang="zh-TW" sz="2800" dirty="0" smtClean="0"/>
+              <a:rPr lang="en-US" altLang="zh-TW" sz="2800" dirty="0"/>
               <a:t>CSS</a:t>
             </a:r>
             <a:r>
-              <a:rPr lang="zh-TW" altLang="en-US" sz="2800" dirty="0" smtClean="0"/>
+              <a:rPr lang="zh-TW" altLang="en-US" sz="2800" dirty="0"/>
               <a:t>的</a:t>
             </a:r>
             <a:r>
-              <a:rPr lang="en-US" altLang="zh-TW" sz="2800" dirty="0" smtClean="0"/>
+              <a:rPr lang="en-US" altLang="zh-TW" sz="2800" dirty="0"/>
               <a:t>ID</a:t>
             </a:r>
             <a:r>
-              <a:rPr lang="zh-TW" altLang="en-US" sz="2800" dirty="0" smtClean="0"/>
+              <a:rPr lang="zh-TW" altLang="en-US" sz="2800" dirty="0"/>
               <a:t>選擇器</a:t>
             </a:r>
             <a:r>
-              <a:rPr lang="en-US" altLang="zh-TW" sz="2800" dirty="0" smtClean="0"/>
+              <a:rPr lang="en-US" altLang="zh-TW" sz="2800" dirty="0"/>
               <a:t>, </a:t>
             </a:r>
             <a:r>
-              <a:rPr lang="zh-TW" altLang="en-US" sz="2800" dirty="0" smtClean="0"/>
+              <a:rPr lang="zh-TW" altLang="en-US" sz="2800" dirty="0"/>
               <a:t>設定按鈕上的</a:t>
             </a:r>
             <a:r>
-              <a:rPr lang="zh-TW" altLang="en-US" sz="2800" dirty="0" smtClean="0">
+              <a:rPr lang="zh-TW" altLang="en-US" sz="2800" dirty="0">
                 <a:solidFill>
                   <a:srgbClr val="FF0000"/>
                 </a:solidFill>
@@ -11581,22 +11053,17 @@
               <a:t>文字大小</a:t>
             </a:r>
             <a:r>
-              <a:rPr lang="zh-TW" altLang="en-US" sz="2800" dirty="0" smtClean="0"/>
+              <a:rPr lang="zh-TW" altLang="en-US" sz="2800" dirty="0"/>
               <a:t>與</a:t>
             </a:r>
             <a:r>
-              <a:rPr lang="zh-TW" altLang="en-US" sz="2800" dirty="0" smtClean="0">
+              <a:rPr lang="zh-TW" altLang="en-US" sz="2800" dirty="0">
                 <a:solidFill>
                   <a:srgbClr val="FF0000"/>
                 </a:solidFill>
               </a:rPr>
               <a:t>文字顏色</a:t>
             </a:r>
-            <a:endParaRPr lang="zh-TW" altLang="en-US" sz="2800" dirty="0">
-              <a:solidFill>
-                <a:srgbClr val="FF0000"/>
-              </a:solidFill>
-            </a:endParaRPr>
           </a:p>
         </p:txBody>
       </p:sp>
@@ -11648,11 +11115,11 @@
           <a:lstStyle/>
           <a:p>
             <a:r>
-              <a:rPr lang="zh-TW" altLang="en-US" smtClean="0"/>
+              <a:rPr lang="zh-TW" altLang="en-US"/>
               <a:t>多媒體程式設計</a:t>
             </a:r>
             <a:r>
-              <a:rPr lang="en-US" altLang="zh-TW" smtClean="0"/>
+              <a:rPr lang="en-US" altLang="zh-TW"/>
               <a:t>-CSS</a:t>
             </a:r>
             <a:endParaRPr lang="zh-TW" altLang="en-US"/>
@@ -11692,13 +11159,6 @@
   <p:clrMapOvr>
     <a:masterClrMapping/>
   </p:clrMapOvr>
-  <p:timing>
-    <p:tnLst>
-      <p:par>
-        <p:cTn id="1" dur="indefinite" restart="never" nodeType="tmRoot"/>
-      </p:par>
-    </p:tnLst>
-  </p:timing>
 </p:sld>
 </file>
 
@@ -11735,11 +11195,11 @@
           <a:lstStyle/>
           <a:p>
             <a:r>
-              <a:rPr lang="zh-TW" altLang="en-US" dirty="0" smtClean="0"/>
+              <a:rPr lang="zh-TW" altLang="en-US" dirty="0"/>
               <a:t>練習</a:t>
             </a:r>
             <a:r>
-              <a:rPr lang="en-US" altLang="zh-TW" dirty="0" smtClean="0"/>
+              <a:rPr lang="en-US" altLang="zh-TW" dirty="0"/>
               <a:t>3</a:t>
             </a:r>
             <a:endParaRPr lang="zh-TW" altLang="en-US" dirty="0"/>
@@ -11802,13 +11262,8 @@
             </a:r>
             <a:r>
               <a:rPr lang="en-US" altLang="zh-TW" sz="1400" dirty="0"/>
-              <a:t> </a:t>
-            </a:r>
-            <a:r>
-              <a:rPr lang="en-US" altLang="zh-TW" sz="1400" dirty="0" smtClean="0"/>
-              <a:t> html&gt;</a:t>
-            </a:r>
-            <a:endParaRPr lang="en-US" altLang="zh-TW" sz="1400" dirty="0"/>
+              <a:t>  html&gt;</a:t>
+            </a:r>
           </a:p>
           <a:p>
             <a:pPr marL="0" indent="0">
@@ -11869,27 +11324,11 @@
             </a:pPr>
             <a:r>
               <a:rPr lang="zh-TW" altLang="en-US" sz="1400" dirty="0"/>
-              <a:t> </a:t>
-            </a:r>
-            <a:r>
-              <a:rPr lang="zh-TW" altLang="en-US" sz="1400" dirty="0" smtClean="0"/>
-              <a:t>       </a:t>
-            </a:r>
-            <a:r>
-              <a:rPr lang="en-US" altLang="zh-TW" sz="1400" dirty="0" smtClean="0"/>
-              <a:t>  </a:t>
+              <a:t>        </a:t>
             </a:r>
             <a:r>
               <a:rPr lang="en-US" altLang="zh-TW" sz="1400" dirty="0"/>
-              <a:t>[class </a:t>
-            </a:r>
-            <a:r>
-              <a:rPr lang="en-US" altLang="zh-TW" sz="1400" dirty="0" smtClean="0"/>
-              <a:t>] </a:t>
-            </a:r>
-            <a:r>
-              <a:rPr lang="en-US" altLang="zh-TW" sz="1400" dirty="0"/>
-              <a:t>{</a:t>
+              <a:t>  [class ] {</a:t>
             </a:r>
             <a:r>
               <a:rPr lang="en-US" altLang="zh-TW" sz="1400" dirty="0" err="1"/>
@@ -11940,7 +11379,7 @@
               <a:t> </a:t>
             </a:r>
             <a:r>
-              <a:rPr lang="en-US" altLang="zh-TW" sz="1400" dirty="0" smtClean="0"/>
+              <a:rPr lang="en-US" altLang="zh-TW" sz="1400" dirty="0"/>
               <a:t>&lt;</a:t>
             </a:r>
             <a:r>
@@ -11957,24 +11396,20 @@
               <a:buNone/>
             </a:pPr>
             <a:r>
-              <a:rPr lang="zh-TW" altLang="en-US" sz="1400" dirty="0" smtClean="0"/>
+              <a:rPr lang="zh-TW" altLang="en-US" sz="1400" dirty="0"/>
               <a:t>  </a:t>
             </a:r>
             <a:r>
-              <a:rPr lang="en-US" altLang="zh-TW" sz="1400" dirty="0" smtClean="0"/>
+              <a:rPr lang="en-US" altLang="zh-TW" sz="1400" dirty="0"/>
               <a:t>  </a:t>
             </a:r>
             <a:r>
-              <a:rPr lang="zh-TW" altLang="en-US" sz="1400" dirty="0" smtClean="0"/>
+              <a:rPr lang="zh-TW" altLang="en-US" sz="1400" dirty="0"/>
               <a:t>     </a:t>
             </a:r>
             <a:r>
-              <a:rPr lang="en-US" altLang="zh-TW" sz="1400" dirty="0" smtClean="0"/>
-              <a:t>&lt;</a:t>
-            </a:r>
-            <a:r>
               <a:rPr lang="en-US" altLang="zh-TW" sz="1400" dirty="0"/>
-              <a:t>li class="apple"&gt;</a:t>
+              <a:t>&lt;li class="apple"&gt;</a:t>
             </a:r>
             <a:r>
               <a:rPr lang="zh-TW" altLang="en-US" sz="1400" dirty="0"/>
@@ -11990,24 +11425,20 @@
               <a:buNone/>
             </a:pPr>
             <a:r>
-              <a:rPr lang="zh-TW" altLang="en-US" sz="1400" dirty="0" smtClean="0"/>
+              <a:rPr lang="zh-TW" altLang="en-US" sz="1400" dirty="0"/>
               <a:t>  </a:t>
             </a:r>
             <a:r>
-              <a:rPr lang="en-US" altLang="zh-TW" sz="1400" dirty="0" smtClean="0"/>
+              <a:rPr lang="en-US" altLang="zh-TW" sz="1400" dirty="0"/>
               <a:t>  </a:t>
             </a:r>
             <a:r>
-              <a:rPr lang="zh-TW" altLang="en-US" sz="1400" dirty="0" smtClean="0"/>
+              <a:rPr lang="zh-TW" altLang="en-US" sz="1400" dirty="0"/>
               <a:t>     </a:t>
             </a:r>
             <a:r>
-              <a:rPr lang="en-US" altLang="zh-TW" sz="1400" dirty="0" smtClean="0"/>
-              <a:t>&lt;</a:t>
-            </a:r>
-            <a:r>
               <a:rPr lang="en-US" altLang="zh-TW" sz="1400" dirty="0"/>
-              <a:t>li class="apple-banana"&gt;</a:t>
+              <a:t>&lt;li class="apple-banana"&gt;</a:t>
             </a:r>
             <a:r>
               <a:rPr lang="zh-TW" altLang="en-US" sz="1400" dirty="0"/>
@@ -12023,24 +11454,20 @@
               <a:buNone/>
             </a:pPr>
             <a:r>
-              <a:rPr lang="zh-TW" altLang="en-US" sz="1400" dirty="0" smtClean="0"/>
+              <a:rPr lang="zh-TW" altLang="en-US" sz="1400" dirty="0"/>
               <a:t>  </a:t>
             </a:r>
             <a:r>
-              <a:rPr lang="en-US" altLang="zh-TW" sz="1400" dirty="0" smtClean="0"/>
+              <a:rPr lang="en-US" altLang="zh-TW" sz="1400" dirty="0"/>
               <a:t>  </a:t>
             </a:r>
             <a:r>
-              <a:rPr lang="zh-TW" altLang="en-US" sz="1400" dirty="0" smtClean="0"/>
+              <a:rPr lang="zh-TW" altLang="en-US" sz="1400" dirty="0"/>
               <a:t>     </a:t>
             </a:r>
             <a:r>
-              <a:rPr lang="en-US" altLang="zh-TW" sz="1400" dirty="0" smtClean="0"/>
-              <a:t>&lt;</a:t>
-            </a:r>
-            <a:r>
               <a:rPr lang="en-US" altLang="zh-TW" sz="1400" dirty="0"/>
-              <a:t>li class="grape apple banana"&gt;</a:t>
+              <a:t>&lt;li class="grape apple banana"&gt;</a:t>
             </a:r>
             <a:r>
               <a:rPr lang="zh-TW" altLang="en-US" sz="1400" dirty="0"/>
@@ -12056,24 +11483,20 @@
               <a:buNone/>
             </a:pPr>
             <a:r>
-              <a:rPr lang="zh-TW" altLang="en-US" sz="1400" dirty="0" smtClean="0"/>
+              <a:rPr lang="zh-TW" altLang="en-US" sz="1400" dirty="0"/>
               <a:t>  </a:t>
             </a:r>
             <a:r>
-              <a:rPr lang="en-US" altLang="zh-TW" sz="1400" dirty="0" smtClean="0"/>
+              <a:rPr lang="en-US" altLang="zh-TW" sz="1400" dirty="0"/>
               <a:t>  </a:t>
             </a:r>
             <a:r>
-              <a:rPr lang="zh-TW" altLang="en-US" sz="1400" dirty="0" smtClean="0"/>
+              <a:rPr lang="zh-TW" altLang="en-US" sz="1400" dirty="0"/>
               <a:t>     </a:t>
             </a:r>
             <a:r>
-              <a:rPr lang="en-US" altLang="zh-TW" sz="1400" dirty="0" smtClean="0"/>
-              <a:t>&lt;</a:t>
-            </a:r>
-            <a:r>
               <a:rPr lang="en-US" altLang="zh-TW" sz="1400" dirty="0"/>
-              <a:t>li class="kiwifruit apple"&gt;</a:t>
+              <a:t>&lt;li class="kiwifruit apple"&gt;</a:t>
             </a:r>
             <a:r>
               <a:rPr lang="zh-TW" altLang="en-US" sz="1400" dirty="0"/>
@@ -12089,11 +11512,11 @@
               <a:buNone/>
             </a:pPr>
             <a:r>
-              <a:rPr lang="zh-TW" altLang="en-US" sz="1400" dirty="0" smtClean="0"/>
+              <a:rPr lang="zh-TW" altLang="en-US" sz="1400" dirty="0"/>
               <a:t>     </a:t>
             </a:r>
             <a:r>
-              <a:rPr lang="en-US" altLang="zh-TW" sz="1400" dirty="0" smtClean="0"/>
+              <a:rPr lang="en-US" altLang="zh-TW" sz="1400" dirty="0"/>
               <a:t>&lt;/</a:t>
             </a:r>
             <a:r>
@@ -12294,11 +11717,11 @@
           <a:lstStyle/>
           <a:p>
             <a:r>
-              <a:rPr lang="zh-TW" altLang="en-US" smtClean="0"/>
+              <a:rPr lang="zh-TW" altLang="en-US"/>
               <a:t>多媒體程式設計</a:t>
             </a:r>
             <a:r>
-              <a:rPr lang="en-US" altLang="zh-TW" smtClean="0"/>
+              <a:rPr lang="en-US" altLang="zh-TW"/>
               <a:t>-CSS</a:t>
             </a:r>
             <a:endParaRPr lang="zh-TW" altLang="en-US"/>
@@ -12338,13 +11761,6 @@
   <p:clrMapOvr>
     <a:masterClrMapping/>
   </p:clrMapOvr>
-  <p:timing>
-    <p:tnLst>
-      <p:par>
-        <p:cTn id="1" dur="indefinite" restart="never" nodeType="tmRoot"/>
-      </p:par>
-    </p:tnLst>
-  </p:timing>
 </p:sld>
 </file>
 
@@ -12381,11 +11797,11 @@
           <a:lstStyle/>
           <a:p>
             <a:r>
-              <a:rPr lang="en-US" altLang="zh-TW" smtClean="0"/>
+              <a:rPr lang="en-US" altLang="zh-TW"/>
               <a:t>CSS</a:t>
             </a:r>
             <a:r>
-              <a:rPr lang="zh-TW" altLang="en-US" smtClean="0"/>
+              <a:rPr lang="zh-TW" altLang="en-US"/>
               <a:t>的優勢</a:t>
             </a:r>
             <a:endParaRPr lang="zh-TW" altLang="en-US" dirty="0"/>
@@ -12410,32 +11826,32 @@
           <a:lstStyle/>
           <a:p>
             <a:r>
-              <a:rPr lang="zh-TW" altLang="zh-TW" sz="2800" dirty="0" smtClean="0"/>
+              <a:rPr lang="zh-TW" altLang="zh-TW" sz="2800" dirty="0"/>
               <a:t>語法簡單、撰寫容易。</a:t>
             </a:r>
-            <a:endParaRPr lang="en-US" altLang="zh-TW" sz="2800" dirty="0" smtClean="0"/>
-          </a:p>
-          <a:p>
-            <a:r>
-              <a:rPr lang="zh-TW" altLang="zh-TW" sz="2800" dirty="0" smtClean="0"/>
+            <a:endParaRPr lang="en-US" altLang="zh-TW" sz="2800" dirty="0"/>
+          </a:p>
+          <a:p>
+            <a:r>
+              <a:rPr lang="zh-TW" altLang="zh-TW" sz="2800" dirty="0"/>
               <a:t>增加網頁設計彈性，讓網頁更容易維護。</a:t>
             </a:r>
-            <a:endParaRPr lang="en-US" altLang="zh-TW" sz="2800" dirty="0" smtClean="0"/>
-          </a:p>
-          <a:p>
-            <a:r>
-              <a:rPr lang="zh-TW" altLang="zh-TW" sz="2800" dirty="0" smtClean="0"/>
+            <a:endParaRPr lang="en-US" altLang="zh-TW" sz="2800" dirty="0"/>
+          </a:p>
+          <a:p>
+            <a:r>
+              <a:rPr lang="zh-TW" altLang="zh-TW" sz="2800" dirty="0"/>
               <a:t>加快網頁載入的速度</a:t>
             </a:r>
             <a:r>
-              <a:rPr lang="zh-TW" altLang="en-US" sz="2800" dirty="0" smtClean="0"/>
+              <a:rPr lang="zh-TW" altLang="en-US" sz="2800" dirty="0"/>
               <a:t>。</a:t>
             </a:r>
-            <a:endParaRPr lang="en-US" altLang="zh-TW" sz="2800" dirty="0" smtClean="0"/>
-          </a:p>
-          <a:p>
-            <a:r>
-              <a:rPr lang="zh-TW" altLang="zh-TW" sz="2800" dirty="0" smtClean="0"/>
+            <a:endParaRPr lang="en-US" altLang="zh-TW" sz="2800" dirty="0"/>
+          </a:p>
+          <a:p>
+            <a:r>
+              <a:rPr lang="zh-TW" altLang="zh-TW" sz="2800" dirty="0"/>
               <a:t>統一網站風格。</a:t>
             </a:r>
             <a:endParaRPr lang="zh-TW" altLang="en-US" sz="2800" dirty="0"/>
@@ -12458,11 +11874,11 @@
           <a:lstStyle/>
           <a:p>
             <a:r>
-              <a:rPr lang="zh-TW" altLang="en-US" smtClean="0"/>
+              <a:rPr lang="zh-TW" altLang="en-US"/>
               <a:t>多媒體程式設計</a:t>
             </a:r>
             <a:r>
-              <a:rPr lang="en-US" altLang="zh-TW" smtClean="0"/>
+              <a:rPr lang="en-US" altLang="zh-TW"/>
               <a:t>-CSS</a:t>
             </a:r>
             <a:endParaRPr lang="zh-TW" altLang="en-US"/>
@@ -12502,13 +11918,6 @@
   <p:clrMapOvr>
     <a:masterClrMapping/>
   </p:clrMapOvr>
-  <p:timing>
-    <p:tnLst>
-      <p:par>
-        <p:cTn id="1" dur="indefinite" restart="never" nodeType="tmRoot"/>
-      </p:par>
-    </p:tnLst>
-  </p:timing>
 </p:sld>
 </file>
 
@@ -12545,14 +11954,13 @@
           <a:lstStyle/>
           <a:p>
             <a:r>
-              <a:rPr lang="en-US" altLang="zh-TW" dirty="0" smtClean="0"/>
+              <a:rPr lang="en-US" altLang="zh-TW" dirty="0"/>
               <a:t>CSS</a:t>
             </a:r>
             <a:r>
-              <a:rPr lang="zh-TW" altLang="en-US" dirty="0" smtClean="0"/>
+              <a:rPr lang="zh-TW" altLang="en-US" dirty="0"/>
               <a:t>的應用</a:t>
             </a:r>
-            <a:endParaRPr lang="zh-TW" altLang="en-US" dirty="0"/>
           </a:p>
         </p:txBody>
       </p:sp>
@@ -12579,77 +11987,77 @@
           <a:lstStyle/>
           <a:p>
             <a:r>
-              <a:rPr lang="zh-TW" altLang="zh-TW" sz="2000" dirty="0" smtClean="0"/>
+              <a:rPr lang="zh-TW" altLang="zh-TW" sz="2000" dirty="0"/>
               <a:t>量身訂做</a:t>
             </a:r>
             <a:r>
-              <a:rPr lang="en-US" altLang="zh-TW" sz="2000" dirty="0" smtClean="0"/>
+              <a:rPr lang="en-US" altLang="zh-TW" sz="2000" dirty="0"/>
               <a:t>HTML</a:t>
             </a:r>
             <a:r>
-              <a:rPr lang="zh-TW" altLang="zh-TW" sz="2000" dirty="0" smtClean="0"/>
+              <a:rPr lang="zh-TW" altLang="zh-TW" sz="2000" dirty="0"/>
               <a:t>標記樣式</a:t>
             </a:r>
-            <a:endParaRPr lang="en-US" altLang="zh-TW" sz="2000" dirty="0" smtClean="0"/>
-          </a:p>
-          <a:p>
-            <a:endParaRPr lang="en-US" altLang="zh-TW" sz="2000" dirty="0" smtClean="0"/>
-          </a:p>
-          <a:p>
-            <a:endParaRPr lang="en-US" altLang="zh-TW" sz="2000" dirty="0" smtClean="0"/>
-          </a:p>
-          <a:p>
-            <a:r>
-              <a:rPr lang="zh-TW" altLang="zh-TW" sz="2000" dirty="0" smtClean="0"/>
+            <a:endParaRPr lang="en-US" altLang="zh-TW" sz="2000" dirty="0"/>
+          </a:p>
+          <a:p>
+            <a:endParaRPr lang="en-US" altLang="zh-TW" sz="2000" dirty="0"/>
+          </a:p>
+          <a:p>
+            <a:endParaRPr lang="en-US" altLang="zh-TW" sz="2000" dirty="0"/>
+          </a:p>
+          <a:p>
+            <a:r>
+              <a:rPr lang="zh-TW" altLang="zh-TW" sz="2000" dirty="0"/>
               <a:t>利用</a:t>
             </a:r>
             <a:r>
-              <a:rPr lang="en-US" altLang="zh-TW" sz="2000" dirty="0" smtClean="0"/>
+              <a:rPr lang="en-US" altLang="zh-TW" sz="2000" dirty="0"/>
               <a:t>&lt;div&gt;</a:t>
             </a:r>
             <a:r>
-              <a:rPr lang="zh-TW" altLang="zh-TW" sz="2000" dirty="0" smtClean="0"/>
+              <a:rPr lang="zh-TW" altLang="zh-TW" sz="2000" dirty="0"/>
               <a:t>與</a:t>
             </a:r>
             <a:r>
-              <a:rPr lang="en-US" altLang="zh-TW" sz="2000" dirty="0" smtClean="0"/>
+              <a:rPr lang="en-US" altLang="zh-TW" sz="2000" dirty="0"/>
               <a:t>&lt;span&gt;</a:t>
             </a:r>
             <a:r>
-              <a:rPr lang="zh-TW" altLang="zh-TW" sz="2000" dirty="0" smtClean="0"/>
+              <a:rPr lang="zh-TW" altLang="zh-TW" sz="2000" dirty="0"/>
               <a:t>標記搭配</a:t>
             </a:r>
             <a:r>
-              <a:rPr lang="en-US" altLang="zh-TW" sz="2000" dirty="0" smtClean="0"/>
+              <a:rPr lang="en-US" altLang="zh-TW" sz="2000" dirty="0"/>
               <a:t>CSS</a:t>
             </a:r>
             <a:r>
-              <a:rPr lang="zh-TW" altLang="zh-TW" sz="2000" dirty="0" smtClean="0"/>
+              <a:rPr lang="zh-TW" altLang="zh-TW" sz="2000" dirty="0"/>
               <a:t>，可以任意移動網頁上的元件，例如重疊的文字、移動的圖片等效果。</a:t>
             </a:r>
-            <a:endParaRPr lang="en-US" altLang="zh-TW" sz="2000" dirty="0" smtClean="0"/>
-          </a:p>
-          <a:p>
-            <a:endParaRPr lang="en-US" altLang="zh-TW" sz="2000" dirty="0" smtClean="0"/>
-          </a:p>
-          <a:p>
-            <a:endParaRPr lang="en-US" altLang="zh-TW" sz="2000" dirty="0" smtClean="0"/>
-          </a:p>
-          <a:p>
-            <a:endParaRPr lang="en-US" altLang="zh-TW" sz="2000" dirty="0" smtClean="0"/>
+            <a:endParaRPr lang="en-US" altLang="zh-TW" sz="2000" dirty="0"/>
+          </a:p>
+          <a:p>
+            <a:endParaRPr lang="en-US" altLang="zh-TW" sz="2000" dirty="0"/>
+          </a:p>
+          <a:p>
+            <a:endParaRPr lang="en-US" altLang="zh-TW" sz="2000" dirty="0"/>
+          </a:p>
+          <a:p>
+            <a:endParaRPr lang="en-US" altLang="zh-TW" sz="2000" dirty="0"/>
           </a:p>
           <a:p>
             <a:pPr lvl="0"/>
             <a:r>
-              <a:rPr lang="zh-TW" altLang="zh-TW" sz="2000" dirty="0" smtClean="0"/>
+              <a:rPr lang="zh-TW" altLang="zh-TW" sz="2000" dirty="0"/>
               <a:t>利用濾鏡功能，製作各式絢麗文字或圖片特效，例如：漸層文字、為圖片加入陰影以及轉場特效等等。</a:t>
             </a:r>
           </a:p>
           <a:p>
-            <a:endParaRPr lang="en-US" altLang="zh-TW" sz="2000" dirty="0" smtClean="0"/>
-          </a:p>
-          <a:p>
-            <a:endParaRPr lang="en-US" altLang="zh-TW" sz="2000" dirty="0" smtClean="0"/>
+            <a:endParaRPr lang="en-US" altLang="zh-TW" sz="2000" dirty="0"/>
+          </a:p>
+          <a:p>
+            <a:endParaRPr lang="en-US" altLang="zh-TW" sz="2000" dirty="0"/>
           </a:p>
           <a:p>
             <a:endParaRPr lang="zh-TW" altLang="en-US" sz="2000" dirty="0"/>
@@ -12834,11 +12242,11 @@
           <a:lstStyle/>
           <a:p>
             <a:r>
-              <a:rPr lang="zh-TW" altLang="en-US" smtClean="0"/>
+              <a:rPr lang="zh-TW" altLang="en-US"/>
               <a:t>多媒體程式設計</a:t>
             </a:r>
             <a:r>
-              <a:rPr lang="en-US" altLang="zh-TW" smtClean="0"/>
+              <a:rPr lang="en-US" altLang="zh-TW"/>
               <a:t>-CSS</a:t>
             </a:r>
             <a:endParaRPr lang="zh-TW" altLang="en-US"/>
@@ -12878,13 +12286,6 @@
   <p:clrMapOvr>
     <a:masterClrMapping/>
   </p:clrMapOvr>
-  <p:timing>
-    <p:tnLst>
-      <p:par>
-        <p:cTn id="1" dur="indefinite" restart="never" nodeType="tmRoot"/>
-      </p:par>
-    </p:tnLst>
-  </p:timing>
 </p:sld>
 </file>
 
@@ -12924,11 +12325,11 @@
           <a:p>
             <a:pPr lvl="2"/>
             <a:r>
-              <a:rPr lang="en-US" altLang="zh-TW" sz="3300" dirty="0" smtClean="0"/>
+              <a:rPr lang="en-US" altLang="zh-TW" sz="3300" dirty="0"/>
               <a:t>CSS</a:t>
             </a:r>
             <a:r>
-              <a:rPr lang="zh-TW" altLang="zh-TW" sz="3300" dirty="0" smtClean="0"/>
+              <a:rPr lang="zh-TW" altLang="zh-TW" sz="3300" dirty="0"/>
               <a:t>基本格式</a:t>
             </a:r>
           </a:p>
@@ -12952,53 +12353,53 @@
           <a:lstStyle/>
           <a:p>
             <a:r>
-              <a:rPr lang="en-US" altLang="zh-TW" sz="2000" dirty="0" smtClean="0"/>
+              <a:rPr lang="en-US" altLang="zh-TW" sz="2000" dirty="0"/>
               <a:t>CSS</a:t>
             </a:r>
             <a:r>
-              <a:rPr lang="zh-TW" altLang="zh-TW" sz="2000" dirty="0" smtClean="0"/>
+              <a:rPr lang="zh-TW" altLang="zh-TW" sz="2000" dirty="0"/>
               <a:t>樣式表是由選擇器</a:t>
             </a:r>
             <a:r>
-              <a:rPr lang="en-US" altLang="zh-TW" sz="2000" dirty="0" smtClean="0"/>
+              <a:rPr lang="en-US" altLang="zh-TW" sz="2000" dirty="0"/>
               <a:t>(selector)</a:t>
             </a:r>
             <a:r>
-              <a:rPr lang="zh-TW" altLang="zh-TW" sz="2000" dirty="0" smtClean="0"/>
+              <a:rPr lang="zh-TW" altLang="zh-TW" sz="2000" dirty="0"/>
               <a:t>與樣式規則</a:t>
             </a:r>
             <a:r>
-              <a:rPr lang="en-US" altLang="zh-TW" sz="2000" dirty="0" smtClean="0"/>
+              <a:rPr lang="en-US" altLang="zh-TW" sz="2000" dirty="0"/>
               <a:t>(rule)</a:t>
             </a:r>
             <a:r>
-              <a:rPr lang="zh-TW" altLang="zh-TW" sz="2000" dirty="0" smtClean="0"/>
+              <a:rPr lang="zh-TW" altLang="zh-TW" sz="2000" dirty="0"/>
               <a:t>所組成</a:t>
             </a:r>
-            <a:endParaRPr lang="en-US" altLang="zh-TW" sz="2000" dirty="0" smtClean="0"/>
-          </a:p>
-          <a:p>
-            <a:endParaRPr lang="en-US" altLang="zh-TW" sz="2000" dirty="0" smtClean="0"/>
-          </a:p>
-          <a:p>
-            <a:endParaRPr lang="en-US" altLang="zh-TW" sz="2000" dirty="0" smtClean="0"/>
-          </a:p>
-          <a:p>
-            <a:endParaRPr lang="en-US" altLang="zh-TW" sz="2000" dirty="0" smtClean="0"/>
-          </a:p>
-          <a:p>
             <a:endParaRPr lang="en-US" altLang="zh-TW" sz="2000" dirty="0"/>
           </a:p>
           <a:p>
-            <a:endParaRPr lang="en-US" altLang="zh-TW" sz="2000" dirty="0" smtClean="0"/>
-          </a:p>
-          <a:p>
             <a:endParaRPr lang="en-US" altLang="zh-TW" sz="2000" dirty="0"/>
           </a:p>
           <a:p>
+            <a:endParaRPr lang="en-US" altLang="zh-TW" sz="2000" dirty="0"/>
+          </a:p>
+          <a:p>
+            <a:endParaRPr lang="en-US" altLang="zh-TW" sz="2000" dirty="0"/>
+          </a:p>
+          <a:p>
+            <a:endParaRPr lang="en-US" altLang="zh-TW" sz="2000" dirty="0"/>
+          </a:p>
+          <a:p>
+            <a:endParaRPr lang="en-US" altLang="zh-TW" sz="2000" dirty="0"/>
+          </a:p>
+          <a:p>
+            <a:endParaRPr lang="en-US" altLang="zh-TW" sz="2000" dirty="0"/>
+          </a:p>
+          <a:p>
             <a:pPr lvl="1"/>
             <a:r>
-              <a:rPr lang="en-US" altLang="zh-TW" sz="1700" dirty="0" smtClean="0"/>
+              <a:rPr lang="en-US" altLang="zh-TW" sz="1700" dirty="0"/>
               <a:t>Example:</a:t>
             </a:r>
           </a:p>
@@ -13006,34 +12407,34 @@
             <a:endParaRPr lang="en-US" altLang="zh-TW" sz="2000" dirty="0"/>
           </a:p>
           <a:p>
-            <a:endParaRPr lang="en-US" altLang="zh-TW" sz="2000" dirty="0" smtClean="0"/>
-          </a:p>
-          <a:p>
-            <a:endParaRPr lang="en-US" altLang="zh-TW" sz="2000" dirty="0" smtClean="0"/>
-          </a:p>
-          <a:p>
-            <a:r>
-              <a:rPr lang="zh-TW" altLang="zh-TW" sz="2000" dirty="0" smtClean="0"/>
+            <a:endParaRPr lang="en-US" altLang="zh-TW" sz="2000" dirty="0"/>
+          </a:p>
+          <a:p>
+            <a:endParaRPr lang="en-US" altLang="zh-TW" sz="2000" dirty="0"/>
+          </a:p>
+          <a:p>
+            <a:r>
+              <a:rPr lang="zh-TW" altLang="zh-TW" sz="2000" dirty="0"/>
               <a:t>選擇器</a:t>
             </a:r>
             <a:r>
-              <a:rPr lang="en-US" altLang="zh-TW" sz="2000" dirty="0" smtClean="0"/>
+              <a:rPr lang="en-US" altLang="zh-TW" sz="2000" dirty="0"/>
               <a:t>(selector)</a:t>
             </a:r>
             <a:r>
-              <a:rPr lang="zh-TW" altLang="zh-TW" sz="2000" dirty="0" smtClean="0"/>
+              <a:rPr lang="zh-TW" altLang="zh-TW" sz="2000" dirty="0"/>
               <a:t>：</a:t>
             </a:r>
             <a:r>
-              <a:rPr lang="en-US" altLang="zh-TW" sz="2000" dirty="0" smtClean="0"/>
+              <a:rPr lang="en-US" altLang="zh-TW" sz="2000" dirty="0"/>
               <a:t>CSS</a:t>
             </a:r>
             <a:r>
-              <a:rPr lang="zh-TW" altLang="zh-TW" sz="2000" dirty="0" smtClean="0"/>
+              <a:rPr lang="zh-TW" altLang="zh-TW" sz="2000" dirty="0"/>
               <a:t>樣式要套用的目標，目標可以是</a:t>
             </a:r>
             <a:r>
-              <a:rPr lang="en-US" altLang="zh-TW" sz="2000" dirty="0" smtClean="0">
+              <a:rPr lang="en-US" altLang="zh-TW" sz="2000" dirty="0">
                 <a:solidFill>
                   <a:srgbClr val="FF0000"/>
                 </a:solidFill>
@@ -13041,7 +12442,7 @@
               <a:t>HTML</a:t>
             </a:r>
             <a:r>
-              <a:rPr lang="zh-TW" altLang="zh-TW" sz="2000" dirty="0" smtClean="0">
+              <a:rPr lang="zh-TW" altLang="zh-TW" sz="2000" dirty="0">
                 <a:solidFill>
                   <a:srgbClr val="FF0000"/>
                 </a:solidFill>
@@ -13049,7 +12450,7 @@
               <a:t>標記、</a:t>
             </a:r>
             <a:r>
-              <a:rPr lang="en-US" altLang="zh-TW" sz="2000" dirty="0" smtClean="0">
+              <a:rPr lang="en-US" altLang="zh-TW" sz="2000" dirty="0">
                 <a:solidFill>
                   <a:srgbClr val="FF0000"/>
                 </a:solidFill>
@@ -13057,7 +12458,7 @@
               <a:t>class</a:t>
             </a:r>
             <a:r>
-              <a:rPr lang="zh-TW" altLang="zh-TW" sz="2000" dirty="0" smtClean="0">
+              <a:rPr lang="zh-TW" altLang="zh-TW" sz="2000" dirty="0">
                 <a:solidFill>
                   <a:srgbClr val="FF0000"/>
                 </a:solidFill>
@@ -13065,7 +12466,7 @@
               <a:t>屬性或</a:t>
             </a:r>
             <a:r>
-              <a:rPr lang="en-US" altLang="zh-TW" sz="2000" dirty="0" smtClean="0">
+              <a:rPr lang="en-US" altLang="zh-TW" sz="2000" dirty="0">
                 <a:solidFill>
                   <a:srgbClr val="FF0000"/>
                 </a:solidFill>
@@ -13073,7 +12474,7 @@
               <a:t>id</a:t>
             </a:r>
             <a:r>
-              <a:rPr lang="zh-TW" altLang="zh-TW" sz="2000" dirty="0" smtClean="0">
+              <a:rPr lang="zh-TW" altLang="zh-TW" sz="2000" dirty="0">
                 <a:solidFill>
                   <a:srgbClr val="FF0000"/>
                 </a:solidFill>
@@ -13081,34 +12482,34 @@
               <a:t>屬性</a:t>
             </a:r>
             <a:r>
-              <a:rPr lang="zh-TW" altLang="en-US" sz="2000" dirty="0" smtClean="0"/>
+              <a:rPr lang="zh-TW" altLang="en-US" sz="2000" dirty="0"/>
               <a:t>。</a:t>
             </a:r>
-            <a:endParaRPr lang="en-US" altLang="zh-TW" sz="2000" dirty="0" smtClean="0"/>
-          </a:p>
-          <a:p>
-            <a:r>
-              <a:rPr lang="zh-TW" altLang="zh-TW" sz="2000" dirty="0" smtClean="0"/>
+            <a:endParaRPr lang="en-US" altLang="zh-TW" sz="2000" dirty="0"/>
+          </a:p>
+          <a:p>
+            <a:r>
+              <a:rPr lang="zh-TW" altLang="zh-TW" sz="2000" dirty="0"/>
               <a:t>樣式規則</a:t>
             </a:r>
             <a:r>
-              <a:rPr lang="en-US" altLang="zh-TW" sz="2000" dirty="0" smtClean="0"/>
+              <a:rPr lang="en-US" altLang="zh-TW" sz="2000" dirty="0"/>
               <a:t>(rule)</a:t>
             </a:r>
             <a:r>
-              <a:rPr lang="zh-TW" altLang="zh-TW" sz="2000" dirty="0" smtClean="0"/>
+              <a:rPr lang="zh-TW" altLang="zh-TW" sz="2000" dirty="0"/>
               <a:t>：用大括號</a:t>
             </a:r>
             <a:r>
-              <a:rPr lang="en-US" altLang="zh-TW" sz="2000" dirty="0" smtClean="0"/>
+              <a:rPr lang="en-US" altLang="zh-TW" sz="2000" dirty="0"/>
               <a:t>{}</a:t>
             </a:r>
             <a:r>
-              <a:rPr lang="zh-TW" altLang="zh-TW" sz="2000" dirty="0" smtClean="0"/>
+              <a:rPr lang="zh-TW" altLang="zh-TW" sz="2000" dirty="0"/>
               <a:t>括起來的部份，</a:t>
             </a:r>
             <a:r>
-              <a:rPr lang="zh-TW" altLang="zh-TW" sz="2000" dirty="0" smtClean="0">
+              <a:rPr lang="zh-TW" altLang="zh-TW" sz="2000" dirty="0">
                 <a:solidFill>
                   <a:srgbClr val="FF0000"/>
                 </a:solidFill>
@@ -13116,10 +12517,10 @@
               <a:t>每一個規則是由屬性及設定值組成</a:t>
             </a:r>
             <a:r>
-              <a:rPr lang="zh-TW" altLang="en-US" sz="2000" dirty="0" smtClean="0"/>
+              <a:rPr lang="zh-TW" altLang="en-US" sz="2000" dirty="0"/>
               <a:t>。</a:t>
             </a:r>
-            <a:endParaRPr lang="en-US" altLang="zh-TW" sz="2000" dirty="0" smtClean="0"/>
+            <a:endParaRPr lang="en-US" altLang="zh-TW" sz="2000" dirty="0"/>
           </a:p>
           <a:p>
             <a:endParaRPr lang="zh-TW" altLang="en-US" sz="2000" dirty="0"/>
@@ -13220,10 +12621,9 @@
           <a:p>
             <a:pPr algn="ctr"/>
             <a:r>
-              <a:rPr lang="zh-TW" altLang="en-US" dirty="0" smtClean="0"/>
+              <a:rPr lang="zh-TW" altLang="en-US" dirty="0"/>
               <a:t>屬性</a:t>
             </a:r>
-            <a:endParaRPr lang="zh-TW" altLang="en-US" dirty="0"/>
           </a:p>
         </p:txBody>
       </p:sp>
@@ -13267,10 +12667,9 @@
           <a:p>
             <a:pPr algn="ctr"/>
             <a:r>
-              <a:rPr lang="zh-TW" altLang="en-US" dirty="0" smtClean="0"/>
+              <a:rPr lang="zh-TW" altLang="en-US" dirty="0"/>
               <a:t>設定值</a:t>
             </a:r>
-            <a:endParaRPr lang="zh-TW" altLang="en-US" dirty="0"/>
           </a:p>
         </p:txBody>
       </p:sp>
@@ -13320,11 +12719,11 @@
           <a:lstStyle/>
           <a:p>
             <a:r>
-              <a:rPr lang="zh-TW" altLang="en-US" smtClean="0"/>
+              <a:rPr lang="zh-TW" altLang="en-US"/>
               <a:t>多媒體程式設計</a:t>
             </a:r>
             <a:r>
-              <a:rPr lang="en-US" altLang="zh-TW" smtClean="0"/>
+              <a:rPr lang="en-US" altLang="zh-TW"/>
               <a:t>-CSS</a:t>
             </a:r>
             <a:endParaRPr lang="zh-TW" altLang="en-US"/>
@@ -13364,13 +12763,6 @@
   <p:clrMapOvr>
     <a:masterClrMapping/>
   </p:clrMapOvr>
-  <p:timing>
-    <p:tnLst>
-      <p:par>
-        <p:cTn id="1" dur="indefinite" restart="never" nodeType="tmRoot"/>
-      </p:par>
-    </p:tnLst>
-  </p:timing>
 </p:sld>
 </file>
 
@@ -13407,7 +12799,7 @@
           <a:lstStyle/>
           <a:p>
             <a:r>
-              <a:rPr lang="zh-TW" altLang="zh-TW" dirty="0" smtClean="0"/>
+              <a:rPr lang="zh-TW" altLang="zh-TW" dirty="0"/>
               <a:t>樣式規則</a:t>
             </a:r>
             <a:endParaRPr lang="zh-TW" altLang="en-US" dirty="0"/>
@@ -13432,11 +12824,11 @@
           <a:lstStyle/>
           <a:p>
             <a:r>
-              <a:rPr lang="zh-TW" altLang="zh-TW" sz="2400" dirty="0" smtClean="0"/>
+              <a:rPr lang="zh-TW" altLang="zh-TW" sz="2400" dirty="0"/>
               <a:t>選擇器裡可以設定多種不同的規則，</a:t>
             </a:r>
             <a:r>
-              <a:rPr lang="zh-TW" altLang="zh-TW" sz="2400" dirty="0" smtClean="0">
+              <a:rPr lang="zh-TW" altLang="zh-TW" sz="2400" dirty="0">
                 <a:solidFill>
                   <a:srgbClr val="FF0000"/>
                 </a:solidFill>
@@ -13444,7 +12836,7 @@
               <a:t>以分號</a:t>
             </a:r>
             <a:r>
-              <a:rPr lang="en-US" altLang="zh-TW" sz="2400" dirty="0" smtClean="0">
+              <a:rPr lang="en-US" altLang="zh-TW" sz="2400" dirty="0">
                 <a:solidFill>
                   <a:srgbClr val="FF0000"/>
                 </a:solidFill>
@@ -13452,7 +12844,7 @@
               <a:t>(;)</a:t>
             </a:r>
             <a:r>
-              <a:rPr lang="zh-TW" altLang="zh-TW" sz="2400" dirty="0" smtClean="0">
+              <a:rPr lang="zh-TW" altLang="zh-TW" sz="2400" dirty="0">
                 <a:solidFill>
                   <a:srgbClr val="FF0000"/>
                 </a:solidFill>
@@ -13460,74 +12852,74 @@
               <a:t>分</a:t>
             </a:r>
             <a:r>
-              <a:rPr lang="zh-TW" altLang="zh-TW" sz="2400" dirty="0" smtClean="0"/>
+              <a:rPr lang="zh-TW" altLang="zh-TW" sz="2400" dirty="0"/>
               <a:t>隔</a:t>
             </a:r>
             <a:r>
-              <a:rPr lang="zh-TW" altLang="en-US" sz="2400" dirty="0" smtClean="0"/>
+              <a:rPr lang="zh-TW" altLang="en-US" sz="2400" dirty="0"/>
               <a:t>。</a:t>
             </a:r>
-            <a:endParaRPr lang="en-US" altLang="zh-TW" sz="2400" dirty="0" smtClean="0"/>
+            <a:endParaRPr lang="en-US" altLang="zh-TW" sz="2400" dirty="0"/>
           </a:p>
           <a:p>
             <a:pPr lvl="1"/>
-            <a:endParaRPr lang="en-US" altLang="zh-TW" sz="2000" dirty="0" smtClean="0"/>
+            <a:endParaRPr lang="en-US" altLang="zh-TW" sz="2000" dirty="0"/>
           </a:p>
           <a:p>
             <a:pPr lvl="1"/>
-            <a:endParaRPr lang="en-US" altLang="zh-TW" sz="2000" dirty="0" smtClean="0"/>
+            <a:endParaRPr lang="en-US" altLang="zh-TW" sz="2000" dirty="0"/>
           </a:p>
           <a:p>
             <a:pPr lvl="1"/>
             <a:r>
-              <a:rPr lang="zh-TW" altLang="zh-TW" sz="2000" dirty="0" smtClean="0"/>
+              <a:rPr lang="zh-TW" altLang="zh-TW" sz="2000" dirty="0"/>
               <a:t>將文字大小為</a:t>
             </a:r>
             <a:r>
-              <a:rPr lang="en-US" altLang="zh-TW" sz="2000" dirty="0" smtClean="0"/>
+              <a:rPr lang="en-US" altLang="zh-TW" sz="2000" dirty="0"/>
               <a:t>12px</a:t>
             </a:r>
             <a:r>
-              <a:rPr lang="zh-TW" altLang="zh-TW" sz="2000" dirty="0" smtClean="0"/>
+              <a:rPr lang="zh-TW" altLang="zh-TW" sz="2000" dirty="0"/>
               <a:t>，行高</a:t>
             </a:r>
             <a:r>
-              <a:rPr lang="en-US" altLang="zh-TW" sz="2000" dirty="0" smtClean="0"/>
+              <a:rPr lang="en-US" altLang="zh-TW" sz="2000" dirty="0"/>
               <a:t>16px</a:t>
             </a:r>
             <a:r>
-              <a:rPr lang="zh-TW" altLang="zh-TW" sz="2000" dirty="0" smtClean="0"/>
+              <a:rPr lang="zh-TW" altLang="zh-TW" sz="2000" dirty="0"/>
               <a:t>，並加上顏色為</a:t>
             </a:r>
             <a:r>
-              <a:rPr lang="en-US" altLang="zh-TW" sz="2000" dirty="0" smtClean="0"/>
+              <a:rPr lang="en-US" altLang="zh-TW" sz="2000" dirty="0"/>
               <a:t>#336699</a:t>
             </a:r>
             <a:r>
-              <a:rPr lang="zh-TW" altLang="zh-TW" sz="2000" dirty="0" smtClean="0"/>
+              <a:rPr lang="zh-TW" altLang="zh-TW" sz="2000" dirty="0"/>
               <a:t>寬度</a:t>
             </a:r>
             <a:r>
-              <a:rPr lang="en-US" altLang="zh-TW" sz="2000" dirty="0" smtClean="0"/>
+              <a:rPr lang="en-US" altLang="zh-TW" sz="2000" dirty="0"/>
               <a:t>1px</a:t>
             </a:r>
             <a:r>
-              <a:rPr lang="zh-TW" altLang="zh-TW" sz="2000" dirty="0" smtClean="0"/>
+              <a:rPr lang="zh-TW" altLang="zh-TW" sz="2000" dirty="0"/>
               <a:t>的實線框。</a:t>
             </a:r>
-            <a:endParaRPr lang="en-US" altLang="zh-TW" sz="2000" dirty="0" smtClean="0"/>
+            <a:endParaRPr lang="en-US" altLang="zh-TW" sz="2000" dirty="0"/>
           </a:p>
           <a:p>
             <a:pPr lvl="1"/>
-            <a:endParaRPr lang="en-US" altLang="zh-TW" sz="2000" dirty="0" smtClean="0"/>
-          </a:p>
-          <a:p>
-            <a:r>
-              <a:rPr lang="zh-TW" altLang="zh-TW" sz="2400" dirty="0" smtClean="0"/>
+            <a:endParaRPr lang="en-US" altLang="zh-TW" sz="2000" dirty="0"/>
+          </a:p>
+          <a:p>
+            <a:r>
+              <a:rPr lang="zh-TW" altLang="zh-TW" sz="2400" dirty="0"/>
               <a:t>為了讓程式更容易閱讀，通常會將</a:t>
             </a:r>
             <a:r>
-              <a:rPr lang="zh-TW" altLang="zh-TW" sz="2400" dirty="0" smtClean="0">
+              <a:rPr lang="zh-TW" altLang="zh-TW" sz="2400" dirty="0">
                 <a:solidFill>
                   <a:srgbClr val="FF0000"/>
                 </a:solidFill>
@@ -13535,11 +12927,11 @@
               <a:t>樣式分行敘述</a:t>
             </a:r>
             <a:r>
-              <a:rPr lang="zh-TW" altLang="zh-TW" sz="2400" dirty="0" smtClean="0"/>
+              <a:rPr lang="zh-TW" altLang="zh-TW" sz="2400" dirty="0"/>
               <a:t>，讓樣式更清楚易讀，還可以在敘述中</a:t>
             </a:r>
             <a:r>
-              <a:rPr lang="zh-TW" altLang="zh-TW" sz="2400" dirty="0" smtClean="0">
+              <a:rPr lang="zh-TW" altLang="zh-TW" sz="2400" dirty="0">
                 <a:solidFill>
                   <a:srgbClr val="FF0000"/>
                 </a:solidFill>
@@ -13547,13 +12939,13 @@
               <a:t>加入註解</a:t>
             </a:r>
             <a:r>
-              <a:rPr lang="zh-TW" altLang="en-US" sz="2400" dirty="0" smtClean="0"/>
+              <a:rPr lang="zh-TW" altLang="en-US" sz="2400" dirty="0"/>
               <a:t>。</a:t>
             </a:r>
-            <a:endParaRPr lang="zh-TW" altLang="zh-TW" sz="2400" dirty="0" smtClean="0"/>
-          </a:p>
-          <a:p>
-            <a:endParaRPr lang="en-US" altLang="zh-TW" sz="2400" dirty="0" smtClean="0"/>
+            <a:endParaRPr lang="zh-TW" altLang="zh-TW" sz="2400" dirty="0"/>
+          </a:p>
+          <a:p>
+            <a:endParaRPr lang="en-US" altLang="zh-TW" sz="2400" dirty="0"/>
           </a:p>
           <a:p>
             <a:endParaRPr lang="zh-TW" altLang="en-US" sz="2400" dirty="0"/>
@@ -13661,7 +13053,13 @@
                 <a:tableStyleId>{5940675A-B579-460E-94D1-54222C63F5DA}</a:tableStyleId>
               </a:tblPr>
               <a:tblGrid>
-                <a:gridCol w="6192688"/>
+                <a:gridCol w="6192688">
+                  <a:extLst>
+                    <a:ext uri="{9D8B030D-6E8A-4147-A177-3AD203B41FA5}">
+                      <a16:colId xmlns:a16="http://schemas.microsoft.com/office/drawing/2014/main" val="20000"/>
+                    </a:ext>
+                  </a:extLst>
+                </a:gridCol>
               </a:tblGrid>
               <a:tr h="1524000">
                 <a:tc>
@@ -13844,6 +13242,11 @@
                     </a:solidFill>
                   </a:tcPr>
                 </a:tc>
+                <a:extLst>
+                  <a:ext uri="{0D108BD9-81ED-4DB2-BD59-A6C34878D82A}">
+                    <a16:rowId xmlns:a16="http://schemas.microsoft.com/office/drawing/2014/main" val="10000"/>
+                  </a:ext>
+                </a:extLst>
               </a:tr>
             </a:tbl>
           </a:graphicData>
@@ -13865,11 +13268,11 @@
           <a:lstStyle/>
           <a:p>
             <a:r>
-              <a:rPr lang="zh-TW" altLang="en-US" smtClean="0"/>
+              <a:rPr lang="zh-TW" altLang="en-US"/>
               <a:t>多媒體程式設計</a:t>
             </a:r>
             <a:r>
-              <a:rPr lang="en-US" altLang="zh-TW" smtClean="0"/>
+              <a:rPr lang="en-US" altLang="zh-TW"/>
               <a:t>-CSS</a:t>
             </a:r>
             <a:endParaRPr lang="zh-TW" altLang="en-US"/>
@@ -13909,13 +13312,6 @@
   <p:clrMapOvr>
     <a:masterClrMapping/>
   </p:clrMapOvr>
-  <p:timing>
-    <p:tnLst>
-      <p:par>
-        <p:cTn id="1" dur="indefinite" restart="never" nodeType="tmRoot"/>
-      </p:par>
-    </p:tnLst>
-  </p:timing>
 </p:sld>
 </file>
 
@@ -13954,11 +13350,11 @@
           <a:lstStyle/>
           <a:p>
             <a:r>
-              <a:rPr lang="en-US" altLang="zh-TW" sz="3600" dirty="0" smtClean="0"/>
+              <a:rPr lang="en-US" altLang="zh-TW" sz="3600" dirty="0"/>
               <a:t>CSS </a:t>
             </a:r>
             <a:r>
-              <a:rPr lang="en-US" altLang="zh-TW" sz="3600" b="1" dirty="0" smtClean="0"/>
+              <a:rPr lang="en-US" altLang="zh-TW" sz="3600" b="1" dirty="0"/>
               <a:t>Example</a:t>
             </a:r>
             <a:endParaRPr lang="zh-TW" altLang="en-US" sz="3600" b="1" dirty="0"/>
@@ -14262,15 +13658,9 @@
               <a:rPr lang="zh-TW" altLang="en-US" dirty="0">
                 <a:hlinkClick r:id="rId3"/>
               </a:rPr>
-              <a:t>http://www.w3schools.com/css/tryit.asp?filename=trycss</a:t>
-            </a:r>
-            <a:r>
-              <a:rPr lang="zh-TW" altLang="en-US" dirty="0" smtClean="0">
-                <a:hlinkClick r:id="rId3"/>
-              </a:rPr>
-              <a:t>_default</a:t>
-            </a:r>
-            <a:endParaRPr lang="en-US" altLang="zh-TW" dirty="0" smtClean="0"/>
+              <a:t>http://www.w3schools.com/css/tryit.asp?filename=trycss_default</a:t>
+            </a:r>
+            <a:endParaRPr lang="en-US" altLang="zh-TW" dirty="0"/>
           </a:p>
           <a:p>
             <a:endParaRPr lang="zh-TW" altLang="en-US" dirty="0"/>
@@ -14293,11 +13683,11 @@
           <a:lstStyle/>
           <a:p>
             <a:r>
-              <a:rPr lang="zh-TW" altLang="en-US" smtClean="0"/>
+              <a:rPr lang="zh-TW" altLang="en-US"/>
               <a:t>多媒體程式設計</a:t>
             </a:r>
             <a:r>
-              <a:rPr lang="en-US" altLang="zh-TW" smtClean="0"/>
+              <a:rPr lang="en-US" altLang="zh-TW"/>
               <a:t>-CSS</a:t>
             </a:r>
             <a:endParaRPr lang="zh-TW" altLang="en-US"/>
@@ -14337,13 +13727,6 @@
   <p:clrMapOvr>
     <a:masterClrMapping/>
   </p:clrMapOvr>
-  <p:timing>
-    <p:tnLst>
-      <p:par>
-        <p:cTn id="1" dur="indefinite" restart="never" nodeType="tmRoot"/>
-      </p:par>
-    </p:tnLst>
-  </p:timing>
 </p:sld>
 </file>
 
@@ -14380,26 +13763,25 @@
           <a:lstStyle/>
           <a:p>
             <a:r>
-              <a:rPr lang="zh-TW" altLang="en-US" dirty="0" smtClean="0"/>
+              <a:rPr lang="zh-TW" altLang="en-US" dirty="0"/>
               <a:t>套用</a:t>
             </a:r>
             <a:r>
-              <a:rPr lang="en-US" altLang="zh-TW" dirty="0" smtClean="0"/>
+              <a:rPr lang="en-US" altLang="zh-TW" dirty="0"/>
               <a:t>CSS</a:t>
             </a:r>
             <a:r>
-              <a:rPr lang="zh-TW" altLang="en-US" dirty="0" smtClean="0"/>
+              <a:rPr lang="zh-TW" altLang="en-US" dirty="0"/>
               <a:t>樣式表</a:t>
             </a:r>
             <a:r>
-              <a:rPr lang="en-US" altLang="zh-TW" dirty="0" smtClean="0"/>
+              <a:rPr lang="en-US" altLang="zh-TW" dirty="0"/>
               <a:t>—</a:t>
             </a:r>
             <a:r>
-              <a:rPr lang="zh-TW" altLang="en-US" dirty="0" smtClean="0"/>
+              <a:rPr lang="zh-TW" altLang="en-US" dirty="0"/>
               <a:t>行內宣告</a:t>
             </a:r>
-            <a:endParaRPr lang="zh-TW" altLang="en-US" dirty="0"/>
           </a:p>
         </p:txBody>
       </p:sp>
@@ -14421,7 +13803,7 @@
           <a:lstStyle/>
           <a:p>
             <a:r>
-              <a:rPr lang="zh-TW" altLang="zh-TW" sz="2800" b="1" dirty="0" smtClean="0">
+              <a:rPr lang="zh-TW" altLang="zh-TW" sz="2800" b="1" dirty="0">
                 <a:solidFill>
                   <a:srgbClr val="FF0000"/>
                 </a:solidFill>
@@ -14429,7 +13811,7 @@
               <a:t>行內宣告</a:t>
             </a:r>
             <a:r>
-              <a:rPr lang="en-US" altLang="zh-TW" sz="2800" b="1" dirty="0" smtClean="0">
+              <a:rPr lang="en-US" altLang="zh-TW" sz="2800" b="1" dirty="0">
                 <a:solidFill>
                   <a:srgbClr val="FF0000"/>
                 </a:solidFill>
@@ -14440,48 +13822,48 @@
           <a:p>
             <a:pPr lvl="1"/>
             <a:r>
-              <a:rPr lang="zh-TW" altLang="en-US" sz="2400" dirty="0" smtClean="0"/>
+              <a:rPr lang="zh-TW" altLang="en-US" sz="2400" dirty="0"/>
               <a:t>寫在</a:t>
             </a:r>
             <a:r>
-              <a:rPr lang="en-US" altLang="zh-TW" sz="2400" dirty="0" smtClean="0"/>
+              <a:rPr lang="en-US" altLang="zh-TW" sz="2400" dirty="0"/>
               <a:t>HTML</a:t>
             </a:r>
             <a:r>
-              <a:rPr lang="zh-TW" altLang="en-US" sz="2400" dirty="0" smtClean="0"/>
+              <a:rPr lang="zh-TW" altLang="en-US" sz="2400" dirty="0"/>
               <a:t>標記裡</a:t>
             </a:r>
-            <a:endParaRPr lang="en-US" altLang="zh-TW" sz="2400" dirty="0" smtClean="0"/>
-          </a:p>
-          <a:p>
-            <a:endParaRPr lang="en-US" altLang="zh-TW" sz="2800" dirty="0" smtClean="0"/>
-          </a:p>
-          <a:p>
-            <a:endParaRPr lang="en-US" altLang="zh-TW" sz="2800" dirty="0" smtClean="0"/>
-          </a:p>
-          <a:p>
-            <a:endParaRPr lang="en-US" altLang="zh-TW" sz="2800" dirty="0" smtClean="0"/>
-          </a:p>
-          <a:p>
-            <a:endParaRPr lang="en-US" altLang="zh-TW" sz="2800" dirty="0" smtClean="0"/>
-          </a:p>
-          <a:p>
-            <a:endParaRPr lang="en-US" altLang="zh-TW" sz="2800" dirty="0" smtClean="0"/>
-          </a:p>
-          <a:p>
-            <a:endParaRPr lang="en-US" altLang="zh-TW" sz="2800" dirty="0" smtClean="0"/>
-          </a:p>
-          <a:p>
-            <a:endParaRPr lang="en-US" altLang="zh-TW" sz="2800" dirty="0" smtClean="0"/>
-          </a:p>
-          <a:p>
-            <a:endParaRPr lang="en-US" altLang="zh-TW" sz="2800" dirty="0" smtClean="0"/>
-          </a:p>
-          <a:p>
-            <a:endParaRPr lang="en-US" altLang="zh-TW" sz="2800" dirty="0" smtClean="0"/>
-          </a:p>
-          <a:p>
-            <a:endParaRPr lang="en-US" altLang="zh-TW" sz="2800" dirty="0" smtClean="0"/>
+            <a:endParaRPr lang="en-US" altLang="zh-TW" sz="2400" dirty="0"/>
+          </a:p>
+          <a:p>
+            <a:endParaRPr lang="en-US" altLang="zh-TW" sz="2800" dirty="0"/>
+          </a:p>
+          <a:p>
+            <a:endParaRPr lang="en-US" altLang="zh-TW" sz="2800" dirty="0"/>
+          </a:p>
+          <a:p>
+            <a:endParaRPr lang="en-US" altLang="zh-TW" sz="2800" dirty="0"/>
+          </a:p>
+          <a:p>
+            <a:endParaRPr lang="en-US" altLang="zh-TW" sz="2800" dirty="0"/>
+          </a:p>
+          <a:p>
+            <a:endParaRPr lang="en-US" altLang="zh-TW" sz="2800" dirty="0"/>
+          </a:p>
+          <a:p>
+            <a:endParaRPr lang="en-US" altLang="zh-TW" sz="2800" dirty="0"/>
+          </a:p>
+          <a:p>
+            <a:endParaRPr lang="en-US" altLang="zh-TW" sz="2800" dirty="0"/>
+          </a:p>
+          <a:p>
+            <a:endParaRPr lang="en-US" altLang="zh-TW" sz="2800" dirty="0"/>
+          </a:p>
+          <a:p>
+            <a:endParaRPr lang="en-US" altLang="zh-TW" sz="2800" dirty="0"/>
+          </a:p>
+          <a:p>
+            <a:endParaRPr lang="en-US" altLang="zh-TW" sz="2800" dirty="0"/>
           </a:p>
         </p:txBody>
       </p:sp>
@@ -14527,113 +13909,49 @@
                   <a:srgbClr val="FF0000"/>
                 </a:solidFill>
               </a:rPr>
-              <a:t>style</a:t>
-            </a:r>
-            <a:r>
-              <a:rPr lang="en-US" altLang="zh-TW" dirty="0" smtClean="0">
-                <a:solidFill>
-                  <a:srgbClr val="FF0000"/>
-                </a:solidFill>
-              </a:rPr>
-              <a:t>="border</a:t>
-            </a:r>
-            <a:r>
-              <a:rPr lang="en-US" altLang="zh-TW" dirty="0">
-                <a:solidFill>
-                  <a:srgbClr val="FF0000"/>
-                </a:solidFill>
-              </a:rPr>
-              <a:t>: 1px #336699 solid</a:t>
-            </a:r>
-            <a:r>
-              <a:rPr lang="en-US" altLang="zh-TW" dirty="0" smtClean="0">
-                <a:solidFill>
-                  <a:srgbClr val="FF0000"/>
-                </a:solidFill>
-              </a:rPr>
-              <a:t>;"</a:t>
-            </a:r>
-            <a:r>
-              <a:rPr lang="en-US" altLang="zh-TW" dirty="0" smtClean="0"/>
+              <a:t>style="border: 1px #336699 solid;"</a:t>
+            </a:r>
+            <a:r>
+              <a:rPr lang="en-US" altLang="zh-TW" dirty="0"/>
               <a:t>&gt;</a:t>
             </a:r>
           </a:p>
           <a:p>
             <a:r>
-              <a:rPr lang="zh-TW" altLang="en-US" dirty="0" smtClean="0"/>
+              <a:rPr lang="zh-TW" altLang="en-US" dirty="0"/>
               <a:t>     </a:t>
             </a:r>
             <a:r>
-              <a:rPr lang="en-US" altLang="zh-TW" dirty="0" smtClean="0"/>
-              <a:t>Do </a:t>
-            </a:r>
-            <a:r>
               <a:rPr lang="en-US" altLang="zh-TW" dirty="0"/>
-              <a:t>a thing quickly often means doing it badly</a:t>
-            </a:r>
-            <a:r>
-              <a:rPr lang="en-US" altLang="zh-TW" dirty="0" smtClean="0"/>
-              <a:t>.</a:t>
-            </a:r>
-          </a:p>
-          <a:p>
-            <a:r>
-              <a:rPr lang="en-US" altLang="zh-TW" dirty="0" smtClean="0"/>
-              <a:t>&lt;/</a:t>
-            </a:r>
+              <a:t>Do a thing quickly often means doing it badly.</a:t>
+            </a:r>
+          </a:p>
+          <a:p>
             <a:r>
               <a:rPr lang="en-US" altLang="zh-TW" dirty="0"/>
-              <a:t>h1</a:t>
-            </a:r>
-            <a:r>
-              <a:rPr lang="en-US" altLang="zh-TW" dirty="0" smtClean="0"/>
-              <a:t>&gt;</a:t>
+              <a:t>&lt;/h1&gt;</a:t>
             </a:r>
           </a:p>
           <a:p>
             <a:r>
               <a:rPr lang="en-US" altLang="zh-TW" dirty="0"/>
-              <a:t>&lt;h1</a:t>
-            </a:r>
-            <a:r>
-              <a:rPr lang="en-US" altLang="zh-TW" dirty="0" smtClean="0"/>
-              <a:t>&gt;</a:t>
+              <a:t>&lt;h1&gt;</a:t>
             </a:r>
           </a:p>
           <a:p>
             <a:r>
               <a:rPr lang="zh-TW" altLang="en-US" dirty="0"/>
-              <a:t> </a:t>
-            </a:r>
-            <a:r>
-              <a:rPr lang="zh-TW" altLang="en-US" dirty="0" smtClean="0"/>
-              <a:t>   </a:t>
-            </a:r>
-            <a:r>
-              <a:rPr lang="en-US" altLang="zh-TW" dirty="0" smtClean="0"/>
-              <a:t>Do </a:t>
+              <a:t>    </a:t>
             </a:r>
             <a:r>
               <a:rPr lang="en-US" altLang="zh-TW" dirty="0"/>
-              <a:t>a thing quickly often means doing it badly</a:t>
-            </a:r>
-            <a:r>
-              <a:rPr lang="en-US" altLang="zh-TW" dirty="0" smtClean="0"/>
-              <a:t>.</a:t>
-            </a:r>
-          </a:p>
-          <a:p>
-            <a:r>
-              <a:rPr lang="en-US" altLang="zh-TW" dirty="0" smtClean="0"/>
-              <a:t>&lt;/</a:t>
-            </a:r>
+              <a:t>Do a thing quickly often means doing it badly.</a:t>
+            </a:r>
+          </a:p>
+          <a:p>
             <a:r>
               <a:rPr lang="en-US" altLang="zh-TW" dirty="0"/>
-              <a:t>h1</a:t>
-            </a:r>
-            <a:r>
-              <a:rPr lang="en-US" altLang="zh-TW" dirty="0" smtClean="0"/>
-              <a:t>&gt;</a:t>
+              <a:t>&lt;/h1&gt;</a:t>
             </a:r>
           </a:p>
         </p:txBody>
@@ -14688,11 +14006,11 @@
           <a:lstStyle/>
           <a:p>
             <a:r>
-              <a:rPr lang="zh-TW" altLang="en-US" smtClean="0"/>
+              <a:rPr lang="zh-TW" altLang="en-US"/>
               <a:t>多媒體程式設計</a:t>
             </a:r>
             <a:r>
-              <a:rPr lang="en-US" altLang="zh-TW" smtClean="0"/>
+              <a:rPr lang="en-US" altLang="zh-TW"/>
               <a:t>-CSS</a:t>
             </a:r>
             <a:endParaRPr lang="zh-TW" altLang="en-US"/>
@@ -14732,13 +14050,6 @@
   <p:clrMapOvr>
     <a:masterClrMapping/>
   </p:clrMapOvr>
-  <p:timing>
-    <p:tnLst>
-      <p:par>
-        <p:cTn id="1" dur="indefinite" restart="never" nodeType="tmRoot"/>
-      </p:par>
-    </p:tnLst>
-  </p:timing>
 </p:sld>
 </file>
 
@@ -14784,21 +14095,16 @@
             </a:r>
             <a:r>
               <a:rPr lang="zh-TW" altLang="en-US" dirty="0"/>
-              <a:t>樣式</a:t>
-            </a:r>
-            <a:r>
-              <a:rPr lang="zh-TW" altLang="en-US" dirty="0" smtClean="0"/>
-              <a:t>表</a:t>
-            </a:r>
-            <a:r>
-              <a:rPr lang="en-US" altLang="zh-TW" dirty="0" smtClean="0"/>
+              <a:t>樣式表</a:t>
+            </a:r>
+            <a:r>
+              <a:rPr lang="en-US" altLang="zh-TW" dirty="0"/>
               <a:t>—</a:t>
             </a:r>
             <a:r>
-              <a:rPr lang="zh-TW" altLang="en-US" dirty="0" smtClean="0"/>
+              <a:rPr lang="zh-TW" altLang="en-US" dirty="0"/>
               <a:t>內嵌宣告</a:t>
             </a:r>
-            <a:endParaRPr lang="zh-TW" altLang="en-US" dirty="0"/>
           </a:p>
         </p:txBody>
       </p:sp>
@@ -14849,20 +14155,16 @@
             </a:r>
             <a:r>
               <a:rPr lang="en-US" altLang="zh-TW" sz="2000" dirty="0"/>
-              <a:t>&lt;head&gt;&lt;/head</a:t>
-            </a:r>
-            <a:r>
-              <a:rPr lang="en-US" altLang="zh-TW" sz="2000" dirty="0" smtClean="0"/>
-              <a:t>&gt;</a:t>
+              <a:t>&lt;head&gt;&lt;/head&gt;</a:t>
             </a:r>
           </a:p>
           <a:p>
             <a:pPr lvl="1"/>
             <a:r>
-              <a:rPr lang="zh-TW" altLang="en-US" sz="2000" dirty="0" smtClean="0"/>
+              <a:rPr lang="zh-TW" altLang="en-US" sz="2000" dirty="0"/>
               <a:t>只能套用在單一網頁</a:t>
             </a:r>
-            <a:endParaRPr lang="en-US" altLang="zh-TW" sz="2000" dirty="0" smtClean="0"/>
+            <a:endParaRPr lang="en-US" altLang="zh-TW" sz="2000" dirty="0"/>
           </a:p>
           <a:p>
             <a:pPr lvl="1"/>
@@ -15237,24 +14539,19 @@
               <a:t>css</a:t>
             </a:r>
             <a:r>
-              <a:rPr lang="en-US" altLang="zh-TW" sz="1400" dirty="0" smtClean="0"/>
+              <a:rPr lang="en-US" altLang="zh-TW" sz="1400" dirty="0"/>
               <a:t>"&gt;</a:t>
             </a:r>
           </a:p>
           <a:p>
             <a:r>
-              <a:rPr lang="en-US" altLang="zh-TW" sz="1400" dirty="0" smtClean="0">
+              <a:rPr lang="en-US" altLang="zh-TW" sz="1400" dirty="0">
                 <a:solidFill>
                   <a:srgbClr val="FF0000"/>
                 </a:solidFill>
               </a:rPr>
               <a:t>&lt;!--</a:t>
             </a:r>
-            <a:endParaRPr lang="en-US" altLang="zh-TW" sz="1400" dirty="0">
-              <a:solidFill>
-                <a:srgbClr val="FF0000"/>
-              </a:solidFill>
-            </a:endParaRPr>
           </a:p>
           <a:p>
             <a:r>
@@ -15264,24 +14561,19 @@
           </a:p>
           <a:p>
             <a:r>
-              <a:rPr lang="en-US" altLang="zh-TW" sz="1400" dirty="0" smtClean="0"/>
+              <a:rPr lang="en-US" altLang="zh-TW" sz="1400" dirty="0"/>
               <a:t>	font-size: 12px;</a:t>
             </a:r>
           </a:p>
           <a:p>
             <a:r>
               <a:rPr lang="zh-TW" altLang="en-US" sz="1400" dirty="0"/>
-              <a:t> </a:t>
-            </a:r>
-            <a:r>
-              <a:rPr lang="zh-TW" altLang="en-US" sz="1400" dirty="0" smtClean="0"/>
-              <a:t>                       </a:t>
-            </a:r>
-            <a:r>
-              <a:rPr lang="en-US" altLang="zh-TW" sz="1400" dirty="0" smtClean="0"/>
+              <a:t>                        </a:t>
+            </a:r>
+            <a:r>
+              <a:rPr lang="en-US" altLang="zh-TW" sz="1400" dirty="0"/>
               <a:t>line-height: 16px;</a:t>
             </a:r>
-            <a:endParaRPr lang="en-US" altLang="zh-TW" sz="1400" dirty="0"/>
           </a:p>
           <a:p>
             <a:r>
@@ -15291,33 +14583,24 @@
           </a:p>
           <a:p>
             <a:r>
-              <a:rPr lang="en-US" altLang="zh-TW" sz="1400" dirty="0" smtClean="0"/>
+              <a:rPr lang="en-US" altLang="zh-TW" sz="1400" dirty="0"/>
               <a:t>}</a:t>
             </a:r>
           </a:p>
           <a:p>
             <a:r>
-              <a:rPr lang="en-US" altLang="zh-TW" sz="1400" dirty="0" smtClean="0">
+              <a:rPr lang="en-US" altLang="zh-TW" sz="1400" dirty="0">
                 <a:solidFill>
                   <a:srgbClr val="FF0000"/>
                 </a:solidFill>
               </a:rPr>
               <a:t>--&gt;</a:t>
             </a:r>
-            <a:endParaRPr lang="en-US" altLang="zh-TW" sz="1400" dirty="0">
-              <a:solidFill>
-                <a:srgbClr val="FF0000"/>
-              </a:solidFill>
-            </a:endParaRPr>
-          </a:p>
-          <a:p>
-            <a:r>
-              <a:rPr lang="en-US" altLang="zh-TW" sz="1400" dirty="0" smtClean="0"/>
-              <a:t>&lt;/</a:t>
-            </a:r>
+          </a:p>
+          <a:p>
             <a:r>
               <a:rPr lang="en-US" altLang="zh-TW" sz="1400" dirty="0"/>
-              <a:t>style&gt;</a:t>
+              <a:t>&lt;/style&gt;</a:t>
             </a:r>
           </a:p>
           <a:p>
@@ -15365,53 +14648,44 @@
           <a:p>
             <a:pPr algn="ctr"/>
             <a:r>
-              <a:rPr lang="zh-TW" altLang="en-US" sz="1600" b="1" dirty="0" smtClean="0">
+              <a:rPr lang="zh-TW" altLang="en-US" sz="1600" b="1" dirty="0">
                 <a:solidFill>
                   <a:srgbClr val="FF0000"/>
                 </a:solidFill>
               </a:rPr>
-              <a:t>註解符號</a:t>
-            </a:r>
-            <a:r>
-              <a:rPr lang="zh-TW" altLang="en-US" sz="1600" b="1" dirty="0">
+              <a:t>註解符號 </a:t>
+            </a:r>
+            <a:r>
+              <a:rPr lang="en-US" altLang="zh-TW" sz="1600" b="1" dirty="0">
                 <a:solidFill>
                   <a:srgbClr val="FF0000"/>
                 </a:solidFill>
               </a:rPr>
-              <a:t> </a:t>
-            </a:r>
-            <a:r>
-              <a:rPr lang="en-US" altLang="zh-TW" sz="1600" b="1" dirty="0" smtClean="0">
-                <a:solidFill>
-                  <a:srgbClr val="FF0000"/>
-                </a:solidFill>
-              </a:rPr>
               <a:t>:</a:t>
             </a:r>
           </a:p>
           <a:p>
             <a:pPr algn="ctr"/>
             <a:r>
-              <a:rPr lang="zh-TW" altLang="en-US" sz="1600" dirty="0" smtClean="0"/>
+              <a:rPr lang="zh-TW" altLang="en-US" sz="1600" dirty="0"/>
               <a:t>讓不支援</a:t>
             </a:r>
             <a:r>
-              <a:rPr lang="en-US" altLang="zh-TW" sz="1600" dirty="0" smtClean="0"/>
+              <a:rPr lang="en-US" altLang="zh-TW" sz="1600" dirty="0"/>
               <a:t>CSS</a:t>
             </a:r>
             <a:r>
-              <a:rPr lang="zh-TW" altLang="en-US" sz="1600" dirty="0" smtClean="0"/>
+              <a:rPr lang="zh-TW" altLang="en-US" sz="1600" dirty="0"/>
               <a:t>的瀏覽器忽略</a:t>
             </a:r>
             <a:r>
-              <a:rPr lang="en-US" altLang="zh-TW" sz="1600" dirty="0" smtClean="0"/>
+              <a:rPr lang="en-US" altLang="zh-TW" sz="1600" dirty="0"/>
               <a:t>CSS</a:t>
             </a:r>
             <a:r>
-              <a:rPr lang="zh-TW" altLang="en-US" sz="1600" dirty="0" smtClean="0"/>
+              <a:rPr lang="zh-TW" altLang="en-US" sz="1600" dirty="0"/>
               <a:t>語法</a:t>
             </a:r>
-            <a:endParaRPr lang="zh-TW" altLang="en-US" sz="1600" dirty="0"/>
           </a:p>
         </p:txBody>
       </p:sp>
@@ -15436,11 +14710,11 @@
           <a:lstStyle/>
           <a:p>
             <a:r>
-              <a:rPr lang="zh-TW" altLang="en-US" dirty="0" smtClean="0"/>
+              <a:rPr lang="zh-TW" altLang="en-US" dirty="0"/>
               <a:t>多媒體程式設計</a:t>
             </a:r>
             <a:r>
-              <a:rPr lang="en-US" altLang="zh-TW" dirty="0" smtClean="0"/>
+              <a:rPr lang="en-US" altLang="zh-TW" dirty="0"/>
               <a:t>-CSS</a:t>
             </a:r>
             <a:endParaRPr lang="zh-TW" altLang="en-US" dirty="0"/>
@@ -15480,13 +14754,6 @@
   <p:clrMapOvr>
     <a:masterClrMapping/>
   </p:clrMapOvr>
-  <p:timing>
-    <p:tnLst>
-      <p:par>
-        <p:cTn id="1" dur="indefinite" restart="never" nodeType="tmRoot"/>
-      </p:par>
-    </p:tnLst>
-  </p:timing>
 </p:sld>
 </file>
 
